--- a/Documentation/Master Vortrag ML_group5.pptx
+++ b/Documentation/Master Vortrag ML_group5.pptx
@@ -5,14 +5,25 @@
     <p:sldMasterId id="2147483648" r:id="rId1"/>
   </p:sldMasterIdLst>
   <p:notesMasterIdLst>
-    <p:notesMasterId r:id="rId4"/>
+    <p:notesMasterId r:id="rId15"/>
   </p:notesMasterIdLst>
   <p:handoutMasterIdLst>
-    <p:handoutMasterId r:id="rId5"/>
+    <p:handoutMasterId r:id="rId16"/>
   </p:handoutMasterIdLst>
   <p:sldIdLst>
-    <p:sldId id="258" r:id="rId2"/>
-    <p:sldId id="286" r:id="rId3"/>
+    <p:sldId id="288" r:id="rId2"/>
+    <p:sldId id="290" r:id="rId3"/>
+    <p:sldId id="291" r:id="rId4"/>
+    <p:sldId id="292" r:id="rId5"/>
+    <p:sldId id="293" r:id="rId6"/>
+    <p:sldId id="300" r:id="rId7"/>
+    <p:sldId id="294" r:id="rId8"/>
+    <p:sldId id="297" r:id="rId9"/>
+    <p:sldId id="298" r:id="rId10"/>
+    <p:sldId id="299" r:id="rId11"/>
+    <p:sldId id="295" r:id="rId12"/>
+    <p:sldId id="296" r:id="rId13"/>
+    <p:sldId id="287" r:id="rId14"/>
   </p:sldIdLst>
   <p:sldSz cx="9144000" cy="5143500" type="screen16x9"/>
   <p:notesSz cx="6858000" cy="9144000"/>
@@ -227,7 +238,7 @@
           <a:p>
             <a:fld id="{2DEC1590-0E15-4557-9C65-D8AD6B18B0C9}" type="datetimeFigureOut">
               <a:rPr lang="de-DE" smtClean="0"/>
-              <a:t>30.06.2020</a:t>
+              <a:t>01.07.2020</a:t>
             </a:fld>
             <a:endParaRPr lang="de-DE"/>
           </a:p>
@@ -404,7 +415,7 @@
           <a:p>
             <a:fld id="{04B5924E-4B7F-4B37-BD36-3DA72D6B2A43}" type="datetimeFigureOut">
               <a:rPr lang="de-DE" smtClean="0"/>
-              <a:t>30.06.2020</a:t>
+              <a:t>01.07.2020</a:t>
             </a:fld>
             <a:endParaRPr lang="de-DE"/>
           </a:p>
@@ -671,9 +682,9 @@
 </p:notesMaster>
 </file>
 
-<file path=ppt/slideLayouts/slideLayout1.xml><?xml version="1.0" encoding="utf-8"?>
-<p:sldLayout xmlns:a="http://schemas.openxmlformats.org/drawingml/2006/main" xmlns:r="http://schemas.openxmlformats.org/officeDocument/2006/relationships" xmlns:p="http://schemas.openxmlformats.org/presentationml/2006/main" preserve="1" userDrawn="1">
-  <p:cSld name="1_Bild_vollflächig">
+<file path=ppt/notesSlides/notesSlide1.xml><?xml version="1.0" encoding="utf-8"?>
+<p:notes xmlns:a="http://schemas.openxmlformats.org/drawingml/2006/main" xmlns:r="http://schemas.openxmlformats.org/officeDocument/2006/relationships" xmlns:p="http://schemas.openxmlformats.org/presentationml/2006/main">
+  <p:cSld>
     <p:spTree>
       <p:nvGrpSpPr>
         <p:cNvPr id="1" name=""/>
@@ -688,25 +699,189 @@
           <a:chExt cx="0" cy="0"/>
         </a:xfrm>
       </p:grpSpPr>
-      <p:pic>
-        <p:nvPicPr>
-          <p:cNvPr id="9" name="background-84678_1920.jpg" descr="/Users/grafiker/Downloads/background-84678_1920.jpg"/>
-          <p:cNvPicPr>
-            <a:picLocks noChangeAspect="1"/>
-          </p:cNvPicPr>
+      <p:sp>
+        <p:nvSpPr>
+          <p:cNvPr id="2" name="Folienbildplatzhalter 1"/>
+          <p:cNvSpPr>
+            <a:spLocks noGrp="1" noRot="1" noChangeAspect="1"/>
+          </p:cNvSpPr>
+          <p:nvPr>
+            <p:ph type="sldImg"/>
+          </p:nvPr>
+        </p:nvSpPr>
+        <p:spPr/>
+      </p:sp>
+      <p:sp>
+        <p:nvSpPr>
+          <p:cNvPr id="3" name="Notizenplatzhalter 2"/>
+          <p:cNvSpPr>
+            <a:spLocks noGrp="1"/>
+          </p:cNvSpPr>
+          <p:nvPr>
+            <p:ph type="body" idx="1"/>
+          </p:nvPr>
+        </p:nvSpPr>
+        <p:spPr/>
+        <p:txBody>
+          <a:bodyPr/>
+          <a:lstStyle/>
+          <a:p>
+            <a:endParaRPr lang="de-DE" dirty="0"/>
+          </a:p>
+        </p:txBody>
+      </p:sp>
+      <p:sp>
+        <p:nvSpPr>
+          <p:cNvPr id="4" name="Foliennummernplatzhalter 3"/>
+          <p:cNvSpPr>
+            <a:spLocks noGrp="1"/>
+          </p:cNvSpPr>
+          <p:nvPr>
+            <p:ph type="sldNum" sz="quarter" idx="5"/>
+          </p:nvPr>
+        </p:nvSpPr>
+        <p:spPr/>
+        <p:txBody>
+          <a:bodyPr/>
+          <a:lstStyle/>
+          <a:p>
+            <a:fld id="{A2E4462E-9CC8-4EC5-B6D8-126B2A56ADE7}" type="slidenum">
+              <a:rPr lang="de-DE" smtClean="0"/>
+              <a:t>2</a:t>
+            </a:fld>
+            <a:endParaRPr lang="de-DE"/>
+          </a:p>
+        </p:txBody>
+      </p:sp>
+    </p:spTree>
+    <p:extLst>
+      <p:ext uri="{BB962C8B-B14F-4D97-AF65-F5344CB8AC3E}">
+        <p14:creationId xmlns:p14="http://schemas.microsoft.com/office/powerpoint/2010/main" val="3193326330"/>
+      </p:ext>
+    </p:extLst>
+  </p:cSld>
+  <p:clrMapOvr>
+    <a:masterClrMapping/>
+  </p:clrMapOvr>
+</p:notes>
+</file>
+
+<file path=ppt/notesSlides/notesSlide2.xml><?xml version="1.0" encoding="utf-8"?>
+<p:notes xmlns:a="http://schemas.openxmlformats.org/drawingml/2006/main" xmlns:r="http://schemas.openxmlformats.org/officeDocument/2006/relationships" xmlns:p="http://schemas.openxmlformats.org/presentationml/2006/main">
+  <p:cSld>
+    <p:spTree>
+      <p:nvGrpSpPr>
+        <p:cNvPr id="1" name=""/>
+        <p:cNvGrpSpPr/>
+        <p:nvPr/>
+      </p:nvGrpSpPr>
+      <p:grpSpPr>
+        <a:xfrm>
+          <a:off x="0" y="0"/>
+          <a:ext cx="0" cy="0"/>
+          <a:chOff x="0" y="0"/>
+          <a:chExt cx="0" cy="0"/>
+        </a:xfrm>
+      </p:grpSpPr>
+      <p:sp>
+        <p:nvSpPr>
+          <p:cNvPr id="2" name="Folienbildplatzhalter 1"/>
+          <p:cNvSpPr>
+            <a:spLocks noGrp="1" noRot="1" noChangeAspect="1"/>
+          </p:cNvSpPr>
+          <p:nvPr>
+            <p:ph type="sldImg"/>
+          </p:nvPr>
+        </p:nvSpPr>
+        <p:spPr/>
+      </p:sp>
+      <p:sp>
+        <p:nvSpPr>
+          <p:cNvPr id="3" name="Notizenplatzhalter 2"/>
+          <p:cNvSpPr>
+            <a:spLocks noGrp="1"/>
+          </p:cNvSpPr>
+          <p:nvPr>
+            <p:ph type="body" idx="1"/>
+          </p:nvPr>
+        </p:nvSpPr>
+        <p:spPr/>
+        <p:txBody>
+          <a:bodyPr/>
+          <a:lstStyle/>
+          <a:p>
+            <a:r>
+              <a:rPr lang="de-DE" dirty="0"/>
+              <a:t>Timo:</a:t>
+            </a:r>
+          </a:p>
+          <a:p>
+            <a:r>
+              <a:rPr lang="de-DE" dirty="0"/>
+              <a:t>Hier können wir die Story bzgl. veränderter Situation erzählen. </a:t>
+            </a:r>
+          </a:p>
+        </p:txBody>
+      </p:sp>
+      <p:sp>
+        <p:nvSpPr>
+          <p:cNvPr id="4" name="Foliennummernplatzhalter 3"/>
+          <p:cNvSpPr>
+            <a:spLocks noGrp="1"/>
+          </p:cNvSpPr>
+          <p:nvPr>
+            <p:ph type="sldNum" sz="quarter" idx="5"/>
+          </p:nvPr>
+        </p:nvSpPr>
+        <p:spPr/>
+        <p:txBody>
+          <a:bodyPr/>
+          <a:lstStyle/>
+          <a:p>
+            <a:fld id="{A2E4462E-9CC8-4EC5-B6D8-126B2A56ADE7}" type="slidenum">
+              <a:rPr lang="de-DE" smtClean="0"/>
+              <a:t>3</a:t>
+            </a:fld>
+            <a:endParaRPr lang="de-DE"/>
+          </a:p>
+        </p:txBody>
+      </p:sp>
+    </p:spTree>
+    <p:extLst>
+      <p:ext uri="{BB962C8B-B14F-4D97-AF65-F5344CB8AC3E}">
+        <p14:creationId xmlns:p14="http://schemas.microsoft.com/office/powerpoint/2010/main" val="4218676828"/>
+      </p:ext>
+    </p:extLst>
+  </p:cSld>
+  <p:clrMapOvr>
+    <a:masterClrMapping/>
+  </p:clrMapOvr>
+</p:notes>
+</file>
+
+<file path=ppt/slideLayouts/slideLayout1.xml><?xml version="1.0" encoding="utf-8"?>
+<p:sldLayout xmlns:a="http://schemas.openxmlformats.org/drawingml/2006/main" xmlns:r="http://schemas.openxmlformats.org/officeDocument/2006/relationships" xmlns:p="http://schemas.openxmlformats.org/presentationml/2006/main" preserve="1" userDrawn="1">
+  <p:cSld name="3b_einfarbiger_HG_Blau">
+    <p:spTree>
+      <p:nvGrpSpPr>
+        <p:cNvPr id="1" name=""/>
+        <p:cNvGrpSpPr/>
+        <p:nvPr/>
+      </p:nvGrpSpPr>
+      <p:grpSpPr>
+        <a:xfrm>
+          <a:off x="0" y="0"/>
+          <a:ext cx="0" cy="0"/>
+          <a:chOff x="0" y="0"/>
+          <a:chExt cx="0" cy="0"/>
+        </a:xfrm>
+      </p:grpSpPr>
+      <p:sp>
+        <p:nvSpPr>
+          <p:cNvPr id="2" name="Rechteck 1"/>
+          <p:cNvSpPr/>
           <p:nvPr userDrawn="1"/>
-        </p:nvPicPr>
-        <p:blipFill rotWithShape="1">
-          <a:blip r:embed="rId2" r:link="rId3">
-            <a:extLst>
-              <a:ext uri="{28A0092B-C50C-407E-A947-70E740481C1C}">
-                <a14:useLocalDpi xmlns:a14="http://schemas.microsoft.com/office/drawing/2010/main" val="0"/>
-              </a:ext>
-            </a:extLst>
-          </a:blip>
-          <a:srcRect t="17224" r="190" b="20266"/>
-          <a:stretch/>
-        </p:blipFill>
+        </p:nvSpPr>
         <p:spPr>
           <a:xfrm>
             <a:off x="0" y="1052006"/>
@@ -715,51 +890,41 @@
           <a:prstGeom prst="rect">
             <a:avLst/>
           </a:prstGeom>
+          <a:solidFill>
+            <a:srgbClr val="009CD1"/>
+          </a:solidFill>
+          <a:ln>
+            <a:noFill/>
+          </a:ln>
+          <a:effectLst/>
         </p:spPr>
-      </p:pic>
-      <p:sp>
-        <p:nvSpPr>
-          <p:cNvPr id="7" name="Bildplatzhalter 6"/>
-          <p:cNvSpPr>
-            <a:spLocks noGrp="1"/>
-          </p:cNvSpPr>
-          <p:nvPr>
-            <p:ph type="pic" sz="quarter" idx="10" hasCustomPrompt="1"/>
-          </p:nvPr>
-        </p:nvSpPr>
-        <p:spPr>
-          <a:xfrm>
-            <a:off x="0" y="1052006"/>
-            <a:ext cx="9144000" cy="3817829"/>
-          </a:xfrm>
-        </p:spPr>
-        <p:txBody>
-          <a:bodyPr>
-            <a:normAutofit/>
-          </a:bodyPr>
-          <a:lstStyle>
-            <a:lvl1pPr marL="0" indent="0">
-              <a:buNone/>
-              <a:defRPr sz="1400">
-                <a:solidFill>
-                  <a:srgbClr val="FFFFFF"/>
-                </a:solidFill>
-                <a:latin typeface="TheSans UHH"/>
-              </a:defRPr>
-            </a:lvl1pPr>
-          </a:lstStyle>
-          <a:p>
-            <a:r>
-              <a:rPr lang="de-DE" dirty="0"/>
-              <a:t>Bild einfügen</a:t>
-            </a:r>
+        <p:style>
+          <a:lnRef idx="1">
+            <a:schemeClr val="accent1"/>
+          </a:lnRef>
+          <a:fillRef idx="3">
+            <a:schemeClr val="accent1"/>
+          </a:fillRef>
+          <a:effectRef idx="2">
+            <a:schemeClr val="accent1"/>
+          </a:effectRef>
+          <a:fontRef idx="minor">
+            <a:schemeClr val="lt1"/>
+          </a:fontRef>
+        </p:style>
+        <p:txBody>
+          <a:bodyPr rtlCol="0" anchor="ctr"/>
+          <a:lstStyle/>
+          <a:p>
+            <a:pPr algn="ctr"/>
+            <a:endParaRPr lang="de-DE"/>
           </a:p>
         </p:txBody>
       </p:sp>
     </p:spTree>
     <p:extLst>
       <p:ext uri="{BB962C8B-B14F-4D97-AF65-F5344CB8AC3E}">
-        <p14:creationId xmlns:p14="http://schemas.microsoft.com/office/powerpoint/2010/main" val="1227353205"/>
+        <p14:creationId xmlns:p14="http://schemas.microsoft.com/office/powerpoint/2010/main" val="1873842996"/>
       </p:ext>
     </p:extLst>
   </p:cSld>
@@ -769,7 +934,1681 @@
 </p:sldLayout>
 </file>
 
-<file path=ppt/slideLayouts/slideLayout10.xml><?xml version="1.0" encoding="utf-8"?>
+<file path=ppt/slideLayouts/slideLayout2.xml><?xml version="1.0" encoding="utf-8"?>
+<p:sldLayout xmlns:a="http://schemas.openxmlformats.org/drawingml/2006/main" xmlns:r="http://schemas.openxmlformats.org/officeDocument/2006/relationships" xmlns:p="http://schemas.openxmlformats.org/presentationml/2006/main" preserve="1" userDrawn="1">
+  <p:cSld name="4a_Headline_und_Text">
+    <p:spTree>
+      <p:nvGrpSpPr>
+        <p:cNvPr id="1" name=""/>
+        <p:cNvGrpSpPr/>
+        <p:nvPr/>
+      </p:nvGrpSpPr>
+      <p:grpSpPr>
+        <a:xfrm>
+          <a:off x="0" y="0"/>
+          <a:ext cx="0" cy="0"/>
+          <a:chOff x="0" y="0"/>
+          <a:chExt cx="0" cy="0"/>
+        </a:xfrm>
+      </p:grpSpPr>
+      <p:cxnSp>
+        <p:nvCxnSpPr>
+          <p:cNvPr id="6" name="Gerade Verbindung 5"/>
+          <p:cNvCxnSpPr/>
+          <p:nvPr userDrawn="1"/>
+        </p:nvCxnSpPr>
+        <p:spPr>
+          <a:xfrm>
+            <a:off x="0" y="1059582"/>
+            <a:ext cx="9144000" cy="0"/>
+          </a:xfrm>
+          <a:prstGeom prst="line">
+            <a:avLst/>
+          </a:prstGeom>
+          <a:ln w="25400">
+            <a:solidFill>
+              <a:srgbClr val="009CD1"/>
+            </a:solidFill>
+          </a:ln>
+          <a:effectLst/>
+        </p:spPr>
+        <p:style>
+          <a:lnRef idx="2">
+            <a:schemeClr val="accent1"/>
+          </a:lnRef>
+          <a:fillRef idx="0">
+            <a:schemeClr val="accent1"/>
+          </a:fillRef>
+          <a:effectRef idx="1">
+            <a:schemeClr val="accent1"/>
+          </a:effectRef>
+          <a:fontRef idx="minor">
+            <a:schemeClr val="tx1"/>
+          </a:fontRef>
+        </p:style>
+      </p:cxnSp>
+      <p:sp>
+        <p:nvSpPr>
+          <p:cNvPr id="10" name="Textplatzhalter 9"/>
+          <p:cNvSpPr>
+            <a:spLocks noGrp="1"/>
+          </p:cNvSpPr>
+          <p:nvPr>
+            <p:ph type="body" sz="quarter" idx="13"/>
+          </p:nvPr>
+        </p:nvSpPr>
+        <p:spPr>
+          <a:xfrm>
+            <a:off x="214769" y="1203598"/>
+            <a:ext cx="8533695" cy="503882"/>
+          </a:xfrm>
+        </p:spPr>
+        <p:txBody>
+          <a:bodyPr>
+            <a:normAutofit/>
+          </a:bodyPr>
+          <a:lstStyle>
+            <a:lvl1pPr marL="0" indent="0">
+              <a:buNone/>
+              <a:defRPr sz="2600">
+                <a:latin typeface="TheSans UHH Bold Caps"/>
+              </a:defRPr>
+            </a:lvl1pPr>
+            <a:lvl2pPr>
+              <a:defRPr sz="2600">
+                <a:latin typeface="TheSans UHH Bold Caps"/>
+              </a:defRPr>
+            </a:lvl2pPr>
+            <a:lvl3pPr>
+              <a:defRPr sz="2600">
+                <a:latin typeface="TheSans UHH Bold Caps"/>
+              </a:defRPr>
+            </a:lvl3pPr>
+            <a:lvl4pPr>
+              <a:defRPr sz="2600">
+                <a:latin typeface="TheSans UHH Bold Caps"/>
+              </a:defRPr>
+            </a:lvl4pPr>
+            <a:lvl5pPr>
+              <a:defRPr sz="2600">
+                <a:latin typeface="TheSans UHH Bold Caps"/>
+              </a:defRPr>
+            </a:lvl5pPr>
+          </a:lstStyle>
+          <a:p>
+            <a:pPr lvl="0"/>
+            <a:r>
+              <a:rPr lang="de-DE" dirty="0"/>
+              <a:t>Mastertextformat bearbeiten</a:t>
+            </a:r>
+          </a:p>
+        </p:txBody>
+      </p:sp>
+      <p:sp>
+        <p:nvSpPr>
+          <p:cNvPr id="11" name="Textplatzhalter 9"/>
+          <p:cNvSpPr>
+            <a:spLocks noGrp="1"/>
+          </p:cNvSpPr>
+          <p:nvPr>
+            <p:ph type="body" sz="quarter" idx="14"/>
+          </p:nvPr>
+        </p:nvSpPr>
+        <p:spPr>
+          <a:xfrm>
+            <a:off x="214769" y="1779662"/>
+            <a:ext cx="8533695" cy="2880320"/>
+          </a:xfrm>
+        </p:spPr>
+        <p:txBody>
+          <a:bodyPr>
+            <a:normAutofit/>
+          </a:bodyPr>
+          <a:lstStyle>
+            <a:lvl1pPr marL="0" indent="0">
+              <a:buNone/>
+              <a:defRPr sz="2000">
+                <a:latin typeface="TheSans UHH"/>
+              </a:defRPr>
+            </a:lvl1pPr>
+            <a:lvl2pPr>
+              <a:defRPr sz="2600">
+                <a:latin typeface="TheSans UHH Bold Caps"/>
+              </a:defRPr>
+            </a:lvl2pPr>
+            <a:lvl3pPr>
+              <a:defRPr sz="2600">
+                <a:latin typeface="TheSans UHH Bold Caps"/>
+              </a:defRPr>
+            </a:lvl3pPr>
+            <a:lvl4pPr>
+              <a:defRPr sz="2600">
+                <a:latin typeface="TheSans UHH Bold Caps"/>
+              </a:defRPr>
+            </a:lvl4pPr>
+            <a:lvl5pPr>
+              <a:defRPr sz="2600">
+                <a:latin typeface="TheSans UHH Bold Caps"/>
+              </a:defRPr>
+            </a:lvl5pPr>
+          </a:lstStyle>
+          <a:p>
+            <a:pPr lvl="0"/>
+            <a:r>
+              <a:rPr lang="de-DE" dirty="0"/>
+              <a:t>Mastertextformat bearbeiten</a:t>
+            </a:r>
+          </a:p>
+        </p:txBody>
+      </p:sp>
+      <p:sp>
+        <p:nvSpPr>
+          <p:cNvPr id="5" name="Datumsplatzhalter 3">
+            <a:extLst>
+              <a:ext uri="{FF2B5EF4-FFF2-40B4-BE49-F238E27FC236}">
+                <a16:creationId xmlns:a16="http://schemas.microsoft.com/office/drawing/2014/main" id="{E541E2E4-6B03-47A5-87AC-2F4097594AF4}"/>
+              </a:ext>
+            </a:extLst>
+          </p:cNvPr>
+          <p:cNvSpPr>
+            <a:spLocks noGrp="1"/>
+          </p:cNvSpPr>
+          <p:nvPr>
+            <p:ph type="dt" sz="half" idx="2"/>
+          </p:nvPr>
+        </p:nvSpPr>
+        <p:spPr>
+          <a:xfrm>
+            <a:off x="457200" y="4767263"/>
+            <a:ext cx="2133600" cy="273844"/>
+          </a:xfrm>
+          <a:prstGeom prst="rect">
+            <a:avLst/>
+          </a:prstGeom>
+        </p:spPr>
+        <p:txBody>
+          <a:bodyPr vert="horz" lIns="91440" tIns="45720" rIns="91440" bIns="45720" rtlCol="0" anchor="ctr"/>
+          <a:lstStyle>
+            <a:lvl1pPr algn="l">
+              <a:defRPr sz="1200">
+                <a:solidFill>
+                  <a:schemeClr val="tx1">
+                    <a:tint val="75000"/>
+                  </a:schemeClr>
+                </a:solidFill>
+              </a:defRPr>
+            </a:lvl1pPr>
+          </a:lstStyle>
+          <a:p>
+            <a:fld id="{09D069C5-CC22-4E88-BB35-FA27CD7EA121}" type="datetime1">
+              <a:rPr lang="de-DE" smtClean="0"/>
+              <a:t>01.07.2020</a:t>
+            </a:fld>
+            <a:endParaRPr lang="de-DE" dirty="0"/>
+          </a:p>
+        </p:txBody>
+      </p:sp>
+      <p:sp>
+        <p:nvSpPr>
+          <p:cNvPr id="7" name="Fußzeilenplatzhalter 4">
+            <a:extLst>
+              <a:ext uri="{FF2B5EF4-FFF2-40B4-BE49-F238E27FC236}">
+                <a16:creationId xmlns:a16="http://schemas.microsoft.com/office/drawing/2014/main" id="{B07D66EE-165B-4AAD-B779-B641016A23F8}"/>
+              </a:ext>
+            </a:extLst>
+          </p:cNvPr>
+          <p:cNvSpPr>
+            <a:spLocks noGrp="1"/>
+          </p:cNvSpPr>
+          <p:nvPr>
+            <p:ph type="ftr" sz="quarter" idx="3"/>
+          </p:nvPr>
+        </p:nvSpPr>
+        <p:spPr>
+          <a:xfrm>
+            <a:off x="3124200" y="4767263"/>
+            <a:ext cx="2895600" cy="273844"/>
+          </a:xfrm>
+          <a:prstGeom prst="rect">
+            <a:avLst/>
+          </a:prstGeom>
+        </p:spPr>
+        <p:txBody>
+          <a:bodyPr vert="horz" lIns="91440" tIns="45720" rIns="91440" bIns="45720" rtlCol="0" anchor="ctr"/>
+          <a:lstStyle>
+            <a:lvl1pPr algn="ctr">
+              <a:defRPr sz="1200">
+                <a:solidFill>
+                  <a:schemeClr val="tx1">
+                    <a:tint val="75000"/>
+                  </a:schemeClr>
+                </a:solidFill>
+              </a:defRPr>
+            </a:lvl1pPr>
+          </a:lstStyle>
+          <a:p>
+            <a:r>
+              <a:rPr lang="de-DE"/>
+              <a:t>Group 5 - Facial emotion recognition</a:t>
+            </a:r>
+            <a:endParaRPr lang="de-DE" dirty="0"/>
+          </a:p>
+        </p:txBody>
+      </p:sp>
+      <p:sp>
+        <p:nvSpPr>
+          <p:cNvPr id="8" name="Foliennummernplatzhalter 5">
+            <a:extLst>
+              <a:ext uri="{FF2B5EF4-FFF2-40B4-BE49-F238E27FC236}">
+                <a16:creationId xmlns:a16="http://schemas.microsoft.com/office/drawing/2014/main" id="{7512F3F3-3373-48EC-BFF6-AA4FC25F3881}"/>
+              </a:ext>
+            </a:extLst>
+          </p:cNvPr>
+          <p:cNvSpPr>
+            <a:spLocks noGrp="1"/>
+          </p:cNvSpPr>
+          <p:nvPr>
+            <p:ph type="sldNum" sz="quarter" idx="4"/>
+          </p:nvPr>
+        </p:nvSpPr>
+        <p:spPr>
+          <a:xfrm>
+            <a:off x="6553200" y="4767263"/>
+            <a:ext cx="2133600" cy="273844"/>
+          </a:xfrm>
+          <a:prstGeom prst="rect">
+            <a:avLst/>
+          </a:prstGeom>
+        </p:spPr>
+        <p:txBody>
+          <a:bodyPr vert="horz" lIns="91440" tIns="45720" rIns="91440" bIns="45720" rtlCol="0" anchor="ctr"/>
+          <a:lstStyle>
+            <a:lvl1pPr algn="r">
+              <a:defRPr sz="1200">
+                <a:solidFill>
+                  <a:schemeClr val="tx1">
+                    <a:tint val="75000"/>
+                  </a:schemeClr>
+                </a:solidFill>
+              </a:defRPr>
+            </a:lvl1pPr>
+          </a:lstStyle>
+          <a:p>
+            <a:fld id="{3E01A2B2-10AD-754B-9B4C-E5B6FED423D0}" type="slidenum">
+              <a:rPr lang="de-DE" smtClean="0"/>
+              <a:t>‹Nr.›</a:t>
+            </a:fld>
+            <a:endParaRPr lang="de-DE"/>
+          </a:p>
+        </p:txBody>
+      </p:sp>
+    </p:spTree>
+    <p:extLst>
+      <p:ext uri="{BB962C8B-B14F-4D97-AF65-F5344CB8AC3E}">
+        <p14:creationId xmlns:p14="http://schemas.microsoft.com/office/powerpoint/2010/main" val="2552089639"/>
+      </p:ext>
+    </p:extLst>
+  </p:cSld>
+  <p:clrMapOvr>
+    <a:masterClrMapping/>
+  </p:clrMapOvr>
+</p:sldLayout>
+</file>
+
+<file path=ppt/slideLayouts/slideLayout3.xml><?xml version="1.0" encoding="utf-8"?>
+<p:sldLayout xmlns:a="http://schemas.openxmlformats.org/drawingml/2006/main" xmlns:r="http://schemas.openxmlformats.org/officeDocument/2006/relationships" xmlns:p="http://schemas.openxmlformats.org/presentationml/2006/main" preserve="1" userDrawn="1">
+  <p:cSld name="4b_Headline_und_Text_zweispaltig">
+    <p:spTree>
+      <p:nvGrpSpPr>
+        <p:cNvPr id="1" name=""/>
+        <p:cNvGrpSpPr/>
+        <p:nvPr/>
+      </p:nvGrpSpPr>
+      <p:grpSpPr>
+        <a:xfrm>
+          <a:off x="0" y="0"/>
+          <a:ext cx="0" cy="0"/>
+          <a:chOff x="0" y="0"/>
+          <a:chExt cx="0" cy="0"/>
+        </a:xfrm>
+      </p:grpSpPr>
+      <p:cxnSp>
+        <p:nvCxnSpPr>
+          <p:cNvPr id="6" name="Gerade Verbindung 5"/>
+          <p:cNvCxnSpPr/>
+          <p:nvPr userDrawn="1"/>
+        </p:nvCxnSpPr>
+        <p:spPr>
+          <a:xfrm>
+            <a:off x="0" y="1059582"/>
+            <a:ext cx="9144000" cy="0"/>
+          </a:xfrm>
+          <a:prstGeom prst="line">
+            <a:avLst/>
+          </a:prstGeom>
+          <a:ln w="25400">
+            <a:solidFill>
+              <a:srgbClr val="009CD1"/>
+            </a:solidFill>
+          </a:ln>
+          <a:effectLst/>
+        </p:spPr>
+        <p:style>
+          <a:lnRef idx="2">
+            <a:schemeClr val="accent1"/>
+          </a:lnRef>
+          <a:fillRef idx="0">
+            <a:schemeClr val="accent1"/>
+          </a:fillRef>
+          <a:effectRef idx="1">
+            <a:schemeClr val="accent1"/>
+          </a:effectRef>
+          <a:fontRef idx="minor">
+            <a:schemeClr val="tx1"/>
+          </a:fontRef>
+        </p:style>
+      </p:cxnSp>
+      <p:sp>
+        <p:nvSpPr>
+          <p:cNvPr id="10" name="Textplatzhalter 9"/>
+          <p:cNvSpPr>
+            <a:spLocks noGrp="1"/>
+          </p:cNvSpPr>
+          <p:nvPr>
+            <p:ph type="body" sz="quarter" idx="13"/>
+          </p:nvPr>
+        </p:nvSpPr>
+        <p:spPr>
+          <a:xfrm>
+            <a:off x="214769" y="1203598"/>
+            <a:ext cx="8353425" cy="503882"/>
+          </a:xfrm>
+        </p:spPr>
+        <p:txBody>
+          <a:bodyPr>
+            <a:normAutofit/>
+          </a:bodyPr>
+          <a:lstStyle>
+            <a:lvl1pPr marL="0" indent="0">
+              <a:buNone/>
+              <a:defRPr sz="2600">
+                <a:latin typeface="TheSans UHH Bold Caps"/>
+              </a:defRPr>
+            </a:lvl1pPr>
+            <a:lvl2pPr>
+              <a:defRPr sz="2600">
+                <a:latin typeface="TheSans UHH Bold Caps"/>
+              </a:defRPr>
+            </a:lvl2pPr>
+            <a:lvl3pPr>
+              <a:defRPr sz="2600">
+                <a:latin typeface="TheSans UHH Bold Caps"/>
+              </a:defRPr>
+            </a:lvl3pPr>
+            <a:lvl4pPr>
+              <a:defRPr sz="2600">
+                <a:latin typeface="TheSans UHH Bold Caps"/>
+              </a:defRPr>
+            </a:lvl4pPr>
+            <a:lvl5pPr>
+              <a:defRPr sz="2600">
+                <a:latin typeface="TheSans UHH Bold Caps"/>
+              </a:defRPr>
+            </a:lvl5pPr>
+          </a:lstStyle>
+          <a:p>
+            <a:pPr lvl="0"/>
+            <a:r>
+              <a:rPr lang="de-DE" dirty="0"/>
+              <a:t>Mastertextformat bearbeiten</a:t>
+            </a:r>
+          </a:p>
+        </p:txBody>
+      </p:sp>
+      <p:sp>
+        <p:nvSpPr>
+          <p:cNvPr id="12" name="Textplatzhalter 9"/>
+          <p:cNvSpPr>
+            <a:spLocks noGrp="1"/>
+          </p:cNvSpPr>
+          <p:nvPr>
+            <p:ph type="body" sz="quarter" idx="14"/>
+          </p:nvPr>
+        </p:nvSpPr>
+        <p:spPr>
+          <a:xfrm>
+            <a:off x="214770" y="1779662"/>
+            <a:ext cx="4171028" cy="2880320"/>
+          </a:xfrm>
+        </p:spPr>
+        <p:txBody>
+          <a:bodyPr>
+            <a:normAutofit/>
+          </a:bodyPr>
+          <a:lstStyle>
+            <a:lvl1pPr marL="0" indent="0">
+              <a:buNone/>
+              <a:defRPr sz="2000">
+                <a:latin typeface="TheSans UHH"/>
+              </a:defRPr>
+            </a:lvl1pPr>
+            <a:lvl2pPr>
+              <a:defRPr sz="2600">
+                <a:latin typeface="TheSans UHH Bold Caps"/>
+              </a:defRPr>
+            </a:lvl2pPr>
+            <a:lvl3pPr>
+              <a:defRPr sz="2600">
+                <a:latin typeface="TheSans UHH Bold Caps"/>
+              </a:defRPr>
+            </a:lvl3pPr>
+            <a:lvl4pPr>
+              <a:defRPr sz="2600">
+                <a:latin typeface="TheSans UHH Bold Caps"/>
+              </a:defRPr>
+            </a:lvl4pPr>
+            <a:lvl5pPr>
+              <a:defRPr sz="2600">
+                <a:latin typeface="TheSans UHH Bold Caps"/>
+              </a:defRPr>
+            </a:lvl5pPr>
+          </a:lstStyle>
+          <a:p>
+            <a:pPr lvl="0"/>
+            <a:r>
+              <a:rPr lang="de-DE" dirty="0"/>
+              <a:t>Mastertextformat bearbeiten</a:t>
+            </a:r>
+          </a:p>
+        </p:txBody>
+      </p:sp>
+      <p:sp>
+        <p:nvSpPr>
+          <p:cNvPr id="14" name="Textplatzhalter 9"/>
+          <p:cNvSpPr>
+            <a:spLocks noGrp="1"/>
+          </p:cNvSpPr>
+          <p:nvPr>
+            <p:ph type="body" sz="quarter" idx="15"/>
+          </p:nvPr>
+        </p:nvSpPr>
+        <p:spPr>
+          <a:xfrm>
+            <a:off x="4572000" y="1779662"/>
+            <a:ext cx="4171028" cy="2880320"/>
+          </a:xfrm>
+        </p:spPr>
+        <p:txBody>
+          <a:bodyPr>
+            <a:normAutofit/>
+          </a:bodyPr>
+          <a:lstStyle>
+            <a:lvl1pPr marL="0" indent="0">
+              <a:buNone/>
+              <a:defRPr sz="2000">
+                <a:latin typeface="TheSans UHH"/>
+              </a:defRPr>
+            </a:lvl1pPr>
+            <a:lvl2pPr>
+              <a:defRPr sz="2600">
+                <a:latin typeface="TheSans UHH Bold Caps"/>
+              </a:defRPr>
+            </a:lvl2pPr>
+            <a:lvl3pPr>
+              <a:defRPr sz="2600">
+                <a:latin typeface="TheSans UHH Bold Caps"/>
+              </a:defRPr>
+            </a:lvl3pPr>
+            <a:lvl4pPr>
+              <a:defRPr sz="2600">
+                <a:latin typeface="TheSans UHH Bold Caps"/>
+              </a:defRPr>
+            </a:lvl4pPr>
+            <a:lvl5pPr>
+              <a:defRPr sz="2600">
+                <a:latin typeface="TheSans UHH Bold Caps"/>
+              </a:defRPr>
+            </a:lvl5pPr>
+          </a:lstStyle>
+          <a:p>
+            <a:pPr lvl="0"/>
+            <a:r>
+              <a:rPr lang="de-DE" dirty="0"/>
+              <a:t>Mastertextformat bearbeiten</a:t>
+            </a:r>
+          </a:p>
+        </p:txBody>
+      </p:sp>
+      <p:sp>
+        <p:nvSpPr>
+          <p:cNvPr id="7" name="Datumsplatzhalter 3">
+            <a:extLst>
+              <a:ext uri="{FF2B5EF4-FFF2-40B4-BE49-F238E27FC236}">
+                <a16:creationId xmlns:a16="http://schemas.microsoft.com/office/drawing/2014/main" id="{452489D5-2EA7-4263-BE14-3F481C1C413D}"/>
+              </a:ext>
+            </a:extLst>
+          </p:cNvPr>
+          <p:cNvSpPr>
+            <a:spLocks noGrp="1"/>
+          </p:cNvSpPr>
+          <p:nvPr>
+            <p:ph type="dt" sz="half" idx="2"/>
+          </p:nvPr>
+        </p:nvSpPr>
+        <p:spPr>
+          <a:xfrm>
+            <a:off x="457200" y="4767263"/>
+            <a:ext cx="2133600" cy="273844"/>
+          </a:xfrm>
+          <a:prstGeom prst="rect">
+            <a:avLst/>
+          </a:prstGeom>
+        </p:spPr>
+        <p:txBody>
+          <a:bodyPr vert="horz" lIns="91440" tIns="45720" rIns="91440" bIns="45720" rtlCol="0" anchor="ctr"/>
+          <a:lstStyle>
+            <a:lvl1pPr algn="l">
+              <a:defRPr sz="1200">
+                <a:solidFill>
+                  <a:schemeClr val="tx1">
+                    <a:tint val="75000"/>
+                  </a:schemeClr>
+                </a:solidFill>
+              </a:defRPr>
+            </a:lvl1pPr>
+          </a:lstStyle>
+          <a:p>
+            <a:fld id="{09D069C5-CC22-4E88-BB35-FA27CD7EA121}" type="datetime1">
+              <a:rPr lang="de-DE" smtClean="0"/>
+              <a:t>01.07.2020</a:t>
+            </a:fld>
+            <a:endParaRPr lang="de-DE" dirty="0"/>
+          </a:p>
+        </p:txBody>
+      </p:sp>
+      <p:sp>
+        <p:nvSpPr>
+          <p:cNvPr id="8" name="Fußzeilenplatzhalter 4">
+            <a:extLst>
+              <a:ext uri="{FF2B5EF4-FFF2-40B4-BE49-F238E27FC236}">
+                <a16:creationId xmlns:a16="http://schemas.microsoft.com/office/drawing/2014/main" id="{CF5A3D16-11D3-4F88-91CE-393D9626C5F4}"/>
+              </a:ext>
+            </a:extLst>
+          </p:cNvPr>
+          <p:cNvSpPr>
+            <a:spLocks noGrp="1"/>
+          </p:cNvSpPr>
+          <p:nvPr>
+            <p:ph type="ftr" sz="quarter" idx="3"/>
+          </p:nvPr>
+        </p:nvSpPr>
+        <p:spPr>
+          <a:xfrm>
+            <a:off x="3124200" y="4767263"/>
+            <a:ext cx="2895600" cy="273844"/>
+          </a:xfrm>
+          <a:prstGeom prst="rect">
+            <a:avLst/>
+          </a:prstGeom>
+        </p:spPr>
+        <p:txBody>
+          <a:bodyPr vert="horz" lIns="91440" tIns="45720" rIns="91440" bIns="45720" rtlCol="0" anchor="ctr"/>
+          <a:lstStyle>
+            <a:lvl1pPr algn="ctr">
+              <a:defRPr sz="1200">
+                <a:solidFill>
+                  <a:schemeClr val="tx1">
+                    <a:tint val="75000"/>
+                  </a:schemeClr>
+                </a:solidFill>
+              </a:defRPr>
+            </a:lvl1pPr>
+          </a:lstStyle>
+          <a:p>
+            <a:r>
+              <a:rPr lang="de-DE"/>
+              <a:t>Group 5 - Facial emotion recognition</a:t>
+            </a:r>
+            <a:endParaRPr lang="de-DE" dirty="0"/>
+          </a:p>
+        </p:txBody>
+      </p:sp>
+      <p:sp>
+        <p:nvSpPr>
+          <p:cNvPr id="9" name="Foliennummernplatzhalter 5">
+            <a:extLst>
+              <a:ext uri="{FF2B5EF4-FFF2-40B4-BE49-F238E27FC236}">
+                <a16:creationId xmlns:a16="http://schemas.microsoft.com/office/drawing/2014/main" id="{CEF55E95-B632-4631-9A9F-64F6E461066A}"/>
+              </a:ext>
+            </a:extLst>
+          </p:cNvPr>
+          <p:cNvSpPr>
+            <a:spLocks noGrp="1"/>
+          </p:cNvSpPr>
+          <p:nvPr>
+            <p:ph type="sldNum" sz="quarter" idx="4"/>
+          </p:nvPr>
+        </p:nvSpPr>
+        <p:spPr>
+          <a:xfrm>
+            <a:off x="6553200" y="4767263"/>
+            <a:ext cx="2133600" cy="273844"/>
+          </a:xfrm>
+          <a:prstGeom prst="rect">
+            <a:avLst/>
+          </a:prstGeom>
+        </p:spPr>
+        <p:txBody>
+          <a:bodyPr vert="horz" lIns="91440" tIns="45720" rIns="91440" bIns="45720" rtlCol="0" anchor="ctr"/>
+          <a:lstStyle>
+            <a:lvl1pPr algn="r">
+              <a:defRPr sz="1200">
+                <a:solidFill>
+                  <a:schemeClr val="tx1">
+                    <a:tint val="75000"/>
+                  </a:schemeClr>
+                </a:solidFill>
+              </a:defRPr>
+            </a:lvl1pPr>
+          </a:lstStyle>
+          <a:p>
+            <a:fld id="{3E01A2B2-10AD-754B-9B4C-E5B6FED423D0}" type="slidenum">
+              <a:rPr lang="de-DE" smtClean="0"/>
+              <a:t>‹Nr.›</a:t>
+            </a:fld>
+            <a:endParaRPr lang="de-DE"/>
+          </a:p>
+        </p:txBody>
+      </p:sp>
+    </p:spTree>
+    <p:extLst>
+      <p:ext uri="{BB962C8B-B14F-4D97-AF65-F5344CB8AC3E}">
+        <p14:creationId xmlns:p14="http://schemas.microsoft.com/office/powerpoint/2010/main" val="3193518079"/>
+      </p:ext>
+    </p:extLst>
+  </p:cSld>
+  <p:clrMapOvr>
+    <a:masterClrMapping/>
+  </p:clrMapOvr>
+  <p:hf sldNum="0" hdr="0"/>
+</p:sldLayout>
+</file>
+
+<file path=ppt/slideLayouts/slideLayout4.xml><?xml version="1.0" encoding="utf-8"?>
+<p:sldLayout xmlns:a="http://schemas.openxmlformats.org/drawingml/2006/main" xmlns:r="http://schemas.openxmlformats.org/officeDocument/2006/relationships" xmlns:p="http://schemas.openxmlformats.org/presentationml/2006/main" preserve="1" userDrawn="1">
+  <p:cSld name="4c_Headline_Text_und_Bild">
+    <p:spTree>
+      <p:nvGrpSpPr>
+        <p:cNvPr id="1" name=""/>
+        <p:cNvGrpSpPr/>
+        <p:nvPr/>
+      </p:nvGrpSpPr>
+      <p:grpSpPr>
+        <a:xfrm>
+          <a:off x="0" y="0"/>
+          <a:ext cx="0" cy="0"/>
+          <a:chOff x="0" y="0"/>
+          <a:chExt cx="0" cy="0"/>
+        </a:xfrm>
+      </p:grpSpPr>
+      <p:cxnSp>
+        <p:nvCxnSpPr>
+          <p:cNvPr id="6" name="Gerade Verbindung 5"/>
+          <p:cNvCxnSpPr/>
+          <p:nvPr userDrawn="1"/>
+        </p:nvCxnSpPr>
+        <p:spPr>
+          <a:xfrm>
+            <a:off x="0" y="1059582"/>
+            <a:ext cx="9144000" cy="0"/>
+          </a:xfrm>
+          <a:prstGeom prst="line">
+            <a:avLst/>
+          </a:prstGeom>
+          <a:ln w="25400">
+            <a:solidFill>
+              <a:srgbClr val="009CD1"/>
+            </a:solidFill>
+          </a:ln>
+          <a:effectLst/>
+        </p:spPr>
+        <p:style>
+          <a:lnRef idx="2">
+            <a:schemeClr val="accent1"/>
+          </a:lnRef>
+          <a:fillRef idx="0">
+            <a:schemeClr val="accent1"/>
+          </a:fillRef>
+          <a:effectRef idx="1">
+            <a:schemeClr val="accent1"/>
+          </a:effectRef>
+          <a:fontRef idx="minor">
+            <a:schemeClr val="tx1"/>
+          </a:fontRef>
+        </p:style>
+      </p:cxnSp>
+      <p:sp>
+        <p:nvSpPr>
+          <p:cNvPr id="10" name="Textplatzhalter 9"/>
+          <p:cNvSpPr>
+            <a:spLocks noGrp="1"/>
+          </p:cNvSpPr>
+          <p:nvPr>
+            <p:ph type="body" sz="quarter" idx="13"/>
+          </p:nvPr>
+        </p:nvSpPr>
+        <p:spPr>
+          <a:xfrm>
+            <a:off x="214769" y="1203598"/>
+            <a:ext cx="8353425" cy="503882"/>
+          </a:xfrm>
+        </p:spPr>
+        <p:txBody>
+          <a:bodyPr>
+            <a:normAutofit/>
+          </a:bodyPr>
+          <a:lstStyle>
+            <a:lvl1pPr marL="0" indent="0">
+              <a:buNone/>
+              <a:defRPr sz="2600">
+                <a:latin typeface="TheSans UHH Bold Caps"/>
+              </a:defRPr>
+            </a:lvl1pPr>
+            <a:lvl2pPr>
+              <a:defRPr sz="2600">
+                <a:latin typeface="TheSans UHH Bold Caps"/>
+              </a:defRPr>
+            </a:lvl2pPr>
+            <a:lvl3pPr>
+              <a:defRPr sz="2600">
+                <a:latin typeface="TheSans UHH Bold Caps"/>
+              </a:defRPr>
+            </a:lvl3pPr>
+            <a:lvl4pPr>
+              <a:defRPr sz="2600">
+                <a:latin typeface="TheSans UHH Bold Caps"/>
+              </a:defRPr>
+            </a:lvl4pPr>
+            <a:lvl5pPr>
+              <a:defRPr sz="2600">
+                <a:latin typeface="TheSans UHH Bold Caps"/>
+              </a:defRPr>
+            </a:lvl5pPr>
+          </a:lstStyle>
+          <a:p>
+            <a:pPr lvl="0"/>
+            <a:r>
+              <a:rPr lang="de-DE" dirty="0"/>
+              <a:t>Mastertextformat bearbeiten</a:t>
+            </a:r>
+          </a:p>
+        </p:txBody>
+      </p:sp>
+      <p:sp>
+        <p:nvSpPr>
+          <p:cNvPr id="11" name="Textplatzhalter 9"/>
+          <p:cNvSpPr>
+            <a:spLocks noGrp="1"/>
+          </p:cNvSpPr>
+          <p:nvPr>
+            <p:ph type="body" sz="quarter" idx="14"/>
+          </p:nvPr>
+        </p:nvSpPr>
+        <p:spPr>
+          <a:xfrm>
+            <a:off x="214770" y="1779662"/>
+            <a:ext cx="4171028" cy="2880320"/>
+          </a:xfrm>
+        </p:spPr>
+        <p:txBody>
+          <a:bodyPr>
+            <a:normAutofit/>
+          </a:bodyPr>
+          <a:lstStyle>
+            <a:lvl1pPr marL="0" indent="0">
+              <a:buNone/>
+              <a:defRPr sz="2000">
+                <a:latin typeface="TheSans UHH"/>
+              </a:defRPr>
+            </a:lvl1pPr>
+            <a:lvl2pPr>
+              <a:defRPr sz="2600">
+                <a:latin typeface="TheSans UHH Bold Caps"/>
+              </a:defRPr>
+            </a:lvl2pPr>
+            <a:lvl3pPr>
+              <a:defRPr sz="2600">
+                <a:latin typeface="TheSans UHH Bold Caps"/>
+              </a:defRPr>
+            </a:lvl3pPr>
+            <a:lvl4pPr>
+              <a:defRPr sz="2600">
+                <a:latin typeface="TheSans UHH Bold Caps"/>
+              </a:defRPr>
+            </a:lvl4pPr>
+            <a:lvl5pPr>
+              <a:defRPr sz="2600">
+                <a:latin typeface="TheSans UHH Bold Caps"/>
+              </a:defRPr>
+            </a:lvl5pPr>
+          </a:lstStyle>
+          <a:p>
+            <a:pPr lvl="0"/>
+            <a:r>
+              <a:rPr lang="de-DE" dirty="0"/>
+              <a:t>Mastertextformat bearbeiten</a:t>
+            </a:r>
+          </a:p>
+        </p:txBody>
+      </p:sp>
+      <p:sp>
+        <p:nvSpPr>
+          <p:cNvPr id="7" name="Bildplatzhalter 6"/>
+          <p:cNvSpPr>
+            <a:spLocks noGrp="1"/>
+          </p:cNvSpPr>
+          <p:nvPr>
+            <p:ph type="pic" sz="quarter" idx="15" hasCustomPrompt="1"/>
+          </p:nvPr>
+        </p:nvSpPr>
+        <p:spPr>
+          <a:xfrm>
+            <a:off x="4572000" y="1928627"/>
+            <a:ext cx="4572000" cy="2730686"/>
+          </a:xfrm>
+        </p:spPr>
+        <p:txBody>
+          <a:bodyPr>
+            <a:normAutofit/>
+          </a:bodyPr>
+          <a:lstStyle>
+            <a:lvl1pPr marL="0" indent="0">
+              <a:buNone/>
+              <a:defRPr sz="1400"/>
+            </a:lvl1pPr>
+          </a:lstStyle>
+          <a:p>
+            <a:r>
+              <a:rPr lang="de-DE" dirty="0"/>
+              <a:t>Bild einfügen</a:t>
+            </a:r>
+          </a:p>
+        </p:txBody>
+      </p:sp>
+      <p:sp>
+        <p:nvSpPr>
+          <p:cNvPr id="8" name="Datumsplatzhalter 3">
+            <a:extLst>
+              <a:ext uri="{FF2B5EF4-FFF2-40B4-BE49-F238E27FC236}">
+                <a16:creationId xmlns:a16="http://schemas.microsoft.com/office/drawing/2014/main" id="{90A44794-6E23-4DBA-B87D-DAA15B9AF644}"/>
+              </a:ext>
+            </a:extLst>
+          </p:cNvPr>
+          <p:cNvSpPr>
+            <a:spLocks noGrp="1"/>
+          </p:cNvSpPr>
+          <p:nvPr>
+            <p:ph type="dt" sz="half" idx="2"/>
+          </p:nvPr>
+        </p:nvSpPr>
+        <p:spPr>
+          <a:xfrm>
+            <a:off x="457200" y="4767263"/>
+            <a:ext cx="2133600" cy="273844"/>
+          </a:xfrm>
+          <a:prstGeom prst="rect">
+            <a:avLst/>
+          </a:prstGeom>
+        </p:spPr>
+        <p:txBody>
+          <a:bodyPr vert="horz" lIns="91440" tIns="45720" rIns="91440" bIns="45720" rtlCol="0" anchor="ctr"/>
+          <a:lstStyle>
+            <a:lvl1pPr algn="l">
+              <a:defRPr sz="1200">
+                <a:solidFill>
+                  <a:schemeClr val="tx1">
+                    <a:tint val="75000"/>
+                  </a:schemeClr>
+                </a:solidFill>
+              </a:defRPr>
+            </a:lvl1pPr>
+          </a:lstStyle>
+          <a:p>
+            <a:fld id="{09D069C5-CC22-4E88-BB35-FA27CD7EA121}" type="datetime1">
+              <a:rPr lang="de-DE" smtClean="0"/>
+              <a:t>01.07.2020</a:t>
+            </a:fld>
+            <a:endParaRPr lang="de-DE" dirty="0"/>
+          </a:p>
+        </p:txBody>
+      </p:sp>
+      <p:sp>
+        <p:nvSpPr>
+          <p:cNvPr id="9" name="Fußzeilenplatzhalter 4">
+            <a:extLst>
+              <a:ext uri="{FF2B5EF4-FFF2-40B4-BE49-F238E27FC236}">
+                <a16:creationId xmlns:a16="http://schemas.microsoft.com/office/drawing/2014/main" id="{1650BBC9-B0E2-438E-8AA6-070E90F49CF2}"/>
+              </a:ext>
+            </a:extLst>
+          </p:cNvPr>
+          <p:cNvSpPr>
+            <a:spLocks noGrp="1"/>
+          </p:cNvSpPr>
+          <p:nvPr>
+            <p:ph type="ftr" sz="quarter" idx="3"/>
+          </p:nvPr>
+        </p:nvSpPr>
+        <p:spPr>
+          <a:xfrm>
+            <a:off x="3124200" y="4767263"/>
+            <a:ext cx="2895600" cy="273844"/>
+          </a:xfrm>
+          <a:prstGeom prst="rect">
+            <a:avLst/>
+          </a:prstGeom>
+        </p:spPr>
+        <p:txBody>
+          <a:bodyPr vert="horz" lIns="91440" tIns="45720" rIns="91440" bIns="45720" rtlCol="0" anchor="ctr"/>
+          <a:lstStyle>
+            <a:lvl1pPr algn="ctr">
+              <a:defRPr sz="1200">
+                <a:solidFill>
+                  <a:schemeClr val="tx1">
+                    <a:tint val="75000"/>
+                  </a:schemeClr>
+                </a:solidFill>
+              </a:defRPr>
+            </a:lvl1pPr>
+          </a:lstStyle>
+          <a:p>
+            <a:r>
+              <a:rPr lang="de-DE"/>
+              <a:t>Group 5 - Facial emotion recognition</a:t>
+            </a:r>
+            <a:endParaRPr lang="de-DE" dirty="0"/>
+          </a:p>
+        </p:txBody>
+      </p:sp>
+      <p:sp>
+        <p:nvSpPr>
+          <p:cNvPr id="12" name="Foliennummernplatzhalter 5">
+            <a:extLst>
+              <a:ext uri="{FF2B5EF4-FFF2-40B4-BE49-F238E27FC236}">
+                <a16:creationId xmlns:a16="http://schemas.microsoft.com/office/drawing/2014/main" id="{0F040E63-AED6-42A6-A34C-72E9AD3A59C3}"/>
+              </a:ext>
+            </a:extLst>
+          </p:cNvPr>
+          <p:cNvSpPr>
+            <a:spLocks noGrp="1"/>
+          </p:cNvSpPr>
+          <p:nvPr>
+            <p:ph type="sldNum" sz="quarter" idx="4"/>
+          </p:nvPr>
+        </p:nvSpPr>
+        <p:spPr>
+          <a:xfrm>
+            <a:off x="6553200" y="4767263"/>
+            <a:ext cx="2133600" cy="273844"/>
+          </a:xfrm>
+          <a:prstGeom prst="rect">
+            <a:avLst/>
+          </a:prstGeom>
+        </p:spPr>
+        <p:txBody>
+          <a:bodyPr vert="horz" lIns="91440" tIns="45720" rIns="91440" bIns="45720" rtlCol="0" anchor="ctr"/>
+          <a:lstStyle>
+            <a:lvl1pPr algn="r">
+              <a:defRPr sz="1200">
+                <a:solidFill>
+                  <a:schemeClr val="tx1">
+                    <a:tint val="75000"/>
+                  </a:schemeClr>
+                </a:solidFill>
+              </a:defRPr>
+            </a:lvl1pPr>
+          </a:lstStyle>
+          <a:p>
+            <a:fld id="{3E01A2B2-10AD-754B-9B4C-E5B6FED423D0}" type="slidenum">
+              <a:rPr lang="de-DE" smtClean="0"/>
+              <a:t>‹Nr.›</a:t>
+            </a:fld>
+            <a:endParaRPr lang="de-DE"/>
+          </a:p>
+        </p:txBody>
+      </p:sp>
+    </p:spTree>
+    <p:extLst>
+      <p:ext uri="{BB962C8B-B14F-4D97-AF65-F5344CB8AC3E}">
+        <p14:creationId xmlns:p14="http://schemas.microsoft.com/office/powerpoint/2010/main" val="3715238603"/>
+      </p:ext>
+    </p:extLst>
+  </p:cSld>
+  <p:clrMapOvr>
+    <a:masterClrMapping/>
+  </p:clrMapOvr>
+</p:sldLayout>
+</file>
+
+<file path=ppt/slideLayouts/slideLayout5.xml><?xml version="1.0" encoding="utf-8"?>
+<p:sldLayout xmlns:a="http://schemas.openxmlformats.org/drawingml/2006/main" xmlns:r="http://schemas.openxmlformats.org/officeDocument/2006/relationships" xmlns:p="http://schemas.openxmlformats.org/presentationml/2006/main" preserve="1" userDrawn="1">
+  <p:cSld name="4d_Headline_Text_und_Tabelle">
+    <p:spTree>
+      <p:nvGrpSpPr>
+        <p:cNvPr id="1" name=""/>
+        <p:cNvGrpSpPr/>
+        <p:nvPr/>
+      </p:nvGrpSpPr>
+      <p:grpSpPr>
+        <a:xfrm>
+          <a:off x="0" y="0"/>
+          <a:ext cx="0" cy="0"/>
+          <a:chOff x="0" y="0"/>
+          <a:chExt cx="0" cy="0"/>
+        </a:xfrm>
+      </p:grpSpPr>
+      <p:cxnSp>
+        <p:nvCxnSpPr>
+          <p:cNvPr id="6" name="Gerade Verbindung 5"/>
+          <p:cNvCxnSpPr/>
+          <p:nvPr userDrawn="1"/>
+        </p:nvCxnSpPr>
+        <p:spPr>
+          <a:xfrm>
+            <a:off x="0" y="1059582"/>
+            <a:ext cx="9144000" cy="0"/>
+          </a:xfrm>
+          <a:prstGeom prst="line">
+            <a:avLst/>
+          </a:prstGeom>
+          <a:ln w="25400">
+            <a:solidFill>
+              <a:srgbClr val="009CD1"/>
+            </a:solidFill>
+          </a:ln>
+          <a:effectLst/>
+        </p:spPr>
+        <p:style>
+          <a:lnRef idx="2">
+            <a:schemeClr val="accent1"/>
+          </a:lnRef>
+          <a:fillRef idx="0">
+            <a:schemeClr val="accent1"/>
+          </a:fillRef>
+          <a:effectRef idx="1">
+            <a:schemeClr val="accent1"/>
+          </a:effectRef>
+          <a:fontRef idx="minor">
+            <a:schemeClr val="tx1"/>
+          </a:fontRef>
+        </p:style>
+      </p:cxnSp>
+      <p:sp>
+        <p:nvSpPr>
+          <p:cNvPr id="10" name="Textplatzhalter 9"/>
+          <p:cNvSpPr>
+            <a:spLocks noGrp="1"/>
+          </p:cNvSpPr>
+          <p:nvPr>
+            <p:ph type="body" sz="quarter" idx="13"/>
+          </p:nvPr>
+        </p:nvSpPr>
+        <p:spPr>
+          <a:xfrm>
+            <a:off x="214769" y="1203598"/>
+            <a:ext cx="8353425" cy="503882"/>
+          </a:xfrm>
+        </p:spPr>
+        <p:txBody>
+          <a:bodyPr>
+            <a:normAutofit/>
+          </a:bodyPr>
+          <a:lstStyle>
+            <a:lvl1pPr marL="0" indent="0">
+              <a:buNone/>
+              <a:defRPr sz="2600">
+                <a:latin typeface="TheSans UHH Bold Caps"/>
+              </a:defRPr>
+            </a:lvl1pPr>
+            <a:lvl2pPr>
+              <a:defRPr sz="2600">
+                <a:latin typeface="TheSans UHH Bold Caps"/>
+              </a:defRPr>
+            </a:lvl2pPr>
+            <a:lvl3pPr>
+              <a:defRPr sz="2600">
+                <a:latin typeface="TheSans UHH Bold Caps"/>
+              </a:defRPr>
+            </a:lvl3pPr>
+            <a:lvl4pPr>
+              <a:defRPr sz="2600">
+                <a:latin typeface="TheSans UHH Bold Caps"/>
+              </a:defRPr>
+            </a:lvl4pPr>
+            <a:lvl5pPr>
+              <a:defRPr sz="2600">
+                <a:latin typeface="TheSans UHH Bold Caps"/>
+              </a:defRPr>
+            </a:lvl5pPr>
+          </a:lstStyle>
+          <a:p>
+            <a:pPr lvl="0"/>
+            <a:r>
+              <a:rPr lang="de-DE" dirty="0"/>
+              <a:t>Mastertextformat bearbeiten</a:t>
+            </a:r>
+          </a:p>
+        </p:txBody>
+      </p:sp>
+      <p:sp>
+        <p:nvSpPr>
+          <p:cNvPr id="11" name="Textplatzhalter 9"/>
+          <p:cNvSpPr>
+            <a:spLocks noGrp="1"/>
+          </p:cNvSpPr>
+          <p:nvPr>
+            <p:ph type="body" sz="quarter" idx="14"/>
+          </p:nvPr>
+        </p:nvSpPr>
+        <p:spPr>
+          <a:xfrm>
+            <a:off x="214770" y="1779662"/>
+            <a:ext cx="4171028" cy="2880320"/>
+          </a:xfrm>
+        </p:spPr>
+        <p:txBody>
+          <a:bodyPr>
+            <a:normAutofit/>
+          </a:bodyPr>
+          <a:lstStyle>
+            <a:lvl1pPr marL="0" indent="0">
+              <a:buNone/>
+              <a:defRPr sz="2000">
+                <a:latin typeface="TheSans UHH"/>
+              </a:defRPr>
+            </a:lvl1pPr>
+            <a:lvl2pPr>
+              <a:defRPr sz="2600">
+                <a:latin typeface="TheSans UHH Bold Caps"/>
+              </a:defRPr>
+            </a:lvl2pPr>
+            <a:lvl3pPr>
+              <a:defRPr sz="2600">
+                <a:latin typeface="TheSans UHH Bold Caps"/>
+              </a:defRPr>
+            </a:lvl3pPr>
+            <a:lvl4pPr>
+              <a:defRPr sz="2600">
+                <a:latin typeface="TheSans UHH Bold Caps"/>
+              </a:defRPr>
+            </a:lvl4pPr>
+            <a:lvl5pPr>
+              <a:defRPr sz="2600">
+                <a:latin typeface="TheSans UHH Bold Caps"/>
+              </a:defRPr>
+            </a:lvl5pPr>
+          </a:lstStyle>
+          <a:p>
+            <a:pPr lvl="0"/>
+            <a:r>
+              <a:rPr lang="de-DE" dirty="0"/>
+              <a:t>Mastertextformat bearbeiten</a:t>
+            </a:r>
+          </a:p>
+        </p:txBody>
+      </p:sp>
+      <p:sp>
+        <p:nvSpPr>
+          <p:cNvPr id="12" name="Tabellenplatzhalter 11"/>
+          <p:cNvSpPr>
+            <a:spLocks noGrp="1"/>
+          </p:cNvSpPr>
+          <p:nvPr>
+            <p:ph type="tbl" sz="quarter" idx="16"/>
+          </p:nvPr>
+        </p:nvSpPr>
+        <p:spPr>
+          <a:xfrm>
+            <a:off x="4572000" y="1779662"/>
+            <a:ext cx="4248472" cy="2879651"/>
+          </a:xfrm>
+        </p:spPr>
+        <p:txBody>
+          <a:bodyPr>
+            <a:normAutofit/>
+          </a:bodyPr>
+          <a:lstStyle>
+            <a:lvl1pPr marL="0" indent="0">
+              <a:buNone/>
+              <a:defRPr sz="1400"/>
+            </a:lvl1pPr>
+          </a:lstStyle>
+          <a:p>
+            <a:r>
+              <a:rPr lang="de-DE" dirty="0"/>
+              <a:t>Tabelle</a:t>
+            </a:r>
+          </a:p>
+        </p:txBody>
+      </p:sp>
+      <p:sp>
+        <p:nvSpPr>
+          <p:cNvPr id="7" name="Datumsplatzhalter 3">
+            <a:extLst>
+              <a:ext uri="{FF2B5EF4-FFF2-40B4-BE49-F238E27FC236}">
+                <a16:creationId xmlns:a16="http://schemas.microsoft.com/office/drawing/2014/main" id="{8E84E6FE-1A3E-4910-BBB0-0DE4F50C06B1}"/>
+              </a:ext>
+            </a:extLst>
+          </p:cNvPr>
+          <p:cNvSpPr>
+            <a:spLocks noGrp="1"/>
+          </p:cNvSpPr>
+          <p:nvPr>
+            <p:ph type="dt" sz="half" idx="2"/>
+          </p:nvPr>
+        </p:nvSpPr>
+        <p:spPr>
+          <a:xfrm>
+            <a:off x="457200" y="4767263"/>
+            <a:ext cx="2133600" cy="273844"/>
+          </a:xfrm>
+          <a:prstGeom prst="rect">
+            <a:avLst/>
+          </a:prstGeom>
+        </p:spPr>
+        <p:txBody>
+          <a:bodyPr vert="horz" lIns="91440" tIns="45720" rIns="91440" bIns="45720" rtlCol="0" anchor="ctr"/>
+          <a:lstStyle>
+            <a:lvl1pPr algn="l">
+              <a:defRPr sz="1200">
+                <a:solidFill>
+                  <a:schemeClr val="tx1">
+                    <a:tint val="75000"/>
+                  </a:schemeClr>
+                </a:solidFill>
+              </a:defRPr>
+            </a:lvl1pPr>
+          </a:lstStyle>
+          <a:p>
+            <a:fld id="{09D069C5-CC22-4E88-BB35-FA27CD7EA121}" type="datetime1">
+              <a:rPr lang="de-DE" smtClean="0"/>
+              <a:t>01.07.2020</a:t>
+            </a:fld>
+            <a:endParaRPr lang="de-DE" dirty="0"/>
+          </a:p>
+        </p:txBody>
+      </p:sp>
+      <p:sp>
+        <p:nvSpPr>
+          <p:cNvPr id="8" name="Fußzeilenplatzhalter 4">
+            <a:extLst>
+              <a:ext uri="{FF2B5EF4-FFF2-40B4-BE49-F238E27FC236}">
+                <a16:creationId xmlns:a16="http://schemas.microsoft.com/office/drawing/2014/main" id="{6A4DEFCF-115C-42AF-8A77-42A2CDCD70BA}"/>
+              </a:ext>
+            </a:extLst>
+          </p:cNvPr>
+          <p:cNvSpPr>
+            <a:spLocks noGrp="1"/>
+          </p:cNvSpPr>
+          <p:nvPr>
+            <p:ph type="ftr" sz="quarter" idx="3"/>
+          </p:nvPr>
+        </p:nvSpPr>
+        <p:spPr>
+          <a:xfrm>
+            <a:off x="3124200" y="4767263"/>
+            <a:ext cx="2895600" cy="273844"/>
+          </a:xfrm>
+          <a:prstGeom prst="rect">
+            <a:avLst/>
+          </a:prstGeom>
+        </p:spPr>
+        <p:txBody>
+          <a:bodyPr vert="horz" lIns="91440" tIns="45720" rIns="91440" bIns="45720" rtlCol="0" anchor="ctr"/>
+          <a:lstStyle>
+            <a:lvl1pPr algn="ctr">
+              <a:defRPr sz="1200">
+                <a:solidFill>
+                  <a:schemeClr val="tx1">
+                    <a:tint val="75000"/>
+                  </a:schemeClr>
+                </a:solidFill>
+              </a:defRPr>
+            </a:lvl1pPr>
+          </a:lstStyle>
+          <a:p>
+            <a:r>
+              <a:rPr lang="de-DE"/>
+              <a:t>Group 5 - Facial emotion recognition</a:t>
+            </a:r>
+            <a:endParaRPr lang="de-DE" dirty="0"/>
+          </a:p>
+        </p:txBody>
+      </p:sp>
+      <p:sp>
+        <p:nvSpPr>
+          <p:cNvPr id="9" name="Foliennummernplatzhalter 5">
+            <a:extLst>
+              <a:ext uri="{FF2B5EF4-FFF2-40B4-BE49-F238E27FC236}">
+                <a16:creationId xmlns:a16="http://schemas.microsoft.com/office/drawing/2014/main" id="{F7EFA6EE-1CCF-403B-B78D-D2672DD29BF0}"/>
+              </a:ext>
+            </a:extLst>
+          </p:cNvPr>
+          <p:cNvSpPr>
+            <a:spLocks noGrp="1"/>
+          </p:cNvSpPr>
+          <p:nvPr>
+            <p:ph type="sldNum" sz="quarter" idx="4"/>
+          </p:nvPr>
+        </p:nvSpPr>
+        <p:spPr>
+          <a:xfrm>
+            <a:off x="6553200" y="4767263"/>
+            <a:ext cx="2133600" cy="273844"/>
+          </a:xfrm>
+          <a:prstGeom prst="rect">
+            <a:avLst/>
+          </a:prstGeom>
+        </p:spPr>
+        <p:txBody>
+          <a:bodyPr vert="horz" lIns="91440" tIns="45720" rIns="91440" bIns="45720" rtlCol="0" anchor="ctr"/>
+          <a:lstStyle>
+            <a:lvl1pPr algn="r">
+              <a:defRPr sz="1200">
+                <a:solidFill>
+                  <a:schemeClr val="tx1">
+                    <a:tint val="75000"/>
+                  </a:schemeClr>
+                </a:solidFill>
+              </a:defRPr>
+            </a:lvl1pPr>
+          </a:lstStyle>
+          <a:p>
+            <a:fld id="{3E01A2B2-10AD-754B-9B4C-E5B6FED423D0}" type="slidenum">
+              <a:rPr lang="de-DE" smtClean="0"/>
+              <a:t>‹Nr.›</a:t>
+            </a:fld>
+            <a:endParaRPr lang="de-DE"/>
+          </a:p>
+        </p:txBody>
+      </p:sp>
+    </p:spTree>
+    <p:extLst>
+      <p:ext uri="{BB962C8B-B14F-4D97-AF65-F5344CB8AC3E}">
+        <p14:creationId xmlns:p14="http://schemas.microsoft.com/office/powerpoint/2010/main" val="3406152385"/>
+      </p:ext>
+    </p:extLst>
+  </p:cSld>
+  <p:clrMapOvr>
+    <a:masterClrMapping/>
+  </p:clrMapOvr>
+</p:sldLayout>
+</file>
+
+<file path=ppt/slideLayouts/slideLayout6.xml><?xml version="1.0" encoding="utf-8"?>
+<p:sldLayout xmlns:a="http://schemas.openxmlformats.org/drawingml/2006/main" xmlns:r="http://schemas.openxmlformats.org/officeDocument/2006/relationships" xmlns:p="http://schemas.openxmlformats.org/presentationml/2006/main" preserve="1" userDrawn="1">
+  <p:cSld name="5_Grafiken_Tabellen_Bilder">
+    <p:spTree>
+      <p:nvGrpSpPr>
+        <p:cNvPr id="1" name=""/>
+        <p:cNvGrpSpPr/>
+        <p:nvPr/>
+      </p:nvGrpSpPr>
+      <p:grpSpPr>
+        <a:xfrm>
+          <a:off x="0" y="0"/>
+          <a:ext cx="0" cy="0"/>
+          <a:chOff x="0" y="0"/>
+          <a:chExt cx="0" cy="0"/>
+        </a:xfrm>
+      </p:grpSpPr>
+      <p:cxnSp>
+        <p:nvCxnSpPr>
+          <p:cNvPr id="8" name="Gerade Verbindung 7"/>
+          <p:cNvCxnSpPr/>
+          <p:nvPr userDrawn="1"/>
+        </p:nvCxnSpPr>
+        <p:spPr>
+          <a:xfrm>
+            <a:off x="0" y="1059582"/>
+            <a:ext cx="9144000" cy="0"/>
+          </a:xfrm>
+          <a:prstGeom prst="line">
+            <a:avLst/>
+          </a:prstGeom>
+          <a:ln w="25400">
+            <a:solidFill>
+              <a:srgbClr val="009CD1"/>
+            </a:solidFill>
+          </a:ln>
+          <a:effectLst/>
+        </p:spPr>
+        <p:style>
+          <a:lnRef idx="2">
+            <a:schemeClr val="accent1"/>
+          </a:lnRef>
+          <a:fillRef idx="0">
+            <a:schemeClr val="accent1"/>
+          </a:fillRef>
+          <a:effectRef idx="1">
+            <a:schemeClr val="accent1"/>
+          </a:effectRef>
+          <a:fontRef idx="minor">
+            <a:schemeClr val="tx1"/>
+          </a:fontRef>
+        </p:style>
+      </p:cxnSp>
+      <p:sp>
+        <p:nvSpPr>
+          <p:cNvPr id="22" name="Inhaltsplatzhalter 21"/>
+          <p:cNvSpPr>
+            <a:spLocks noGrp="1"/>
+          </p:cNvSpPr>
+          <p:nvPr>
+            <p:ph sz="quarter" idx="13" hasCustomPrompt="1"/>
+          </p:nvPr>
+        </p:nvSpPr>
+        <p:spPr>
+          <a:xfrm>
+            <a:off x="323528" y="1347614"/>
+            <a:ext cx="8496944" cy="3312368"/>
+          </a:xfrm>
+        </p:spPr>
+        <p:txBody>
+          <a:bodyPr>
+            <a:noAutofit/>
+          </a:bodyPr>
+          <a:lstStyle>
+            <a:lvl1pPr marL="0" indent="0">
+              <a:buNone/>
+              <a:defRPr sz="2000">
+                <a:latin typeface="TheSans UHH"/>
+              </a:defRPr>
+            </a:lvl1pPr>
+            <a:lvl2pPr>
+              <a:defRPr sz="2600">
+                <a:latin typeface="TheSans UHH"/>
+              </a:defRPr>
+            </a:lvl2pPr>
+            <a:lvl3pPr>
+              <a:defRPr sz="2600">
+                <a:latin typeface="TheSans UHH"/>
+              </a:defRPr>
+            </a:lvl3pPr>
+            <a:lvl4pPr>
+              <a:defRPr sz="2600">
+                <a:latin typeface="TheSans UHH"/>
+              </a:defRPr>
+            </a:lvl4pPr>
+            <a:lvl5pPr>
+              <a:defRPr sz="2600">
+                <a:latin typeface="TheSans UHH"/>
+              </a:defRPr>
+            </a:lvl5pPr>
+          </a:lstStyle>
+          <a:p>
+            <a:pPr lvl="0"/>
+            <a:r>
+              <a:rPr lang="de-DE" dirty="0"/>
+              <a:t>Grafiken, Tabellen, Bilder, etc.</a:t>
+            </a:r>
+          </a:p>
+        </p:txBody>
+      </p:sp>
+      <p:sp>
+        <p:nvSpPr>
+          <p:cNvPr id="4" name="Datumsplatzhalter 3">
+            <a:extLst>
+              <a:ext uri="{FF2B5EF4-FFF2-40B4-BE49-F238E27FC236}">
+                <a16:creationId xmlns:a16="http://schemas.microsoft.com/office/drawing/2014/main" id="{12371932-44A0-44D2-AE0E-38451E164490}"/>
+              </a:ext>
+            </a:extLst>
+          </p:cNvPr>
+          <p:cNvSpPr>
+            <a:spLocks noGrp="1"/>
+          </p:cNvSpPr>
+          <p:nvPr>
+            <p:ph type="dt" sz="half" idx="2"/>
+          </p:nvPr>
+        </p:nvSpPr>
+        <p:spPr>
+          <a:xfrm>
+            <a:off x="457200" y="4767263"/>
+            <a:ext cx="2133600" cy="273844"/>
+          </a:xfrm>
+          <a:prstGeom prst="rect">
+            <a:avLst/>
+          </a:prstGeom>
+        </p:spPr>
+        <p:txBody>
+          <a:bodyPr vert="horz" lIns="91440" tIns="45720" rIns="91440" bIns="45720" rtlCol="0" anchor="ctr"/>
+          <a:lstStyle>
+            <a:lvl1pPr algn="l">
+              <a:defRPr sz="1200">
+                <a:solidFill>
+                  <a:schemeClr val="tx1">
+                    <a:tint val="75000"/>
+                  </a:schemeClr>
+                </a:solidFill>
+              </a:defRPr>
+            </a:lvl1pPr>
+          </a:lstStyle>
+          <a:p>
+            <a:fld id="{09D069C5-CC22-4E88-BB35-FA27CD7EA121}" type="datetime1">
+              <a:rPr lang="de-DE" smtClean="0"/>
+              <a:t>01.07.2020</a:t>
+            </a:fld>
+            <a:endParaRPr lang="de-DE" dirty="0"/>
+          </a:p>
+        </p:txBody>
+      </p:sp>
+      <p:sp>
+        <p:nvSpPr>
+          <p:cNvPr id="5" name="Fußzeilenplatzhalter 4">
+            <a:extLst>
+              <a:ext uri="{FF2B5EF4-FFF2-40B4-BE49-F238E27FC236}">
+                <a16:creationId xmlns:a16="http://schemas.microsoft.com/office/drawing/2014/main" id="{470C1774-DD01-4FE6-84F2-4F652028776D}"/>
+              </a:ext>
+            </a:extLst>
+          </p:cNvPr>
+          <p:cNvSpPr>
+            <a:spLocks noGrp="1"/>
+          </p:cNvSpPr>
+          <p:nvPr>
+            <p:ph type="ftr" sz="quarter" idx="3"/>
+          </p:nvPr>
+        </p:nvSpPr>
+        <p:spPr>
+          <a:xfrm>
+            <a:off x="3124200" y="4767263"/>
+            <a:ext cx="2895600" cy="273844"/>
+          </a:xfrm>
+          <a:prstGeom prst="rect">
+            <a:avLst/>
+          </a:prstGeom>
+        </p:spPr>
+        <p:txBody>
+          <a:bodyPr vert="horz" lIns="91440" tIns="45720" rIns="91440" bIns="45720" rtlCol="0" anchor="ctr"/>
+          <a:lstStyle>
+            <a:lvl1pPr algn="ctr">
+              <a:defRPr sz="1200">
+                <a:solidFill>
+                  <a:schemeClr val="tx1">
+                    <a:tint val="75000"/>
+                  </a:schemeClr>
+                </a:solidFill>
+              </a:defRPr>
+            </a:lvl1pPr>
+          </a:lstStyle>
+          <a:p>
+            <a:r>
+              <a:rPr lang="de-DE"/>
+              <a:t>Group 5 - Facial emotion recognition</a:t>
+            </a:r>
+            <a:endParaRPr lang="de-DE" dirty="0"/>
+          </a:p>
+        </p:txBody>
+      </p:sp>
+      <p:sp>
+        <p:nvSpPr>
+          <p:cNvPr id="6" name="Foliennummernplatzhalter 5">
+            <a:extLst>
+              <a:ext uri="{FF2B5EF4-FFF2-40B4-BE49-F238E27FC236}">
+                <a16:creationId xmlns:a16="http://schemas.microsoft.com/office/drawing/2014/main" id="{8F3884F6-4D33-4AF0-9CEC-0C02222ED575}"/>
+              </a:ext>
+            </a:extLst>
+          </p:cNvPr>
+          <p:cNvSpPr>
+            <a:spLocks noGrp="1"/>
+          </p:cNvSpPr>
+          <p:nvPr>
+            <p:ph type="sldNum" sz="quarter" idx="4"/>
+          </p:nvPr>
+        </p:nvSpPr>
+        <p:spPr>
+          <a:xfrm>
+            <a:off x="6553200" y="4767263"/>
+            <a:ext cx="2133600" cy="273844"/>
+          </a:xfrm>
+          <a:prstGeom prst="rect">
+            <a:avLst/>
+          </a:prstGeom>
+        </p:spPr>
+        <p:txBody>
+          <a:bodyPr vert="horz" lIns="91440" tIns="45720" rIns="91440" bIns="45720" rtlCol="0" anchor="ctr"/>
+          <a:lstStyle>
+            <a:lvl1pPr algn="r">
+              <a:defRPr sz="1200">
+                <a:solidFill>
+                  <a:schemeClr val="tx1">
+                    <a:tint val="75000"/>
+                  </a:schemeClr>
+                </a:solidFill>
+              </a:defRPr>
+            </a:lvl1pPr>
+          </a:lstStyle>
+          <a:p>
+            <a:fld id="{3E01A2B2-10AD-754B-9B4C-E5B6FED423D0}" type="slidenum">
+              <a:rPr lang="de-DE" smtClean="0"/>
+              <a:t>‹Nr.›</a:t>
+            </a:fld>
+            <a:endParaRPr lang="de-DE"/>
+          </a:p>
+        </p:txBody>
+      </p:sp>
+    </p:spTree>
+    <p:extLst>
+      <p:ext uri="{BB962C8B-B14F-4D97-AF65-F5344CB8AC3E}">
+        <p14:creationId xmlns:p14="http://schemas.microsoft.com/office/powerpoint/2010/main" val="345465930"/>
+      </p:ext>
+    </p:extLst>
+  </p:cSld>
+  <p:clrMapOvr>
+    <a:masterClrMapping/>
+  </p:clrMapOvr>
+</p:sldLayout>
+</file>
+
+<file path=ppt/slideLayouts/slideLayout7.xml><?xml version="1.0" encoding="utf-8"?>
 <p:sldLayout xmlns:a="http://schemas.openxmlformats.org/drawingml/2006/main" xmlns:r="http://schemas.openxmlformats.org/officeDocument/2006/relationships" xmlns:p="http://schemas.openxmlformats.org/presentationml/2006/main" preserve="1" userDrawn="1">
   <p:cSld name="6_Leerseite">
     <p:spTree>
@@ -822,254 +2661,143 @@
           </a:fontRef>
         </p:style>
       </p:cxnSp>
-    </p:spTree>
-    <p:extLst>
-      <p:ext uri="{BB962C8B-B14F-4D97-AF65-F5344CB8AC3E}">
-        <p14:creationId xmlns:p14="http://schemas.microsoft.com/office/powerpoint/2010/main" val="1965069411"/>
-      </p:ext>
-    </p:extLst>
-  </p:cSld>
-  <p:clrMapOvr>
-    <a:masterClrMapping/>
-  </p:clrMapOvr>
-</p:sldLayout>
-</file>
-
-<file path=ppt/slideLayouts/slideLayout2.xml><?xml version="1.0" encoding="utf-8"?>
-<p:sldLayout xmlns:a="http://schemas.openxmlformats.org/drawingml/2006/main" xmlns:r="http://schemas.openxmlformats.org/officeDocument/2006/relationships" xmlns:p="http://schemas.openxmlformats.org/presentationml/2006/main" preserve="1" userDrawn="1">
-  <p:cSld name="2_Zwei_Bilder">
-    <p:spTree>
-      <p:nvGrpSpPr>
-        <p:cNvPr id="1" name=""/>
-        <p:cNvGrpSpPr/>
-        <p:nvPr/>
-      </p:nvGrpSpPr>
-      <p:grpSpPr>
-        <a:xfrm>
-          <a:off x="0" y="0"/>
-          <a:ext cx="0" cy="0"/>
-          <a:chOff x="0" y="0"/>
-          <a:chExt cx="0" cy="0"/>
-        </a:xfrm>
-      </p:grpSpPr>
-      <p:pic>
-        <p:nvPicPr>
-          <p:cNvPr id="9" name="background-84678_1920.jpg"/>
-          <p:cNvPicPr>
-            <a:picLocks noChangeAspect="1"/>
-          </p:cNvPicPr>
-          <p:nvPr userDrawn="1"/>
-        </p:nvPicPr>
-        <p:blipFill rotWithShape="1">
-          <a:blip r:embed="rId2" r:link="rId3">
-            <a:extLst>
-              <a:ext uri="{28A0092B-C50C-407E-A947-70E740481C1C}">
-                <a14:useLocalDpi xmlns:a14="http://schemas.microsoft.com/office/drawing/2010/main" val="0"/>
-              </a:ext>
-            </a:extLst>
-          </a:blip>
-          <a:srcRect l="11847" r="-1"/>
-          <a:stretch/>
-        </p:blipFill>
+      <p:sp>
+        <p:nvSpPr>
+          <p:cNvPr id="3" name="Datumsplatzhalter 3">
+            <a:extLst>
+              <a:ext uri="{FF2B5EF4-FFF2-40B4-BE49-F238E27FC236}">
+                <a16:creationId xmlns:a16="http://schemas.microsoft.com/office/drawing/2014/main" id="{8D730E79-5C42-4DC4-A4E0-15767BF17661}"/>
+              </a:ext>
+            </a:extLst>
+          </p:cNvPr>
+          <p:cNvSpPr>
+            <a:spLocks noGrp="1"/>
+          </p:cNvSpPr>
+          <p:nvPr>
+            <p:ph type="dt" sz="half" idx="2"/>
+          </p:nvPr>
+        </p:nvSpPr>
         <p:spPr>
           <a:xfrm>
-            <a:off x="-1" y="1052006"/>
-            <a:ext cx="4497917" cy="3826775"/>
+            <a:off x="457200" y="4767263"/>
+            <a:ext cx="2133600" cy="273844"/>
           </a:xfrm>
           <a:prstGeom prst="rect">
             <a:avLst/>
           </a:prstGeom>
         </p:spPr>
-      </p:pic>
-      <p:pic>
-        <p:nvPicPr>
-          <p:cNvPr id="13" name="background-84678_1920.jpg"/>
-          <p:cNvPicPr>
-            <a:picLocks noChangeAspect="1"/>
-          </p:cNvPicPr>
-          <p:nvPr userDrawn="1"/>
-        </p:nvPicPr>
-        <p:blipFill rotWithShape="1">
-          <a:blip r:embed="rId4" r:link="rId5">
-            <a:extLst>
-              <a:ext uri="{28A0092B-C50C-407E-A947-70E740481C1C}">
-                <a14:useLocalDpi xmlns:a14="http://schemas.microsoft.com/office/drawing/2010/main" val="0"/>
-              </a:ext>
-            </a:extLst>
-          </a:blip>
-          <a:srcRect r="21458"/>
-          <a:stretch/>
-        </p:blipFill>
+        <p:txBody>
+          <a:bodyPr vert="horz" lIns="91440" tIns="45720" rIns="91440" bIns="45720" rtlCol="0" anchor="ctr"/>
+          <a:lstStyle>
+            <a:lvl1pPr algn="l">
+              <a:defRPr sz="1200">
+                <a:solidFill>
+                  <a:schemeClr val="tx1">
+                    <a:tint val="75000"/>
+                  </a:schemeClr>
+                </a:solidFill>
+              </a:defRPr>
+            </a:lvl1pPr>
+          </a:lstStyle>
+          <a:p>
+            <a:fld id="{09D069C5-CC22-4E88-BB35-FA27CD7EA121}" type="datetime1">
+              <a:rPr lang="de-DE" smtClean="0"/>
+              <a:t>01.07.2020</a:t>
+            </a:fld>
+            <a:endParaRPr lang="de-DE" dirty="0"/>
+          </a:p>
+        </p:txBody>
+      </p:sp>
+      <p:sp>
+        <p:nvSpPr>
+          <p:cNvPr id="4" name="Fußzeilenplatzhalter 4">
+            <a:extLst>
+              <a:ext uri="{FF2B5EF4-FFF2-40B4-BE49-F238E27FC236}">
+                <a16:creationId xmlns:a16="http://schemas.microsoft.com/office/drawing/2014/main" id="{980313FB-C78C-4A62-ABBA-E51259802477}"/>
+              </a:ext>
+            </a:extLst>
+          </p:cNvPr>
+          <p:cNvSpPr>
+            <a:spLocks noGrp="1"/>
+          </p:cNvSpPr>
+          <p:nvPr>
+            <p:ph type="ftr" sz="quarter" idx="3"/>
+          </p:nvPr>
+        </p:nvSpPr>
         <p:spPr>
           <a:xfrm>
-            <a:off x="4646083" y="1052007"/>
-            <a:ext cx="4497917" cy="3817828"/>
+            <a:off x="3124200" y="4767263"/>
+            <a:ext cx="2895600" cy="273844"/>
           </a:xfrm>
           <a:prstGeom prst="rect">
             <a:avLst/>
           </a:prstGeom>
         </p:spPr>
-      </p:pic>
-      <p:sp>
-        <p:nvSpPr>
-          <p:cNvPr id="16" name="Bildplatzhalter 15"/>
-          <p:cNvSpPr>
-            <a:spLocks noGrp="1"/>
-          </p:cNvSpPr>
-          <p:nvPr>
-            <p:ph type="pic" sz="quarter" idx="10" hasCustomPrompt="1"/>
-          </p:nvPr>
-        </p:nvSpPr>
-        <p:spPr>
-          <a:xfrm>
-            <a:off x="0" y="1052513"/>
-            <a:ext cx="4497388" cy="3817937"/>
-          </a:xfrm>
-        </p:spPr>
-        <p:txBody>
-          <a:bodyPr>
-            <a:normAutofit/>
-          </a:bodyPr>
+        <p:txBody>
+          <a:bodyPr vert="horz" lIns="91440" tIns="45720" rIns="91440" bIns="45720" rtlCol="0" anchor="ctr"/>
           <a:lstStyle>
-            <a:lvl1pPr marL="0" indent="0">
-              <a:buNone/>
-              <a:defRPr sz="1400">
+            <a:lvl1pPr algn="ctr">
+              <a:defRPr sz="1200">
                 <a:solidFill>
-                  <a:srgbClr val="FFFFFF"/>
+                  <a:schemeClr val="tx1">
+                    <a:tint val="75000"/>
+                  </a:schemeClr>
                 </a:solidFill>
-                <a:latin typeface="TheSans UHH"/>
               </a:defRPr>
             </a:lvl1pPr>
           </a:lstStyle>
           <a:p>
             <a:r>
-              <a:rPr lang="de-DE" dirty="0"/>
-              <a:t>Bild einfügen</a:t>
-            </a:r>
-          </a:p>
-        </p:txBody>
-      </p:sp>
-      <p:sp>
-        <p:nvSpPr>
-          <p:cNvPr id="18" name="Bildplatzhalter 17"/>
-          <p:cNvSpPr>
-            <a:spLocks noGrp="1"/>
-          </p:cNvSpPr>
-          <p:nvPr>
-            <p:ph type="pic" sz="quarter" idx="11" hasCustomPrompt="1"/>
+              <a:rPr lang="de-DE"/>
+              <a:t>Group 5 - Facial emotion recognition</a:t>
+            </a:r>
+            <a:endParaRPr lang="de-DE" dirty="0"/>
+          </a:p>
+        </p:txBody>
+      </p:sp>
+      <p:sp>
+        <p:nvSpPr>
+          <p:cNvPr id="5" name="Foliennummernplatzhalter 5">
+            <a:extLst>
+              <a:ext uri="{FF2B5EF4-FFF2-40B4-BE49-F238E27FC236}">
+                <a16:creationId xmlns:a16="http://schemas.microsoft.com/office/drawing/2014/main" id="{8C7D1F46-261D-4ED0-B2B8-E5D42B9CF4B6}"/>
+              </a:ext>
+            </a:extLst>
+          </p:cNvPr>
+          <p:cNvSpPr>
+            <a:spLocks noGrp="1"/>
+          </p:cNvSpPr>
+          <p:nvPr>
+            <p:ph type="sldNum" sz="quarter" idx="4"/>
           </p:nvPr>
         </p:nvSpPr>
         <p:spPr>
           <a:xfrm>
-            <a:off x="4646083" y="1052513"/>
-            <a:ext cx="4497917" cy="3817322"/>
-          </a:xfrm>
-        </p:spPr>
-        <p:txBody>
-          <a:bodyPr>
-            <a:normAutofit/>
-          </a:bodyPr>
-          <a:lstStyle>
-            <a:lvl1pPr marL="0" indent="0">
-              <a:buNone/>
-              <a:defRPr sz="1400">
-                <a:solidFill>
-                  <a:srgbClr val="FFFFFF"/>
-                </a:solidFill>
-                <a:latin typeface="TheSans UHH"/>
-              </a:defRPr>
-            </a:lvl1pPr>
-          </a:lstStyle>
-          <a:p>
-            <a:r>
-              <a:rPr lang="de-DE" dirty="0"/>
-              <a:t>Bild einfügen</a:t>
-            </a:r>
-          </a:p>
-        </p:txBody>
-      </p:sp>
-    </p:spTree>
-    <p:extLst>
-      <p:ext uri="{BB962C8B-B14F-4D97-AF65-F5344CB8AC3E}">
-        <p14:creationId xmlns:p14="http://schemas.microsoft.com/office/powerpoint/2010/main" val="3738113053"/>
-      </p:ext>
-    </p:extLst>
-  </p:cSld>
-  <p:clrMapOvr>
-    <a:masterClrMapping/>
-  </p:clrMapOvr>
-</p:sldLayout>
-</file>
-
-<file path=ppt/slideLayouts/slideLayout3.xml><?xml version="1.0" encoding="utf-8"?>
-<p:sldLayout xmlns:a="http://schemas.openxmlformats.org/drawingml/2006/main" xmlns:r="http://schemas.openxmlformats.org/officeDocument/2006/relationships" xmlns:p="http://schemas.openxmlformats.org/presentationml/2006/main" preserve="1" userDrawn="1">
-  <p:cSld name="3a_einfarbiger_HG_Steingrau">
-    <p:spTree>
-      <p:nvGrpSpPr>
-        <p:cNvPr id="1" name=""/>
-        <p:cNvGrpSpPr/>
-        <p:nvPr/>
-      </p:nvGrpSpPr>
-      <p:grpSpPr>
-        <a:xfrm>
-          <a:off x="0" y="0"/>
-          <a:ext cx="0" cy="0"/>
-          <a:chOff x="0" y="0"/>
-          <a:chExt cx="0" cy="0"/>
-        </a:xfrm>
-      </p:grpSpPr>
-      <p:sp>
-        <p:nvSpPr>
-          <p:cNvPr id="2" name="Rechteck 1"/>
-          <p:cNvSpPr/>
-          <p:nvPr userDrawn="1"/>
-        </p:nvSpPr>
-        <p:spPr>
-          <a:xfrm>
-            <a:off x="0" y="1052006"/>
-            <a:ext cx="9144000" cy="3817829"/>
+            <a:off x="6553200" y="4767263"/>
+            <a:ext cx="2133600" cy="273844"/>
           </a:xfrm>
           <a:prstGeom prst="rect">
             <a:avLst/>
           </a:prstGeom>
-          <a:gradFill>
-            <a:gsLst>
-              <a:gs pos="0">
-                <a:schemeClr val="accent1">
-                  <a:tint val="100000"/>
-                  <a:shade val="100000"/>
-                  <a:satMod val="130000"/>
-                </a:schemeClr>
-              </a:gs>
-              <a:gs pos="0">
-                <a:srgbClr val="3B515B"/>
-              </a:gs>
-            </a:gsLst>
-          </a:gradFill>
-          <a:ln>
-            <a:noFill/>
-          </a:ln>
-          <a:effectLst/>
         </p:spPr>
-        <p:style>
-          <a:lnRef idx="1">
-            <a:schemeClr val="accent1"/>
-          </a:lnRef>
-          <a:fillRef idx="3">
-            <a:schemeClr val="accent1"/>
-          </a:fillRef>
-          <a:effectRef idx="2">
-            <a:schemeClr val="accent1"/>
-          </a:effectRef>
-          <a:fontRef idx="minor">
-            <a:schemeClr val="lt1"/>
-          </a:fontRef>
-        </p:style>
-        <p:txBody>
-          <a:bodyPr rtlCol="0" anchor="ctr"/>
-          <a:lstStyle/>
-          <a:p>
-            <a:pPr algn="ctr"/>
+        <p:txBody>
+          <a:bodyPr vert="horz" lIns="91440" tIns="45720" rIns="91440" bIns="45720" rtlCol="0" anchor="ctr"/>
+          <a:lstStyle>
+            <a:lvl1pPr algn="r">
+              <a:defRPr sz="1200">
+                <a:solidFill>
+                  <a:schemeClr val="tx1">
+                    <a:tint val="75000"/>
+                  </a:schemeClr>
+                </a:solidFill>
+              </a:defRPr>
+            </a:lvl1pPr>
+          </a:lstStyle>
+          <a:p>
+            <a:fld id="{3E01A2B2-10AD-754B-9B4C-E5B6FED423D0}" type="slidenum">
+              <a:rPr lang="de-DE" smtClean="0"/>
+              <a:t>‹Nr.›</a:t>
+            </a:fld>
             <a:endParaRPr lang="de-DE"/>
           </a:p>
         </p:txBody>
@@ -1077,1050 +2805,7 @@
     </p:spTree>
     <p:extLst>
       <p:ext uri="{BB962C8B-B14F-4D97-AF65-F5344CB8AC3E}">
-        <p14:creationId xmlns:p14="http://schemas.microsoft.com/office/powerpoint/2010/main" val="2995622596"/>
-      </p:ext>
-    </p:extLst>
-  </p:cSld>
-  <p:clrMapOvr>
-    <a:masterClrMapping/>
-  </p:clrMapOvr>
-</p:sldLayout>
-</file>
-
-<file path=ppt/slideLayouts/slideLayout4.xml><?xml version="1.0" encoding="utf-8"?>
-<p:sldLayout xmlns:a="http://schemas.openxmlformats.org/drawingml/2006/main" xmlns:r="http://schemas.openxmlformats.org/officeDocument/2006/relationships" xmlns:p="http://schemas.openxmlformats.org/presentationml/2006/main" preserve="1" userDrawn="1">
-  <p:cSld name="3b_einfarbiger_HG_Blau">
-    <p:spTree>
-      <p:nvGrpSpPr>
-        <p:cNvPr id="1" name=""/>
-        <p:cNvGrpSpPr/>
-        <p:nvPr/>
-      </p:nvGrpSpPr>
-      <p:grpSpPr>
-        <a:xfrm>
-          <a:off x="0" y="0"/>
-          <a:ext cx="0" cy="0"/>
-          <a:chOff x="0" y="0"/>
-          <a:chExt cx="0" cy="0"/>
-        </a:xfrm>
-      </p:grpSpPr>
-      <p:sp>
-        <p:nvSpPr>
-          <p:cNvPr id="2" name="Rechteck 1"/>
-          <p:cNvSpPr/>
-          <p:nvPr userDrawn="1"/>
-        </p:nvSpPr>
-        <p:spPr>
-          <a:xfrm>
-            <a:off x="0" y="1052006"/>
-            <a:ext cx="9144000" cy="3817829"/>
-          </a:xfrm>
-          <a:prstGeom prst="rect">
-            <a:avLst/>
-          </a:prstGeom>
-          <a:solidFill>
-            <a:srgbClr val="009CD1"/>
-          </a:solidFill>
-          <a:ln>
-            <a:noFill/>
-          </a:ln>
-          <a:effectLst/>
-        </p:spPr>
-        <p:style>
-          <a:lnRef idx="1">
-            <a:schemeClr val="accent1"/>
-          </a:lnRef>
-          <a:fillRef idx="3">
-            <a:schemeClr val="accent1"/>
-          </a:fillRef>
-          <a:effectRef idx="2">
-            <a:schemeClr val="accent1"/>
-          </a:effectRef>
-          <a:fontRef idx="minor">
-            <a:schemeClr val="lt1"/>
-          </a:fontRef>
-        </p:style>
-        <p:txBody>
-          <a:bodyPr rtlCol="0" anchor="ctr"/>
-          <a:lstStyle/>
-          <a:p>
-            <a:pPr algn="ctr"/>
-            <a:endParaRPr lang="de-DE"/>
-          </a:p>
-        </p:txBody>
-      </p:sp>
-    </p:spTree>
-    <p:extLst>
-      <p:ext uri="{BB962C8B-B14F-4D97-AF65-F5344CB8AC3E}">
-        <p14:creationId xmlns:p14="http://schemas.microsoft.com/office/powerpoint/2010/main" val="1873842996"/>
-      </p:ext>
-    </p:extLst>
-  </p:cSld>
-  <p:clrMapOvr>
-    <a:masterClrMapping/>
-  </p:clrMapOvr>
-</p:sldLayout>
-</file>
-
-<file path=ppt/slideLayouts/slideLayout5.xml><?xml version="1.0" encoding="utf-8"?>
-<p:sldLayout xmlns:a="http://schemas.openxmlformats.org/drawingml/2006/main" xmlns:r="http://schemas.openxmlformats.org/officeDocument/2006/relationships" xmlns:p="http://schemas.openxmlformats.org/presentationml/2006/main" preserve="1" userDrawn="1">
-  <p:cSld name="4a_Headline_und_Text">
-    <p:spTree>
-      <p:nvGrpSpPr>
-        <p:cNvPr id="1" name=""/>
-        <p:cNvGrpSpPr/>
-        <p:nvPr/>
-      </p:nvGrpSpPr>
-      <p:grpSpPr>
-        <a:xfrm>
-          <a:off x="0" y="0"/>
-          <a:ext cx="0" cy="0"/>
-          <a:chOff x="0" y="0"/>
-          <a:chExt cx="0" cy="0"/>
-        </a:xfrm>
-      </p:grpSpPr>
-      <p:cxnSp>
-        <p:nvCxnSpPr>
-          <p:cNvPr id="6" name="Gerade Verbindung 5"/>
-          <p:cNvCxnSpPr/>
-          <p:nvPr userDrawn="1"/>
-        </p:nvCxnSpPr>
-        <p:spPr>
-          <a:xfrm>
-            <a:off x="0" y="1059582"/>
-            <a:ext cx="9144000" cy="0"/>
-          </a:xfrm>
-          <a:prstGeom prst="line">
-            <a:avLst/>
-          </a:prstGeom>
-          <a:ln w="25400">
-            <a:solidFill>
-              <a:srgbClr val="009CD1"/>
-            </a:solidFill>
-          </a:ln>
-          <a:effectLst/>
-        </p:spPr>
-        <p:style>
-          <a:lnRef idx="2">
-            <a:schemeClr val="accent1"/>
-          </a:lnRef>
-          <a:fillRef idx="0">
-            <a:schemeClr val="accent1"/>
-          </a:fillRef>
-          <a:effectRef idx="1">
-            <a:schemeClr val="accent1"/>
-          </a:effectRef>
-          <a:fontRef idx="minor">
-            <a:schemeClr val="tx1"/>
-          </a:fontRef>
-        </p:style>
-      </p:cxnSp>
-      <p:sp>
-        <p:nvSpPr>
-          <p:cNvPr id="10" name="Textplatzhalter 9"/>
-          <p:cNvSpPr>
-            <a:spLocks noGrp="1"/>
-          </p:cNvSpPr>
-          <p:nvPr>
-            <p:ph type="body" sz="quarter" idx="13"/>
-          </p:nvPr>
-        </p:nvSpPr>
-        <p:spPr>
-          <a:xfrm>
-            <a:off x="214769" y="1203598"/>
-            <a:ext cx="8533695" cy="503882"/>
-          </a:xfrm>
-        </p:spPr>
-        <p:txBody>
-          <a:bodyPr>
-            <a:normAutofit/>
-          </a:bodyPr>
-          <a:lstStyle>
-            <a:lvl1pPr marL="0" indent="0">
-              <a:buNone/>
-              <a:defRPr sz="2600">
-                <a:latin typeface="TheSans UHH Bold Caps"/>
-              </a:defRPr>
-            </a:lvl1pPr>
-            <a:lvl2pPr>
-              <a:defRPr sz="2600">
-                <a:latin typeface="TheSans UHH Bold Caps"/>
-              </a:defRPr>
-            </a:lvl2pPr>
-            <a:lvl3pPr>
-              <a:defRPr sz="2600">
-                <a:latin typeface="TheSans UHH Bold Caps"/>
-              </a:defRPr>
-            </a:lvl3pPr>
-            <a:lvl4pPr>
-              <a:defRPr sz="2600">
-                <a:latin typeface="TheSans UHH Bold Caps"/>
-              </a:defRPr>
-            </a:lvl4pPr>
-            <a:lvl5pPr>
-              <a:defRPr sz="2600">
-                <a:latin typeface="TheSans UHH Bold Caps"/>
-              </a:defRPr>
-            </a:lvl5pPr>
-          </a:lstStyle>
-          <a:p>
-            <a:pPr lvl="0"/>
-            <a:r>
-              <a:rPr lang="de-DE" dirty="0"/>
-              <a:t>Mastertextformat bearbeiten</a:t>
-            </a:r>
-          </a:p>
-        </p:txBody>
-      </p:sp>
-      <p:sp>
-        <p:nvSpPr>
-          <p:cNvPr id="11" name="Textplatzhalter 9"/>
-          <p:cNvSpPr>
-            <a:spLocks noGrp="1"/>
-          </p:cNvSpPr>
-          <p:nvPr>
-            <p:ph type="body" sz="quarter" idx="14"/>
-          </p:nvPr>
-        </p:nvSpPr>
-        <p:spPr>
-          <a:xfrm>
-            <a:off x="214769" y="1779662"/>
-            <a:ext cx="8533695" cy="2880320"/>
-          </a:xfrm>
-        </p:spPr>
-        <p:txBody>
-          <a:bodyPr>
-            <a:normAutofit/>
-          </a:bodyPr>
-          <a:lstStyle>
-            <a:lvl1pPr marL="0" indent="0">
-              <a:buNone/>
-              <a:defRPr sz="2000">
-                <a:latin typeface="TheSans UHH"/>
-              </a:defRPr>
-            </a:lvl1pPr>
-            <a:lvl2pPr>
-              <a:defRPr sz="2600">
-                <a:latin typeface="TheSans UHH Bold Caps"/>
-              </a:defRPr>
-            </a:lvl2pPr>
-            <a:lvl3pPr>
-              <a:defRPr sz="2600">
-                <a:latin typeface="TheSans UHH Bold Caps"/>
-              </a:defRPr>
-            </a:lvl3pPr>
-            <a:lvl4pPr>
-              <a:defRPr sz="2600">
-                <a:latin typeface="TheSans UHH Bold Caps"/>
-              </a:defRPr>
-            </a:lvl4pPr>
-            <a:lvl5pPr>
-              <a:defRPr sz="2600">
-                <a:latin typeface="TheSans UHH Bold Caps"/>
-              </a:defRPr>
-            </a:lvl5pPr>
-          </a:lstStyle>
-          <a:p>
-            <a:pPr lvl="0"/>
-            <a:r>
-              <a:rPr lang="de-DE" dirty="0"/>
-              <a:t>Mastertextformat bearbeiten</a:t>
-            </a:r>
-          </a:p>
-        </p:txBody>
-      </p:sp>
-    </p:spTree>
-    <p:extLst>
-      <p:ext uri="{BB962C8B-B14F-4D97-AF65-F5344CB8AC3E}">
-        <p14:creationId xmlns:p14="http://schemas.microsoft.com/office/powerpoint/2010/main" val="2552089639"/>
-      </p:ext>
-    </p:extLst>
-  </p:cSld>
-  <p:clrMapOvr>
-    <a:masterClrMapping/>
-  </p:clrMapOvr>
-</p:sldLayout>
-</file>
-
-<file path=ppt/slideLayouts/slideLayout6.xml><?xml version="1.0" encoding="utf-8"?>
-<p:sldLayout xmlns:a="http://schemas.openxmlformats.org/drawingml/2006/main" xmlns:r="http://schemas.openxmlformats.org/officeDocument/2006/relationships" xmlns:p="http://schemas.openxmlformats.org/presentationml/2006/main" preserve="1" userDrawn="1">
-  <p:cSld name="4b_Headline_und_Text_zweispaltig">
-    <p:spTree>
-      <p:nvGrpSpPr>
-        <p:cNvPr id="1" name=""/>
-        <p:cNvGrpSpPr/>
-        <p:nvPr/>
-      </p:nvGrpSpPr>
-      <p:grpSpPr>
-        <a:xfrm>
-          <a:off x="0" y="0"/>
-          <a:ext cx="0" cy="0"/>
-          <a:chOff x="0" y="0"/>
-          <a:chExt cx="0" cy="0"/>
-        </a:xfrm>
-      </p:grpSpPr>
-      <p:cxnSp>
-        <p:nvCxnSpPr>
-          <p:cNvPr id="6" name="Gerade Verbindung 5"/>
-          <p:cNvCxnSpPr/>
-          <p:nvPr userDrawn="1"/>
-        </p:nvCxnSpPr>
-        <p:spPr>
-          <a:xfrm>
-            <a:off x="0" y="1059582"/>
-            <a:ext cx="9144000" cy="0"/>
-          </a:xfrm>
-          <a:prstGeom prst="line">
-            <a:avLst/>
-          </a:prstGeom>
-          <a:ln w="25400">
-            <a:solidFill>
-              <a:srgbClr val="009CD1"/>
-            </a:solidFill>
-          </a:ln>
-          <a:effectLst/>
-        </p:spPr>
-        <p:style>
-          <a:lnRef idx="2">
-            <a:schemeClr val="accent1"/>
-          </a:lnRef>
-          <a:fillRef idx="0">
-            <a:schemeClr val="accent1"/>
-          </a:fillRef>
-          <a:effectRef idx="1">
-            <a:schemeClr val="accent1"/>
-          </a:effectRef>
-          <a:fontRef idx="minor">
-            <a:schemeClr val="tx1"/>
-          </a:fontRef>
-        </p:style>
-      </p:cxnSp>
-      <p:sp>
-        <p:nvSpPr>
-          <p:cNvPr id="10" name="Textplatzhalter 9"/>
-          <p:cNvSpPr>
-            <a:spLocks noGrp="1"/>
-          </p:cNvSpPr>
-          <p:nvPr>
-            <p:ph type="body" sz="quarter" idx="13"/>
-          </p:nvPr>
-        </p:nvSpPr>
-        <p:spPr>
-          <a:xfrm>
-            <a:off x="214769" y="1203598"/>
-            <a:ext cx="8353425" cy="503882"/>
-          </a:xfrm>
-        </p:spPr>
-        <p:txBody>
-          <a:bodyPr>
-            <a:normAutofit/>
-          </a:bodyPr>
-          <a:lstStyle>
-            <a:lvl1pPr marL="0" indent="0">
-              <a:buNone/>
-              <a:defRPr sz="2600">
-                <a:latin typeface="TheSans UHH Bold Caps"/>
-              </a:defRPr>
-            </a:lvl1pPr>
-            <a:lvl2pPr>
-              <a:defRPr sz="2600">
-                <a:latin typeface="TheSans UHH Bold Caps"/>
-              </a:defRPr>
-            </a:lvl2pPr>
-            <a:lvl3pPr>
-              <a:defRPr sz="2600">
-                <a:latin typeface="TheSans UHH Bold Caps"/>
-              </a:defRPr>
-            </a:lvl3pPr>
-            <a:lvl4pPr>
-              <a:defRPr sz="2600">
-                <a:latin typeface="TheSans UHH Bold Caps"/>
-              </a:defRPr>
-            </a:lvl4pPr>
-            <a:lvl5pPr>
-              <a:defRPr sz="2600">
-                <a:latin typeface="TheSans UHH Bold Caps"/>
-              </a:defRPr>
-            </a:lvl5pPr>
-          </a:lstStyle>
-          <a:p>
-            <a:pPr lvl="0"/>
-            <a:r>
-              <a:rPr lang="de-DE" dirty="0"/>
-              <a:t>Mastertextformat bearbeiten</a:t>
-            </a:r>
-          </a:p>
-        </p:txBody>
-      </p:sp>
-      <p:sp>
-        <p:nvSpPr>
-          <p:cNvPr id="12" name="Textplatzhalter 9"/>
-          <p:cNvSpPr>
-            <a:spLocks noGrp="1"/>
-          </p:cNvSpPr>
-          <p:nvPr>
-            <p:ph type="body" sz="quarter" idx="14"/>
-          </p:nvPr>
-        </p:nvSpPr>
-        <p:spPr>
-          <a:xfrm>
-            <a:off x="214770" y="1779662"/>
-            <a:ext cx="4171028" cy="2880320"/>
-          </a:xfrm>
-        </p:spPr>
-        <p:txBody>
-          <a:bodyPr>
-            <a:normAutofit/>
-          </a:bodyPr>
-          <a:lstStyle>
-            <a:lvl1pPr marL="0" indent="0">
-              <a:buNone/>
-              <a:defRPr sz="2000">
-                <a:latin typeface="TheSans UHH"/>
-              </a:defRPr>
-            </a:lvl1pPr>
-            <a:lvl2pPr>
-              <a:defRPr sz="2600">
-                <a:latin typeface="TheSans UHH Bold Caps"/>
-              </a:defRPr>
-            </a:lvl2pPr>
-            <a:lvl3pPr>
-              <a:defRPr sz="2600">
-                <a:latin typeface="TheSans UHH Bold Caps"/>
-              </a:defRPr>
-            </a:lvl3pPr>
-            <a:lvl4pPr>
-              <a:defRPr sz="2600">
-                <a:latin typeface="TheSans UHH Bold Caps"/>
-              </a:defRPr>
-            </a:lvl4pPr>
-            <a:lvl5pPr>
-              <a:defRPr sz="2600">
-                <a:latin typeface="TheSans UHH Bold Caps"/>
-              </a:defRPr>
-            </a:lvl5pPr>
-          </a:lstStyle>
-          <a:p>
-            <a:pPr lvl="0"/>
-            <a:r>
-              <a:rPr lang="de-DE" dirty="0"/>
-              <a:t>Mastertextformat bearbeiten</a:t>
-            </a:r>
-          </a:p>
-        </p:txBody>
-      </p:sp>
-      <p:sp>
-        <p:nvSpPr>
-          <p:cNvPr id="14" name="Textplatzhalter 9"/>
-          <p:cNvSpPr>
-            <a:spLocks noGrp="1"/>
-          </p:cNvSpPr>
-          <p:nvPr>
-            <p:ph type="body" sz="quarter" idx="15"/>
-          </p:nvPr>
-        </p:nvSpPr>
-        <p:spPr>
-          <a:xfrm>
-            <a:off x="4572000" y="1779662"/>
-            <a:ext cx="4171028" cy="2880320"/>
-          </a:xfrm>
-        </p:spPr>
-        <p:txBody>
-          <a:bodyPr>
-            <a:normAutofit/>
-          </a:bodyPr>
-          <a:lstStyle>
-            <a:lvl1pPr marL="0" indent="0">
-              <a:buNone/>
-              <a:defRPr sz="2000">
-                <a:latin typeface="TheSans UHH"/>
-              </a:defRPr>
-            </a:lvl1pPr>
-            <a:lvl2pPr>
-              <a:defRPr sz="2600">
-                <a:latin typeface="TheSans UHH Bold Caps"/>
-              </a:defRPr>
-            </a:lvl2pPr>
-            <a:lvl3pPr>
-              <a:defRPr sz="2600">
-                <a:latin typeface="TheSans UHH Bold Caps"/>
-              </a:defRPr>
-            </a:lvl3pPr>
-            <a:lvl4pPr>
-              <a:defRPr sz="2600">
-                <a:latin typeface="TheSans UHH Bold Caps"/>
-              </a:defRPr>
-            </a:lvl4pPr>
-            <a:lvl5pPr>
-              <a:defRPr sz="2600">
-                <a:latin typeface="TheSans UHH Bold Caps"/>
-              </a:defRPr>
-            </a:lvl5pPr>
-          </a:lstStyle>
-          <a:p>
-            <a:pPr lvl="0"/>
-            <a:r>
-              <a:rPr lang="de-DE" dirty="0"/>
-              <a:t>Mastertextformat bearbeiten</a:t>
-            </a:r>
-          </a:p>
-        </p:txBody>
-      </p:sp>
-    </p:spTree>
-    <p:extLst>
-      <p:ext uri="{BB962C8B-B14F-4D97-AF65-F5344CB8AC3E}">
-        <p14:creationId xmlns:p14="http://schemas.microsoft.com/office/powerpoint/2010/main" val="3193518079"/>
-      </p:ext>
-    </p:extLst>
-  </p:cSld>
-  <p:clrMapOvr>
-    <a:masterClrMapping/>
-  </p:clrMapOvr>
-</p:sldLayout>
-</file>
-
-<file path=ppt/slideLayouts/slideLayout7.xml><?xml version="1.0" encoding="utf-8"?>
-<p:sldLayout xmlns:a="http://schemas.openxmlformats.org/drawingml/2006/main" xmlns:r="http://schemas.openxmlformats.org/officeDocument/2006/relationships" xmlns:p="http://schemas.openxmlformats.org/presentationml/2006/main" preserve="1" userDrawn="1">
-  <p:cSld name="4c_Headline_Text_und_Bild">
-    <p:spTree>
-      <p:nvGrpSpPr>
-        <p:cNvPr id="1" name=""/>
-        <p:cNvGrpSpPr/>
-        <p:nvPr/>
-      </p:nvGrpSpPr>
-      <p:grpSpPr>
-        <a:xfrm>
-          <a:off x="0" y="0"/>
-          <a:ext cx="0" cy="0"/>
-          <a:chOff x="0" y="0"/>
-          <a:chExt cx="0" cy="0"/>
-        </a:xfrm>
-      </p:grpSpPr>
-      <p:cxnSp>
-        <p:nvCxnSpPr>
-          <p:cNvPr id="6" name="Gerade Verbindung 5"/>
-          <p:cNvCxnSpPr/>
-          <p:nvPr userDrawn="1"/>
-        </p:nvCxnSpPr>
-        <p:spPr>
-          <a:xfrm>
-            <a:off x="0" y="1059582"/>
-            <a:ext cx="9144000" cy="0"/>
-          </a:xfrm>
-          <a:prstGeom prst="line">
-            <a:avLst/>
-          </a:prstGeom>
-          <a:ln w="25400">
-            <a:solidFill>
-              <a:srgbClr val="009CD1"/>
-            </a:solidFill>
-          </a:ln>
-          <a:effectLst/>
-        </p:spPr>
-        <p:style>
-          <a:lnRef idx="2">
-            <a:schemeClr val="accent1"/>
-          </a:lnRef>
-          <a:fillRef idx="0">
-            <a:schemeClr val="accent1"/>
-          </a:fillRef>
-          <a:effectRef idx="1">
-            <a:schemeClr val="accent1"/>
-          </a:effectRef>
-          <a:fontRef idx="minor">
-            <a:schemeClr val="tx1"/>
-          </a:fontRef>
-        </p:style>
-      </p:cxnSp>
-      <p:sp>
-        <p:nvSpPr>
-          <p:cNvPr id="10" name="Textplatzhalter 9"/>
-          <p:cNvSpPr>
-            <a:spLocks noGrp="1"/>
-          </p:cNvSpPr>
-          <p:nvPr>
-            <p:ph type="body" sz="quarter" idx="13"/>
-          </p:nvPr>
-        </p:nvSpPr>
-        <p:spPr>
-          <a:xfrm>
-            <a:off x="214769" y="1203598"/>
-            <a:ext cx="8353425" cy="503882"/>
-          </a:xfrm>
-        </p:spPr>
-        <p:txBody>
-          <a:bodyPr>
-            <a:normAutofit/>
-          </a:bodyPr>
-          <a:lstStyle>
-            <a:lvl1pPr marL="0" indent="0">
-              <a:buNone/>
-              <a:defRPr sz="2600">
-                <a:latin typeface="TheSans UHH Bold Caps"/>
-              </a:defRPr>
-            </a:lvl1pPr>
-            <a:lvl2pPr>
-              <a:defRPr sz="2600">
-                <a:latin typeface="TheSans UHH Bold Caps"/>
-              </a:defRPr>
-            </a:lvl2pPr>
-            <a:lvl3pPr>
-              <a:defRPr sz="2600">
-                <a:latin typeface="TheSans UHH Bold Caps"/>
-              </a:defRPr>
-            </a:lvl3pPr>
-            <a:lvl4pPr>
-              <a:defRPr sz="2600">
-                <a:latin typeface="TheSans UHH Bold Caps"/>
-              </a:defRPr>
-            </a:lvl4pPr>
-            <a:lvl5pPr>
-              <a:defRPr sz="2600">
-                <a:latin typeface="TheSans UHH Bold Caps"/>
-              </a:defRPr>
-            </a:lvl5pPr>
-          </a:lstStyle>
-          <a:p>
-            <a:pPr lvl="0"/>
-            <a:r>
-              <a:rPr lang="de-DE" dirty="0"/>
-              <a:t>Mastertextformat bearbeiten</a:t>
-            </a:r>
-          </a:p>
-        </p:txBody>
-      </p:sp>
-      <p:sp>
-        <p:nvSpPr>
-          <p:cNvPr id="11" name="Textplatzhalter 9"/>
-          <p:cNvSpPr>
-            <a:spLocks noGrp="1"/>
-          </p:cNvSpPr>
-          <p:nvPr>
-            <p:ph type="body" sz="quarter" idx="14"/>
-          </p:nvPr>
-        </p:nvSpPr>
-        <p:spPr>
-          <a:xfrm>
-            <a:off x="214770" y="1779662"/>
-            <a:ext cx="4171028" cy="2880320"/>
-          </a:xfrm>
-        </p:spPr>
-        <p:txBody>
-          <a:bodyPr>
-            <a:normAutofit/>
-          </a:bodyPr>
-          <a:lstStyle>
-            <a:lvl1pPr marL="0" indent="0">
-              <a:buNone/>
-              <a:defRPr sz="2000">
-                <a:latin typeface="TheSans UHH"/>
-              </a:defRPr>
-            </a:lvl1pPr>
-            <a:lvl2pPr>
-              <a:defRPr sz="2600">
-                <a:latin typeface="TheSans UHH Bold Caps"/>
-              </a:defRPr>
-            </a:lvl2pPr>
-            <a:lvl3pPr>
-              <a:defRPr sz="2600">
-                <a:latin typeface="TheSans UHH Bold Caps"/>
-              </a:defRPr>
-            </a:lvl3pPr>
-            <a:lvl4pPr>
-              <a:defRPr sz="2600">
-                <a:latin typeface="TheSans UHH Bold Caps"/>
-              </a:defRPr>
-            </a:lvl4pPr>
-            <a:lvl5pPr>
-              <a:defRPr sz="2600">
-                <a:latin typeface="TheSans UHH Bold Caps"/>
-              </a:defRPr>
-            </a:lvl5pPr>
-          </a:lstStyle>
-          <a:p>
-            <a:pPr lvl="0"/>
-            <a:r>
-              <a:rPr lang="de-DE" dirty="0"/>
-              <a:t>Mastertextformat bearbeiten</a:t>
-            </a:r>
-          </a:p>
-        </p:txBody>
-      </p:sp>
-      <p:sp>
-        <p:nvSpPr>
-          <p:cNvPr id="7" name="Bildplatzhalter 6"/>
-          <p:cNvSpPr>
-            <a:spLocks noGrp="1"/>
-          </p:cNvSpPr>
-          <p:nvPr>
-            <p:ph type="pic" sz="quarter" idx="15" hasCustomPrompt="1"/>
-          </p:nvPr>
-        </p:nvSpPr>
-        <p:spPr>
-          <a:xfrm>
-            <a:off x="4572000" y="1928627"/>
-            <a:ext cx="4572000" cy="2730686"/>
-          </a:xfrm>
-        </p:spPr>
-        <p:txBody>
-          <a:bodyPr>
-            <a:normAutofit/>
-          </a:bodyPr>
-          <a:lstStyle>
-            <a:lvl1pPr marL="0" indent="0">
-              <a:buNone/>
-              <a:defRPr sz="1400"/>
-            </a:lvl1pPr>
-          </a:lstStyle>
-          <a:p>
-            <a:r>
-              <a:rPr lang="de-DE" dirty="0"/>
-              <a:t>Bild einfügen</a:t>
-            </a:r>
-          </a:p>
-        </p:txBody>
-      </p:sp>
-    </p:spTree>
-    <p:extLst>
-      <p:ext uri="{BB962C8B-B14F-4D97-AF65-F5344CB8AC3E}">
-        <p14:creationId xmlns:p14="http://schemas.microsoft.com/office/powerpoint/2010/main" val="3715238603"/>
-      </p:ext>
-    </p:extLst>
-  </p:cSld>
-  <p:clrMapOvr>
-    <a:masterClrMapping/>
-  </p:clrMapOvr>
-</p:sldLayout>
-</file>
-
-<file path=ppt/slideLayouts/slideLayout8.xml><?xml version="1.0" encoding="utf-8"?>
-<p:sldLayout xmlns:a="http://schemas.openxmlformats.org/drawingml/2006/main" xmlns:r="http://schemas.openxmlformats.org/officeDocument/2006/relationships" xmlns:p="http://schemas.openxmlformats.org/presentationml/2006/main" preserve="1" userDrawn="1">
-  <p:cSld name="4d_Headline_Text_und_Tabelle">
-    <p:spTree>
-      <p:nvGrpSpPr>
-        <p:cNvPr id="1" name=""/>
-        <p:cNvGrpSpPr/>
-        <p:nvPr/>
-      </p:nvGrpSpPr>
-      <p:grpSpPr>
-        <a:xfrm>
-          <a:off x="0" y="0"/>
-          <a:ext cx="0" cy="0"/>
-          <a:chOff x="0" y="0"/>
-          <a:chExt cx="0" cy="0"/>
-        </a:xfrm>
-      </p:grpSpPr>
-      <p:cxnSp>
-        <p:nvCxnSpPr>
-          <p:cNvPr id="6" name="Gerade Verbindung 5"/>
-          <p:cNvCxnSpPr/>
-          <p:nvPr userDrawn="1"/>
-        </p:nvCxnSpPr>
-        <p:spPr>
-          <a:xfrm>
-            <a:off x="0" y="1059582"/>
-            <a:ext cx="9144000" cy="0"/>
-          </a:xfrm>
-          <a:prstGeom prst="line">
-            <a:avLst/>
-          </a:prstGeom>
-          <a:ln w="25400">
-            <a:solidFill>
-              <a:srgbClr val="009CD1"/>
-            </a:solidFill>
-          </a:ln>
-          <a:effectLst/>
-        </p:spPr>
-        <p:style>
-          <a:lnRef idx="2">
-            <a:schemeClr val="accent1"/>
-          </a:lnRef>
-          <a:fillRef idx="0">
-            <a:schemeClr val="accent1"/>
-          </a:fillRef>
-          <a:effectRef idx="1">
-            <a:schemeClr val="accent1"/>
-          </a:effectRef>
-          <a:fontRef idx="minor">
-            <a:schemeClr val="tx1"/>
-          </a:fontRef>
-        </p:style>
-      </p:cxnSp>
-      <p:sp>
-        <p:nvSpPr>
-          <p:cNvPr id="10" name="Textplatzhalter 9"/>
-          <p:cNvSpPr>
-            <a:spLocks noGrp="1"/>
-          </p:cNvSpPr>
-          <p:nvPr>
-            <p:ph type="body" sz="quarter" idx="13"/>
-          </p:nvPr>
-        </p:nvSpPr>
-        <p:spPr>
-          <a:xfrm>
-            <a:off x="214769" y="1203598"/>
-            <a:ext cx="8353425" cy="503882"/>
-          </a:xfrm>
-        </p:spPr>
-        <p:txBody>
-          <a:bodyPr>
-            <a:normAutofit/>
-          </a:bodyPr>
-          <a:lstStyle>
-            <a:lvl1pPr marL="0" indent="0">
-              <a:buNone/>
-              <a:defRPr sz="2600">
-                <a:latin typeface="TheSans UHH Bold Caps"/>
-              </a:defRPr>
-            </a:lvl1pPr>
-            <a:lvl2pPr>
-              <a:defRPr sz="2600">
-                <a:latin typeface="TheSans UHH Bold Caps"/>
-              </a:defRPr>
-            </a:lvl2pPr>
-            <a:lvl3pPr>
-              <a:defRPr sz="2600">
-                <a:latin typeface="TheSans UHH Bold Caps"/>
-              </a:defRPr>
-            </a:lvl3pPr>
-            <a:lvl4pPr>
-              <a:defRPr sz="2600">
-                <a:latin typeface="TheSans UHH Bold Caps"/>
-              </a:defRPr>
-            </a:lvl4pPr>
-            <a:lvl5pPr>
-              <a:defRPr sz="2600">
-                <a:latin typeface="TheSans UHH Bold Caps"/>
-              </a:defRPr>
-            </a:lvl5pPr>
-          </a:lstStyle>
-          <a:p>
-            <a:pPr lvl="0"/>
-            <a:r>
-              <a:rPr lang="de-DE" dirty="0"/>
-              <a:t>Mastertextformat bearbeiten</a:t>
-            </a:r>
-          </a:p>
-        </p:txBody>
-      </p:sp>
-      <p:sp>
-        <p:nvSpPr>
-          <p:cNvPr id="11" name="Textplatzhalter 9"/>
-          <p:cNvSpPr>
-            <a:spLocks noGrp="1"/>
-          </p:cNvSpPr>
-          <p:nvPr>
-            <p:ph type="body" sz="quarter" idx="14"/>
-          </p:nvPr>
-        </p:nvSpPr>
-        <p:spPr>
-          <a:xfrm>
-            <a:off x="214770" y="1779662"/>
-            <a:ext cx="4171028" cy="2880320"/>
-          </a:xfrm>
-        </p:spPr>
-        <p:txBody>
-          <a:bodyPr>
-            <a:normAutofit/>
-          </a:bodyPr>
-          <a:lstStyle>
-            <a:lvl1pPr marL="0" indent="0">
-              <a:buNone/>
-              <a:defRPr sz="2000">
-                <a:latin typeface="TheSans UHH"/>
-              </a:defRPr>
-            </a:lvl1pPr>
-            <a:lvl2pPr>
-              <a:defRPr sz="2600">
-                <a:latin typeface="TheSans UHH Bold Caps"/>
-              </a:defRPr>
-            </a:lvl2pPr>
-            <a:lvl3pPr>
-              <a:defRPr sz="2600">
-                <a:latin typeface="TheSans UHH Bold Caps"/>
-              </a:defRPr>
-            </a:lvl3pPr>
-            <a:lvl4pPr>
-              <a:defRPr sz="2600">
-                <a:latin typeface="TheSans UHH Bold Caps"/>
-              </a:defRPr>
-            </a:lvl4pPr>
-            <a:lvl5pPr>
-              <a:defRPr sz="2600">
-                <a:latin typeface="TheSans UHH Bold Caps"/>
-              </a:defRPr>
-            </a:lvl5pPr>
-          </a:lstStyle>
-          <a:p>
-            <a:pPr lvl="0"/>
-            <a:r>
-              <a:rPr lang="de-DE" dirty="0"/>
-              <a:t>Mastertextformat bearbeiten</a:t>
-            </a:r>
-          </a:p>
-        </p:txBody>
-      </p:sp>
-      <p:sp>
-        <p:nvSpPr>
-          <p:cNvPr id="12" name="Tabellenplatzhalter 11"/>
-          <p:cNvSpPr>
-            <a:spLocks noGrp="1"/>
-          </p:cNvSpPr>
-          <p:nvPr>
-            <p:ph type="tbl" sz="quarter" idx="16"/>
-          </p:nvPr>
-        </p:nvSpPr>
-        <p:spPr>
-          <a:xfrm>
-            <a:off x="4572000" y="1779662"/>
-            <a:ext cx="4248472" cy="2879651"/>
-          </a:xfrm>
-        </p:spPr>
-        <p:txBody>
-          <a:bodyPr>
-            <a:normAutofit/>
-          </a:bodyPr>
-          <a:lstStyle>
-            <a:lvl1pPr marL="0" indent="0">
-              <a:buNone/>
-              <a:defRPr sz="1400"/>
-            </a:lvl1pPr>
-          </a:lstStyle>
-          <a:p>
-            <a:r>
-              <a:rPr lang="de-DE" dirty="0"/>
-              <a:t>Tabelle</a:t>
-            </a:r>
-          </a:p>
-        </p:txBody>
-      </p:sp>
-    </p:spTree>
-    <p:extLst>
-      <p:ext uri="{BB962C8B-B14F-4D97-AF65-F5344CB8AC3E}">
-        <p14:creationId xmlns:p14="http://schemas.microsoft.com/office/powerpoint/2010/main" val="3406152385"/>
-      </p:ext>
-    </p:extLst>
-  </p:cSld>
-  <p:clrMapOvr>
-    <a:masterClrMapping/>
-  </p:clrMapOvr>
-</p:sldLayout>
-</file>
-
-<file path=ppt/slideLayouts/slideLayout9.xml><?xml version="1.0" encoding="utf-8"?>
-<p:sldLayout xmlns:a="http://schemas.openxmlformats.org/drawingml/2006/main" xmlns:r="http://schemas.openxmlformats.org/officeDocument/2006/relationships" xmlns:p="http://schemas.openxmlformats.org/presentationml/2006/main" preserve="1" userDrawn="1">
-  <p:cSld name="5_Grafiken_Tabellen_Bilder">
-    <p:spTree>
-      <p:nvGrpSpPr>
-        <p:cNvPr id="1" name=""/>
-        <p:cNvGrpSpPr/>
-        <p:nvPr/>
-      </p:nvGrpSpPr>
-      <p:grpSpPr>
-        <a:xfrm>
-          <a:off x="0" y="0"/>
-          <a:ext cx="0" cy="0"/>
-          <a:chOff x="0" y="0"/>
-          <a:chExt cx="0" cy="0"/>
-        </a:xfrm>
-      </p:grpSpPr>
-      <p:cxnSp>
-        <p:nvCxnSpPr>
-          <p:cNvPr id="8" name="Gerade Verbindung 7"/>
-          <p:cNvCxnSpPr/>
-          <p:nvPr userDrawn="1"/>
-        </p:nvCxnSpPr>
-        <p:spPr>
-          <a:xfrm>
-            <a:off x="0" y="1059582"/>
-            <a:ext cx="9144000" cy="0"/>
-          </a:xfrm>
-          <a:prstGeom prst="line">
-            <a:avLst/>
-          </a:prstGeom>
-          <a:ln w="25400">
-            <a:solidFill>
-              <a:srgbClr val="009CD1"/>
-            </a:solidFill>
-          </a:ln>
-          <a:effectLst/>
-        </p:spPr>
-        <p:style>
-          <a:lnRef idx="2">
-            <a:schemeClr val="accent1"/>
-          </a:lnRef>
-          <a:fillRef idx="0">
-            <a:schemeClr val="accent1"/>
-          </a:fillRef>
-          <a:effectRef idx="1">
-            <a:schemeClr val="accent1"/>
-          </a:effectRef>
-          <a:fontRef idx="minor">
-            <a:schemeClr val="tx1"/>
-          </a:fontRef>
-        </p:style>
-      </p:cxnSp>
-      <p:sp>
-        <p:nvSpPr>
-          <p:cNvPr id="22" name="Inhaltsplatzhalter 21"/>
-          <p:cNvSpPr>
-            <a:spLocks noGrp="1"/>
-          </p:cNvSpPr>
-          <p:nvPr>
-            <p:ph sz="quarter" idx="13" hasCustomPrompt="1"/>
-          </p:nvPr>
-        </p:nvSpPr>
-        <p:spPr>
-          <a:xfrm>
-            <a:off x="323528" y="1347614"/>
-            <a:ext cx="8496944" cy="3312368"/>
-          </a:xfrm>
-        </p:spPr>
-        <p:txBody>
-          <a:bodyPr>
-            <a:noAutofit/>
-          </a:bodyPr>
-          <a:lstStyle>
-            <a:lvl1pPr marL="0" indent="0">
-              <a:buNone/>
-              <a:defRPr sz="2000">
-                <a:latin typeface="TheSans UHH"/>
-              </a:defRPr>
-            </a:lvl1pPr>
-            <a:lvl2pPr>
-              <a:defRPr sz="2600">
-                <a:latin typeface="TheSans UHH"/>
-              </a:defRPr>
-            </a:lvl2pPr>
-            <a:lvl3pPr>
-              <a:defRPr sz="2600">
-                <a:latin typeface="TheSans UHH"/>
-              </a:defRPr>
-            </a:lvl3pPr>
-            <a:lvl4pPr>
-              <a:defRPr sz="2600">
-                <a:latin typeface="TheSans UHH"/>
-              </a:defRPr>
-            </a:lvl4pPr>
-            <a:lvl5pPr>
-              <a:defRPr sz="2600">
-                <a:latin typeface="TheSans UHH"/>
-              </a:defRPr>
-            </a:lvl5pPr>
-          </a:lstStyle>
-          <a:p>
-            <a:pPr lvl="0"/>
-            <a:r>
-              <a:rPr lang="de-DE" dirty="0"/>
-              <a:t>Grafiken, Tabellen, Bilder, etc.</a:t>
-            </a:r>
-          </a:p>
-        </p:txBody>
-      </p:sp>
-    </p:spTree>
-    <p:extLst>
-      <p:ext uri="{BB962C8B-B14F-4D97-AF65-F5344CB8AC3E}">
-        <p14:creationId xmlns:p14="http://schemas.microsoft.com/office/powerpoint/2010/main" val="345465930"/>
+        <p14:creationId xmlns:p14="http://schemas.microsoft.com/office/powerpoint/2010/main" val="1965069411"/>
       </p:ext>
     </p:extLst>
   </p:cSld>
@@ -2228,35 +2913,35 @@
           <a:p>
             <a:pPr lvl="0"/>
             <a:r>
-              <a:rPr lang="de-DE"/>
+              <a:rPr lang="de-DE" dirty="0"/>
               <a:t>Mastertextformat bearbeiten</a:t>
             </a:r>
           </a:p>
           <a:p>
             <a:pPr lvl="1"/>
             <a:r>
-              <a:rPr lang="de-DE"/>
+              <a:rPr lang="de-DE" dirty="0"/>
               <a:t>Zweite Ebene</a:t>
             </a:r>
           </a:p>
           <a:p>
             <a:pPr lvl="2"/>
             <a:r>
-              <a:rPr lang="de-DE"/>
+              <a:rPr lang="de-DE" dirty="0"/>
               <a:t>Dritte Ebene</a:t>
             </a:r>
           </a:p>
           <a:p>
             <a:pPr lvl="3"/>
             <a:r>
-              <a:rPr lang="de-DE"/>
+              <a:rPr lang="de-DE" dirty="0"/>
               <a:t>Vierte Ebene</a:t>
             </a:r>
           </a:p>
           <a:p>
             <a:pPr lvl="4"/>
             <a:r>
-              <a:rPr lang="de-DE"/>
+              <a:rPr lang="de-DE" dirty="0"/>
               <a:t>Fünfte Ebene</a:t>
             </a:r>
           </a:p>
@@ -2295,11 +2980,11 @@
             </a:lvl1pPr>
           </a:lstStyle>
           <a:p>
-            <a:fld id="{FFCC7802-94E7-2940-8887-2780492F28E7}" type="datetimeFigureOut">
+            <a:fld id="{09D069C5-CC22-4E88-BB35-FA27CD7EA121}" type="datetime1">
               <a:rPr lang="de-DE" smtClean="0"/>
-              <a:t>30.06.2020</a:t>
+              <a:t>01.07.2020</a:t>
             </a:fld>
-            <a:endParaRPr lang="de-DE"/>
+            <a:endParaRPr lang="de-DE" dirty="0"/>
           </a:p>
         </p:txBody>
       </p:sp>
@@ -2336,7 +3021,11 @@
             </a:lvl1pPr>
           </a:lstStyle>
           <a:p>
-            <a:endParaRPr lang="de-DE"/>
+            <a:r>
+              <a:rPr lang="de-DE"/>
+              <a:t>Group 5 - Facial emotion recognition</a:t>
+            </a:r>
+            <a:endParaRPr lang="de-DE" dirty="0"/>
           </a:p>
         </p:txBody>
       </p:sp>
@@ -2390,7 +3079,7 @@
           <p:nvPr userDrawn="1"/>
         </p:nvPicPr>
         <p:blipFill>
-          <a:blip r:embed="rId12" r:link="rId13">
+          <a:blip r:embed="rId9" r:link="rId10">
             <a:extLst>
               <a:ext uri="{28A0092B-C50C-407E-A947-70E740481C1C}">
                 <a14:useLocalDpi xmlns:a14="http://schemas.microsoft.com/office/drawing/2010/main" val="0"/>
@@ -2425,7 +3114,7 @@
         </p:nvSpPr>
         <p:spPr>
           <a:xfrm>
-            <a:off x="7509705" y="299326"/>
+            <a:off x="7509705" y="221693"/>
             <a:ext cx="72008" cy="72008"/>
           </a:xfrm>
           <a:prstGeom prst="ellipse">
@@ -2548,8 +3237,8 @@
           <a:lstStyle/>
           <a:p>
             <a:r>
-              <a:rPr lang="de-DE" sz="800" dirty="0"/>
-              <a:t>Einführung</a:t>
+              <a:rPr lang="en-GB" sz="800" noProof="0"/>
+              <a:t>Agenda</a:t>
             </a:r>
           </a:p>
         </p:txBody>
@@ -2568,7 +3257,7 @@
         </p:nvSpPr>
         <p:spPr>
           <a:xfrm>
-            <a:off x="7509705" y="521962"/>
+            <a:off x="7509705" y="375505"/>
             <a:ext cx="72008" cy="72008"/>
           </a:xfrm>
           <a:prstGeom prst="ellipse">
@@ -2622,7 +3311,7 @@
         </p:nvSpPr>
         <p:spPr>
           <a:xfrm>
-            <a:off x="7619613" y="227608"/>
+            <a:off x="7619614" y="155216"/>
             <a:ext cx="1186235" cy="215444"/>
           </a:xfrm>
           <a:prstGeom prst="rect">
@@ -2637,62 +3326,27 @@
           <a:lstStyle/>
           <a:p>
             <a:r>
-              <a:rPr lang="de-DE" sz="800" dirty="0"/>
-              <a:t>Grundlagen ML</a:t>
-            </a:r>
-          </a:p>
-        </p:txBody>
-      </p:sp>
-      <p:sp>
-        <p:nvSpPr>
-          <p:cNvPr id="13" name="Textfeld 12">
-            <a:extLst>
-              <a:ext uri="{FF2B5EF4-FFF2-40B4-BE49-F238E27FC236}">
-                <a16:creationId xmlns:a16="http://schemas.microsoft.com/office/drawing/2014/main" id="{EED9DCC1-4D49-4AA6-9C48-88AFA973497D}"/>
-              </a:ext>
-            </a:extLst>
-          </p:cNvPr>
-          <p:cNvSpPr txBox="1"/>
+              <a:rPr lang="en-GB" sz="800" noProof="0" dirty="0"/>
+              <a:t>Intro</a:t>
+            </a:r>
+          </a:p>
+        </p:txBody>
+      </p:sp>
+      <p:sp>
+        <p:nvSpPr>
+          <p:cNvPr id="14" name="Ellipse 13">
+            <a:extLst>
+              <a:ext uri="{FF2B5EF4-FFF2-40B4-BE49-F238E27FC236}">
+                <a16:creationId xmlns:a16="http://schemas.microsoft.com/office/drawing/2014/main" id="{8ED675C8-7F0C-4D54-AEB8-C3793CAAB4A8}"/>
+              </a:ext>
+            </a:extLst>
+          </p:cNvPr>
+          <p:cNvSpPr/>
           <p:nvPr userDrawn="1"/>
         </p:nvSpPr>
         <p:spPr>
           <a:xfrm>
-            <a:off x="7619614" y="455216"/>
-            <a:ext cx="1186234" cy="215444"/>
-          </a:xfrm>
-          <a:prstGeom prst="rect">
-            <a:avLst/>
-          </a:prstGeom>
-          <a:noFill/>
-        </p:spPr>
-        <p:txBody>
-          <a:bodyPr wrap="square" rtlCol="0">
-            <a:spAutoFit/>
-          </a:bodyPr>
-          <a:lstStyle/>
-          <a:p>
-            <a:r>
-              <a:rPr lang="de-DE" sz="800" dirty="0"/>
-              <a:t>Daten</a:t>
-            </a:r>
-          </a:p>
-        </p:txBody>
-      </p:sp>
-      <p:sp>
-        <p:nvSpPr>
-          <p:cNvPr id="14" name="Ellipse 13">
-            <a:extLst>
-              <a:ext uri="{FF2B5EF4-FFF2-40B4-BE49-F238E27FC236}">
-                <a16:creationId xmlns:a16="http://schemas.microsoft.com/office/drawing/2014/main" id="{8ED675C8-7F0C-4D54-AEB8-C3793CAAB4A8}"/>
-              </a:ext>
-            </a:extLst>
-          </p:cNvPr>
-          <p:cNvSpPr/>
-          <p:nvPr userDrawn="1"/>
-        </p:nvSpPr>
-        <p:spPr>
-          <a:xfrm>
-            <a:off x="7509705" y="745092"/>
+            <a:off x="7505991" y="674742"/>
             <a:ext cx="72008" cy="72008"/>
           </a:xfrm>
           <a:prstGeom prst="ellipse">
@@ -2729,41 +3383,6 @@
           <a:p>
             <a:pPr algn="ctr"/>
             <a:endParaRPr lang="de-DE"/>
-          </a:p>
-        </p:txBody>
-      </p:sp>
-      <p:sp>
-        <p:nvSpPr>
-          <p:cNvPr id="15" name="Textfeld 14">
-            <a:extLst>
-              <a:ext uri="{FF2B5EF4-FFF2-40B4-BE49-F238E27FC236}">
-                <a16:creationId xmlns:a16="http://schemas.microsoft.com/office/drawing/2014/main" id="{6A855F92-A1D5-47EF-AE6D-39BCD22682D6}"/>
-              </a:ext>
-            </a:extLst>
-          </p:cNvPr>
-          <p:cNvSpPr txBox="1"/>
-          <p:nvPr userDrawn="1"/>
-        </p:nvSpPr>
-        <p:spPr>
-          <a:xfrm>
-            <a:off x="7619614" y="684538"/>
-            <a:ext cx="720080" cy="215444"/>
-          </a:xfrm>
-          <a:prstGeom prst="rect">
-            <a:avLst/>
-          </a:prstGeom>
-          <a:noFill/>
-        </p:spPr>
-        <p:txBody>
-          <a:bodyPr wrap="square" rtlCol="0">
-            <a:spAutoFit/>
-          </a:bodyPr>
-          <a:lstStyle/>
-          <a:p>
-            <a:r>
-              <a:rPr lang="de-DE" sz="800" dirty="0"/>
-              <a:t>Methoden</a:t>
-            </a:r>
           </a:p>
         </p:txBody>
       </p:sp>
@@ -2850,8 +3469,342 @@
           <a:lstStyle/>
           <a:p>
             <a:r>
-              <a:rPr lang="de-DE" sz="800" dirty="0"/>
-              <a:t>Schluss</a:t>
+              <a:rPr lang="en-GB" sz="800" noProof="0"/>
+              <a:t>Conclustion</a:t>
+            </a:r>
+          </a:p>
+        </p:txBody>
+      </p:sp>
+      <p:cxnSp>
+        <p:nvCxnSpPr>
+          <p:cNvPr id="19" name="Gerade Verbindung 5">
+            <a:extLst>
+              <a:ext uri="{FF2B5EF4-FFF2-40B4-BE49-F238E27FC236}">
+                <a16:creationId xmlns:a16="http://schemas.microsoft.com/office/drawing/2014/main" id="{09DB1DF8-1C5C-4726-9DA8-F456F0908A9A}"/>
+              </a:ext>
+            </a:extLst>
+          </p:cNvPr>
+          <p:cNvCxnSpPr/>
+          <p:nvPr userDrawn="1"/>
+        </p:nvCxnSpPr>
+        <p:spPr>
+          <a:xfrm>
+            <a:off x="0" y="1059582"/>
+            <a:ext cx="9144000" cy="0"/>
+          </a:xfrm>
+          <a:prstGeom prst="line">
+            <a:avLst/>
+          </a:prstGeom>
+          <a:ln w="25400">
+            <a:solidFill>
+              <a:srgbClr val="009CD1"/>
+            </a:solidFill>
+          </a:ln>
+          <a:effectLst/>
+        </p:spPr>
+        <p:style>
+          <a:lnRef idx="2">
+            <a:schemeClr val="accent1"/>
+          </a:lnRef>
+          <a:fillRef idx="0">
+            <a:schemeClr val="accent1"/>
+          </a:fillRef>
+          <a:effectRef idx="1">
+            <a:schemeClr val="accent1"/>
+          </a:effectRef>
+          <a:fontRef idx="minor">
+            <a:schemeClr val="tx1"/>
+          </a:fontRef>
+        </p:style>
+      </p:cxnSp>
+      <p:cxnSp>
+        <p:nvCxnSpPr>
+          <p:cNvPr id="20" name="Gerade Verbindung 5">
+            <a:extLst>
+              <a:ext uri="{FF2B5EF4-FFF2-40B4-BE49-F238E27FC236}">
+                <a16:creationId xmlns:a16="http://schemas.microsoft.com/office/drawing/2014/main" id="{F768DEFA-EB5A-4BF9-AF8A-3FC6FE5963DD}"/>
+              </a:ext>
+            </a:extLst>
+          </p:cNvPr>
+          <p:cNvCxnSpPr>
+            <a:cxnSpLocks/>
+          </p:cNvCxnSpPr>
+          <p:nvPr userDrawn="1"/>
+        </p:nvCxnSpPr>
+        <p:spPr>
+          <a:xfrm>
+            <a:off x="0" y="4731990"/>
+            <a:ext cx="9144000" cy="0"/>
+          </a:xfrm>
+          <a:prstGeom prst="line">
+            <a:avLst/>
+          </a:prstGeom>
+          <a:ln w="25400">
+            <a:solidFill>
+              <a:srgbClr val="009CD1"/>
+            </a:solidFill>
+          </a:ln>
+          <a:effectLst/>
+        </p:spPr>
+        <p:style>
+          <a:lnRef idx="2">
+            <a:schemeClr val="accent1"/>
+          </a:lnRef>
+          <a:fillRef idx="0">
+            <a:schemeClr val="accent1"/>
+          </a:fillRef>
+          <a:effectRef idx="1">
+            <a:schemeClr val="accent1"/>
+          </a:effectRef>
+          <a:fontRef idx="minor">
+            <a:schemeClr val="tx1"/>
+          </a:fontRef>
+        </p:style>
+      </p:cxnSp>
+      <p:sp>
+        <p:nvSpPr>
+          <p:cNvPr id="21" name="Textfeld 20">
+            <a:extLst>
+              <a:ext uri="{FF2B5EF4-FFF2-40B4-BE49-F238E27FC236}">
+                <a16:creationId xmlns:a16="http://schemas.microsoft.com/office/drawing/2014/main" id="{68352EF5-D746-4AFB-BA00-EB89B42A0888}"/>
+              </a:ext>
+            </a:extLst>
+          </p:cNvPr>
+          <p:cNvSpPr txBox="1"/>
+          <p:nvPr userDrawn="1"/>
+        </p:nvSpPr>
+        <p:spPr>
+          <a:xfrm>
+            <a:off x="7624574" y="301489"/>
+            <a:ext cx="1186235" cy="215444"/>
+          </a:xfrm>
+          <a:prstGeom prst="rect">
+            <a:avLst/>
+          </a:prstGeom>
+          <a:noFill/>
+        </p:spPr>
+        <p:txBody>
+          <a:bodyPr wrap="square" rtlCol="0">
+            <a:spAutoFit/>
+          </a:bodyPr>
+          <a:lstStyle/>
+          <a:p>
+            <a:r>
+              <a:rPr lang="en-GB" sz="800" noProof="0" dirty="0"/>
+              <a:t>Project</a:t>
+            </a:r>
+          </a:p>
+        </p:txBody>
+      </p:sp>
+      <p:sp>
+        <p:nvSpPr>
+          <p:cNvPr id="22" name="Ellipse 21">
+            <a:extLst>
+              <a:ext uri="{FF2B5EF4-FFF2-40B4-BE49-F238E27FC236}">
+                <a16:creationId xmlns:a16="http://schemas.microsoft.com/office/drawing/2014/main" id="{4931B0FE-341A-4A2A-B442-59CF5974E430}"/>
+              </a:ext>
+            </a:extLst>
+          </p:cNvPr>
+          <p:cNvSpPr/>
+          <p:nvPr userDrawn="1"/>
+        </p:nvSpPr>
+        <p:spPr>
+          <a:xfrm>
+            <a:off x="7509705" y="525130"/>
+            <a:ext cx="72008" cy="72008"/>
+          </a:xfrm>
+          <a:prstGeom prst="ellipse">
+            <a:avLst/>
+          </a:prstGeom>
+          <a:solidFill>
+            <a:schemeClr val="tx1">
+              <a:lumMod val="50000"/>
+              <a:lumOff val="50000"/>
+            </a:schemeClr>
+          </a:solidFill>
+          <a:ln>
+            <a:noFill/>
+          </a:ln>
+          <a:effectLst/>
+        </p:spPr>
+        <p:style>
+          <a:lnRef idx="1">
+            <a:schemeClr val="accent1"/>
+          </a:lnRef>
+          <a:fillRef idx="3">
+            <a:schemeClr val="accent1"/>
+          </a:fillRef>
+          <a:effectRef idx="2">
+            <a:schemeClr val="accent1"/>
+          </a:effectRef>
+          <a:fontRef idx="minor">
+            <a:schemeClr val="lt1"/>
+          </a:fontRef>
+        </p:style>
+        <p:txBody>
+          <a:bodyPr rtlCol="0" anchor="ctr"/>
+          <a:lstStyle/>
+          <a:p>
+            <a:pPr algn="ctr"/>
+            <a:endParaRPr lang="de-DE" dirty="0"/>
+          </a:p>
+        </p:txBody>
+      </p:sp>
+      <p:sp>
+        <p:nvSpPr>
+          <p:cNvPr id="24" name="Textfeld 23">
+            <a:extLst>
+              <a:ext uri="{FF2B5EF4-FFF2-40B4-BE49-F238E27FC236}">
+                <a16:creationId xmlns:a16="http://schemas.microsoft.com/office/drawing/2014/main" id="{B90EC9BE-A166-47C3-B136-EDCE58C2DD17}"/>
+              </a:ext>
+            </a:extLst>
+          </p:cNvPr>
+          <p:cNvSpPr txBox="1"/>
+          <p:nvPr userDrawn="1"/>
+        </p:nvSpPr>
+        <p:spPr>
+          <a:xfrm>
+            <a:off x="7614951" y="457051"/>
+            <a:ext cx="1186235" cy="215444"/>
+          </a:xfrm>
+          <a:prstGeom prst="rect">
+            <a:avLst/>
+          </a:prstGeom>
+          <a:noFill/>
+        </p:spPr>
+        <p:txBody>
+          <a:bodyPr wrap="square" rtlCol="0">
+            <a:spAutoFit/>
+          </a:bodyPr>
+          <a:lstStyle/>
+          <a:p>
+            <a:r>
+              <a:rPr lang="en-GB" sz="800" noProof="0" dirty="0"/>
+              <a:t>Product</a:t>
+            </a:r>
+          </a:p>
+        </p:txBody>
+      </p:sp>
+      <p:sp>
+        <p:nvSpPr>
+          <p:cNvPr id="25" name="Textfeld 24">
+            <a:extLst>
+              <a:ext uri="{FF2B5EF4-FFF2-40B4-BE49-F238E27FC236}">
+                <a16:creationId xmlns:a16="http://schemas.microsoft.com/office/drawing/2014/main" id="{F20AF5E0-1B06-4B26-A593-904C836DD484}"/>
+              </a:ext>
+            </a:extLst>
+          </p:cNvPr>
+          <p:cNvSpPr txBox="1"/>
+          <p:nvPr userDrawn="1"/>
+        </p:nvSpPr>
+        <p:spPr>
+          <a:xfrm>
+            <a:off x="7619613" y="607399"/>
+            <a:ext cx="1186235" cy="215444"/>
+          </a:xfrm>
+          <a:prstGeom prst="rect">
+            <a:avLst/>
+          </a:prstGeom>
+          <a:noFill/>
+        </p:spPr>
+        <p:txBody>
+          <a:bodyPr wrap="square" rtlCol="0">
+            <a:spAutoFit/>
+          </a:bodyPr>
+          <a:lstStyle/>
+          <a:p>
+            <a:r>
+              <a:rPr lang="en-GB" sz="800" noProof="0" dirty="0"/>
+              <a:t>Algorithms</a:t>
+            </a:r>
+          </a:p>
+        </p:txBody>
+      </p:sp>
+      <p:sp>
+        <p:nvSpPr>
+          <p:cNvPr id="26" name="Ellipse 25">
+            <a:extLst>
+              <a:ext uri="{FF2B5EF4-FFF2-40B4-BE49-F238E27FC236}">
+                <a16:creationId xmlns:a16="http://schemas.microsoft.com/office/drawing/2014/main" id="{B8D5364D-F51D-4B02-8E69-75106482D173}"/>
+              </a:ext>
+            </a:extLst>
+          </p:cNvPr>
+          <p:cNvSpPr/>
+          <p:nvPr userDrawn="1"/>
+        </p:nvSpPr>
+        <p:spPr>
+          <a:xfrm>
+            <a:off x="7505991" y="812471"/>
+            <a:ext cx="72008" cy="72008"/>
+          </a:xfrm>
+          <a:prstGeom prst="ellipse">
+            <a:avLst/>
+          </a:prstGeom>
+          <a:solidFill>
+            <a:schemeClr val="tx1">
+              <a:lumMod val="50000"/>
+              <a:lumOff val="50000"/>
+            </a:schemeClr>
+          </a:solidFill>
+          <a:ln>
+            <a:noFill/>
+          </a:ln>
+          <a:effectLst/>
+        </p:spPr>
+        <p:style>
+          <a:lnRef idx="1">
+            <a:schemeClr val="accent1"/>
+          </a:lnRef>
+          <a:fillRef idx="3">
+            <a:schemeClr val="accent1"/>
+          </a:fillRef>
+          <a:effectRef idx="2">
+            <a:schemeClr val="accent1"/>
+          </a:effectRef>
+          <a:fontRef idx="minor">
+            <a:schemeClr val="lt1"/>
+          </a:fontRef>
+        </p:style>
+        <p:txBody>
+          <a:bodyPr rtlCol="0" anchor="ctr"/>
+          <a:lstStyle/>
+          <a:p>
+            <a:pPr algn="ctr"/>
+            <a:endParaRPr lang="de-DE"/>
+          </a:p>
+        </p:txBody>
+      </p:sp>
+      <p:sp>
+        <p:nvSpPr>
+          <p:cNvPr id="28" name="Textfeld 27">
+            <a:extLst>
+              <a:ext uri="{FF2B5EF4-FFF2-40B4-BE49-F238E27FC236}">
+                <a16:creationId xmlns:a16="http://schemas.microsoft.com/office/drawing/2014/main" id="{91BC73F9-E6C1-48E4-A293-D406FCCB7424}"/>
+              </a:ext>
+            </a:extLst>
+          </p:cNvPr>
+          <p:cNvSpPr txBox="1"/>
+          <p:nvPr userDrawn="1"/>
+        </p:nvSpPr>
+        <p:spPr>
+          <a:xfrm>
+            <a:off x="7614003" y="738082"/>
+            <a:ext cx="1186234" cy="215444"/>
+          </a:xfrm>
+          <a:prstGeom prst="rect">
+            <a:avLst/>
+          </a:prstGeom>
+          <a:noFill/>
+        </p:spPr>
+        <p:txBody>
+          <a:bodyPr wrap="square" rtlCol="0">
+            <a:spAutoFit/>
+          </a:bodyPr>
+          <a:lstStyle/>
+          <a:p>
+            <a:r>
+              <a:rPr lang="en-GB" sz="800" noProof="0" dirty="0"/>
+              <a:t>Presentation</a:t>
             </a:r>
           </a:p>
         </p:txBody>
@@ -2865,17 +3818,15 @@
   </p:cSld>
   <p:clrMap bg1="lt1" tx1="dk1" bg2="lt2" tx2="dk2" accent1="accent1" accent2="accent2" accent3="accent3" accent4="accent4" accent5="accent5" accent6="accent6" hlink="hlink" folHlink="folHlink"/>
   <p:sldLayoutIdLst>
-    <p:sldLayoutId id="2147483652" r:id="rId1"/>
-    <p:sldLayoutId id="2147483651" r:id="rId2"/>
-    <p:sldLayoutId id="2147483653" r:id="rId3"/>
-    <p:sldLayoutId id="2147483654" r:id="rId4"/>
-    <p:sldLayoutId id="2147483650" r:id="rId5"/>
-    <p:sldLayoutId id="2147483656" r:id="rId6"/>
-    <p:sldLayoutId id="2147483657" r:id="rId7"/>
-    <p:sldLayoutId id="2147483659" r:id="rId8"/>
-    <p:sldLayoutId id="2147483649" r:id="rId9"/>
-    <p:sldLayoutId id="2147483658" r:id="rId10"/>
+    <p:sldLayoutId id="2147483654" r:id="rId1"/>
+    <p:sldLayoutId id="2147483650" r:id="rId2"/>
+    <p:sldLayoutId id="2147483656" r:id="rId3"/>
+    <p:sldLayoutId id="2147483657" r:id="rId4"/>
+    <p:sldLayoutId id="2147483659" r:id="rId5"/>
+    <p:sldLayoutId id="2147483649" r:id="rId6"/>
+    <p:sldLayoutId id="2147483658" r:id="rId7"/>
   </p:sldLayoutIdLst>
+  <p:hf hdr="0"/>
   <p:txStyles>
     <p:titleStyle>
       <a:lvl1pPr algn="ctr" defTabSz="457200" rtl="0" eaLnBrk="1" latinLnBrk="0" hangingPunct="1">
@@ -3151,7 +4102,7 @@
           <p:cNvPr id="2" name="Textplatzhalter 1">
             <a:extLst>
               <a:ext uri="{FF2B5EF4-FFF2-40B4-BE49-F238E27FC236}">
-                <a16:creationId xmlns:a16="http://schemas.microsoft.com/office/drawing/2014/main" id="{90B0BFC4-3833-42CF-88B3-2AA4FD9F061E}"/>
+                <a16:creationId xmlns:a16="http://schemas.microsoft.com/office/drawing/2014/main" id="{F4210005-D32B-4C12-976D-4B7F3CEBA9DD}"/>
               </a:ext>
             </a:extLst>
           </p:cNvPr>
@@ -3162,39 +4113,1567 @@
             <p:ph type="body" sz="quarter" idx="13"/>
           </p:nvPr>
         </p:nvSpPr>
+        <p:spPr/>
+        <p:txBody>
+          <a:bodyPr/>
+          <a:lstStyle/>
+          <a:p>
+            <a:pPr algn="ctr"/>
+            <a:r>
+              <a:rPr lang="de-DE" dirty="0" err="1"/>
+              <a:t>Facial</a:t>
+            </a:r>
+            <a:r>
+              <a:rPr lang="de-DE" dirty="0"/>
+              <a:t> </a:t>
+            </a:r>
+            <a:r>
+              <a:rPr lang="de-DE" dirty="0" err="1"/>
+              <a:t>emotion</a:t>
+            </a:r>
+            <a:r>
+              <a:rPr lang="de-DE" dirty="0"/>
+              <a:t> </a:t>
+            </a:r>
+            <a:r>
+              <a:rPr lang="de-DE" dirty="0" err="1"/>
+              <a:t>recognition</a:t>
+            </a:r>
+            <a:endParaRPr lang="de-DE" dirty="0"/>
+          </a:p>
+        </p:txBody>
+      </p:sp>
+      <p:pic>
+        <p:nvPicPr>
+          <p:cNvPr id="5" name="Grafik 4" descr="Ein Bild, das Person, drinnen, Kleidung, haltend enthält.&#10;&#10;Automatisch generierte Beschreibung">
+            <a:extLst>
+              <a:ext uri="{FF2B5EF4-FFF2-40B4-BE49-F238E27FC236}">
+                <a16:creationId xmlns:a16="http://schemas.microsoft.com/office/drawing/2014/main" id="{70489E1D-03CD-48DE-943D-7678F218EFA5}"/>
+              </a:ext>
+            </a:extLst>
+          </p:cNvPr>
+          <p:cNvPicPr>
+            <a:picLocks noChangeAspect="1"/>
+          </p:cNvPicPr>
+          <p:nvPr/>
+        </p:nvPicPr>
+        <p:blipFill>
+          <a:blip r:embed="rId2"/>
+          <a:stretch>
+            <a:fillRect/>
+          </a:stretch>
+        </p:blipFill>
         <p:spPr>
           <a:xfrm>
-            <a:off x="0" y="1491630"/>
-            <a:ext cx="9144000" cy="1152128"/>
+            <a:off x="3576992" y="1656184"/>
+            <a:ext cx="1990016" cy="3003798"/>
           </a:xfrm>
+          <a:prstGeom prst="rect">
+            <a:avLst/>
+          </a:prstGeom>
         </p:spPr>
+      </p:pic>
+    </p:spTree>
+    <p:extLst>
+      <p:ext uri="{BB962C8B-B14F-4D97-AF65-F5344CB8AC3E}">
+        <p14:creationId xmlns:p14="http://schemas.microsoft.com/office/powerpoint/2010/main" val="4083524513"/>
+      </p:ext>
+    </p:extLst>
+  </p:cSld>
+  <p:clrMapOvr>
+    <a:masterClrMapping/>
+  </p:clrMapOvr>
+</p:sld>
+</file>
+
+<file path=ppt/slides/slide10.xml><?xml version="1.0" encoding="utf-8"?>
+<p:sld xmlns:a="http://schemas.openxmlformats.org/drawingml/2006/main" xmlns:r="http://schemas.openxmlformats.org/officeDocument/2006/relationships" xmlns:p="http://schemas.openxmlformats.org/presentationml/2006/main">
+  <p:cSld>
+    <p:spTree>
+      <p:nvGrpSpPr>
+        <p:cNvPr id="1" name=""/>
+        <p:cNvGrpSpPr/>
+        <p:nvPr/>
+      </p:nvGrpSpPr>
+      <p:grpSpPr>
+        <a:xfrm>
+          <a:off x="0" y="0"/>
+          <a:ext cx="0" cy="0"/>
+          <a:chOff x="0" y="0"/>
+          <a:chExt cx="0" cy="0"/>
+        </a:xfrm>
+      </p:grpSpPr>
+      <p:sp>
+        <p:nvSpPr>
+          <p:cNvPr id="2" name="Textplatzhalter 1">
+            <a:extLst>
+              <a:ext uri="{FF2B5EF4-FFF2-40B4-BE49-F238E27FC236}">
+                <a16:creationId xmlns:a16="http://schemas.microsoft.com/office/drawing/2014/main" id="{5B397D4E-4317-460A-A665-764C91367F07}"/>
+              </a:ext>
+            </a:extLst>
+          </p:cNvPr>
+          <p:cNvSpPr>
+            <a:spLocks noGrp="1"/>
+          </p:cNvSpPr>
+          <p:nvPr>
+            <p:ph type="body" sz="quarter" idx="13"/>
+          </p:nvPr>
+        </p:nvSpPr>
+        <p:spPr/>
+        <p:txBody>
+          <a:bodyPr/>
+          <a:lstStyle/>
+          <a:p>
+            <a:pPr algn="ctr"/>
+            <a:r>
+              <a:rPr lang="de-DE" dirty="0"/>
+              <a:t>CNN</a:t>
+            </a:r>
+          </a:p>
+        </p:txBody>
+      </p:sp>
+      <p:sp>
+        <p:nvSpPr>
+          <p:cNvPr id="3" name="Textplatzhalter 2">
+            <a:extLst>
+              <a:ext uri="{FF2B5EF4-FFF2-40B4-BE49-F238E27FC236}">
+                <a16:creationId xmlns:a16="http://schemas.microsoft.com/office/drawing/2014/main" id="{BDA74449-E3C1-4894-9086-9C8AD40FDE72}"/>
+              </a:ext>
+            </a:extLst>
+          </p:cNvPr>
+          <p:cNvSpPr>
+            <a:spLocks noGrp="1"/>
+          </p:cNvSpPr>
+          <p:nvPr>
+            <p:ph type="body" sz="quarter" idx="14"/>
+          </p:nvPr>
+        </p:nvSpPr>
+        <p:spPr/>
+        <p:txBody>
+          <a:bodyPr/>
+          <a:lstStyle/>
+          <a:p>
+            <a:endParaRPr lang="de-DE" dirty="0"/>
+          </a:p>
+        </p:txBody>
+      </p:sp>
+      <p:sp>
+        <p:nvSpPr>
+          <p:cNvPr id="4" name="Datumsplatzhalter 3">
+            <a:extLst>
+              <a:ext uri="{FF2B5EF4-FFF2-40B4-BE49-F238E27FC236}">
+                <a16:creationId xmlns:a16="http://schemas.microsoft.com/office/drawing/2014/main" id="{17B4E98B-30AD-49D1-91AC-5AD245D9C49E}"/>
+              </a:ext>
+            </a:extLst>
+          </p:cNvPr>
+          <p:cNvSpPr>
+            <a:spLocks noGrp="1"/>
+          </p:cNvSpPr>
+          <p:nvPr>
+            <p:ph type="dt" sz="half" idx="2"/>
+          </p:nvPr>
+        </p:nvSpPr>
+        <p:spPr/>
+        <p:txBody>
+          <a:bodyPr/>
+          <a:lstStyle/>
+          <a:p>
+            <a:fld id="{09D069C5-CC22-4E88-BB35-FA27CD7EA121}" type="datetime1">
+              <a:rPr lang="de-DE" smtClean="0"/>
+              <a:t>01.07.2020</a:t>
+            </a:fld>
+            <a:endParaRPr lang="de-DE" dirty="0"/>
+          </a:p>
+        </p:txBody>
+      </p:sp>
+      <p:sp>
+        <p:nvSpPr>
+          <p:cNvPr id="5" name="Fußzeilenplatzhalter 4">
+            <a:extLst>
+              <a:ext uri="{FF2B5EF4-FFF2-40B4-BE49-F238E27FC236}">
+                <a16:creationId xmlns:a16="http://schemas.microsoft.com/office/drawing/2014/main" id="{6866D9C7-EB32-4BF1-93BB-7BEB5EB8B380}"/>
+              </a:ext>
+            </a:extLst>
+          </p:cNvPr>
+          <p:cNvSpPr>
+            <a:spLocks noGrp="1"/>
+          </p:cNvSpPr>
+          <p:nvPr>
+            <p:ph type="ftr" sz="quarter" idx="3"/>
+          </p:nvPr>
+        </p:nvSpPr>
+        <p:spPr/>
+        <p:txBody>
+          <a:bodyPr/>
+          <a:lstStyle/>
+          <a:p>
+            <a:r>
+              <a:rPr lang="de-DE"/>
+              <a:t>Group 5 - Facial emotion recognition</a:t>
+            </a:r>
+            <a:endParaRPr lang="de-DE" dirty="0"/>
+          </a:p>
+        </p:txBody>
+      </p:sp>
+      <p:sp>
+        <p:nvSpPr>
+          <p:cNvPr id="6" name="Foliennummernplatzhalter 5">
+            <a:extLst>
+              <a:ext uri="{FF2B5EF4-FFF2-40B4-BE49-F238E27FC236}">
+                <a16:creationId xmlns:a16="http://schemas.microsoft.com/office/drawing/2014/main" id="{32488A70-7BBC-496E-BFEC-9017CABA6593}"/>
+              </a:ext>
+            </a:extLst>
+          </p:cNvPr>
+          <p:cNvSpPr>
+            <a:spLocks noGrp="1"/>
+          </p:cNvSpPr>
+          <p:nvPr>
+            <p:ph type="sldNum" sz="quarter" idx="4"/>
+          </p:nvPr>
+        </p:nvSpPr>
+        <p:spPr/>
+        <p:txBody>
+          <a:bodyPr/>
+          <a:lstStyle/>
+          <a:p>
+            <a:fld id="{3E01A2B2-10AD-754B-9B4C-E5B6FED423D0}" type="slidenum">
+              <a:rPr lang="de-DE" smtClean="0"/>
+              <a:t>10</a:t>
+            </a:fld>
+            <a:endParaRPr lang="de-DE"/>
+          </a:p>
+        </p:txBody>
+      </p:sp>
+      <p:sp>
+        <p:nvSpPr>
+          <p:cNvPr id="7" name="Ellipse 6">
+            <a:extLst>
+              <a:ext uri="{FF2B5EF4-FFF2-40B4-BE49-F238E27FC236}">
+                <a16:creationId xmlns:a16="http://schemas.microsoft.com/office/drawing/2014/main" id="{D18DA7AD-1BE1-4A3F-9B1F-A0C64CBB8D42}"/>
+              </a:ext>
+            </a:extLst>
+          </p:cNvPr>
+          <p:cNvSpPr/>
+          <p:nvPr/>
+        </p:nvSpPr>
+        <p:spPr>
+          <a:xfrm>
+            <a:off x="7506000" y="660839"/>
+            <a:ext cx="79209" cy="79209"/>
+          </a:xfrm>
+          <a:prstGeom prst="ellipse">
+            <a:avLst/>
+          </a:prstGeom>
+          <a:solidFill>
+            <a:srgbClr val="FF0000"/>
+          </a:solidFill>
+          <a:ln>
+            <a:noFill/>
+          </a:ln>
+          <a:effectLst/>
+        </p:spPr>
+        <p:style>
+          <a:lnRef idx="1">
+            <a:schemeClr val="accent1"/>
+          </a:lnRef>
+          <a:fillRef idx="3">
+            <a:schemeClr val="accent1"/>
+          </a:fillRef>
+          <a:effectRef idx="2">
+            <a:schemeClr val="accent1"/>
+          </a:effectRef>
+          <a:fontRef idx="minor">
+            <a:schemeClr val="lt1"/>
+          </a:fontRef>
+        </p:style>
+        <p:txBody>
+          <a:bodyPr rtlCol="0" anchor="ctr"/>
+          <a:lstStyle/>
+          <a:p>
+            <a:pPr algn="ctr"/>
+            <a:endParaRPr lang="de-DE"/>
+          </a:p>
+        </p:txBody>
+      </p:sp>
+    </p:spTree>
+    <p:extLst>
+      <p:ext uri="{BB962C8B-B14F-4D97-AF65-F5344CB8AC3E}">
+        <p14:creationId xmlns:p14="http://schemas.microsoft.com/office/powerpoint/2010/main" val="3054620510"/>
+      </p:ext>
+    </p:extLst>
+  </p:cSld>
+  <p:clrMapOvr>
+    <a:masterClrMapping/>
+  </p:clrMapOvr>
+</p:sld>
+</file>
+
+<file path=ppt/slides/slide11.xml><?xml version="1.0" encoding="utf-8"?>
+<p:sld xmlns:a="http://schemas.openxmlformats.org/drawingml/2006/main" xmlns:r="http://schemas.openxmlformats.org/officeDocument/2006/relationships" xmlns:p="http://schemas.openxmlformats.org/presentationml/2006/main">
+  <p:cSld>
+    <p:spTree>
+      <p:nvGrpSpPr>
+        <p:cNvPr id="1" name=""/>
+        <p:cNvGrpSpPr/>
+        <p:nvPr/>
+      </p:nvGrpSpPr>
+      <p:grpSpPr>
+        <a:xfrm>
+          <a:off x="0" y="0"/>
+          <a:ext cx="0" cy="0"/>
+          <a:chOff x="0" y="0"/>
+          <a:chExt cx="0" cy="0"/>
+        </a:xfrm>
+      </p:grpSpPr>
+      <p:sp>
+        <p:nvSpPr>
+          <p:cNvPr id="2" name="Textplatzhalter 1">
+            <a:extLst>
+              <a:ext uri="{FF2B5EF4-FFF2-40B4-BE49-F238E27FC236}">
+                <a16:creationId xmlns:a16="http://schemas.microsoft.com/office/drawing/2014/main" id="{5B397D4E-4317-460A-A665-764C91367F07}"/>
+              </a:ext>
+            </a:extLst>
+          </p:cNvPr>
+          <p:cNvSpPr>
+            <a:spLocks noGrp="1"/>
+          </p:cNvSpPr>
+          <p:nvPr>
+            <p:ph type="body" sz="quarter" idx="13"/>
+          </p:nvPr>
+        </p:nvSpPr>
+        <p:spPr/>
+        <p:txBody>
+          <a:bodyPr/>
+          <a:lstStyle/>
+          <a:p>
+            <a:pPr algn="ctr"/>
+            <a:r>
+              <a:rPr lang="de-DE" dirty="0" err="1"/>
+              <a:t>Presentation</a:t>
+            </a:r>
+            <a:endParaRPr lang="de-DE" dirty="0"/>
+          </a:p>
+        </p:txBody>
+      </p:sp>
+      <p:sp>
+        <p:nvSpPr>
+          <p:cNvPr id="3" name="Textplatzhalter 2">
+            <a:extLst>
+              <a:ext uri="{FF2B5EF4-FFF2-40B4-BE49-F238E27FC236}">
+                <a16:creationId xmlns:a16="http://schemas.microsoft.com/office/drawing/2014/main" id="{BDA74449-E3C1-4894-9086-9C8AD40FDE72}"/>
+              </a:ext>
+            </a:extLst>
+          </p:cNvPr>
+          <p:cNvSpPr>
+            <a:spLocks noGrp="1"/>
+          </p:cNvSpPr>
+          <p:nvPr>
+            <p:ph type="body" sz="quarter" idx="14"/>
+          </p:nvPr>
+        </p:nvSpPr>
+        <p:spPr/>
+        <p:txBody>
+          <a:bodyPr/>
+          <a:lstStyle/>
+          <a:p>
+            <a:r>
+              <a:rPr lang="de-DE" dirty="0"/>
+              <a:t>Here </a:t>
+            </a:r>
+            <a:r>
+              <a:rPr lang="de-DE" dirty="0" err="1"/>
+              <a:t>we</a:t>
+            </a:r>
+            <a:r>
+              <a:rPr lang="de-DE" dirty="0"/>
+              <a:t> </a:t>
+            </a:r>
+            <a:r>
+              <a:rPr lang="de-DE" dirty="0" err="1"/>
+              <a:t>should</a:t>
+            </a:r>
+            <a:r>
+              <a:rPr lang="de-DE" dirty="0"/>
+              <a:t> switch </a:t>
+            </a:r>
+            <a:r>
+              <a:rPr lang="de-DE" dirty="0" err="1"/>
+              <a:t>to</a:t>
+            </a:r>
+            <a:r>
+              <a:rPr lang="de-DE" dirty="0"/>
+              <a:t> Jonas Laptop and </a:t>
+            </a:r>
+            <a:r>
+              <a:rPr lang="de-DE" dirty="0" err="1"/>
+              <a:t>show</a:t>
+            </a:r>
+            <a:r>
+              <a:rPr lang="de-DE" dirty="0"/>
+              <a:t> </a:t>
+            </a:r>
+            <a:r>
+              <a:rPr lang="de-DE" dirty="0" err="1"/>
+              <a:t>our</a:t>
+            </a:r>
+            <a:r>
+              <a:rPr lang="de-DE" dirty="0"/>
+              <a:t> </a:t>
+            </a:r>
+            <a:r>
+              <a:rPr lang="de-DE" dirty="0" err="1"/>
+              <a:t>tool</a:t>
+            </a:r>
+            <a:r>
+              <a:rPr lang="de-DE" dirty="0"/>
+              <a:t>.</a:t>
+            </a:r>
+          </a:p>
+        </p:txBody>
+      </p:sp>
+      <p:sp>
+        <p:nvSpPr>
+          <p:cNvPr id="4" name="Datumsplatzhalter 3">
+            <a:extLst>
+              <a:ext uri="{FF2B5EF4-FFF2-40B4-BE49-F238E27FC236}">
+                <a16:creationId xmlns:a16="http://schemas.microsoft.com/office/drawing/2014/main" id="{17B4E98B-30AD-49D1-91AC-5AD245D9C49E}"/>
+              </a:ext>
+            </a:extLst>
+          </p:cNvPr>
+          <p:cNvSpPr>
+            <a:spLocks noGrp="1"/>
+          </p:cNvSpPr>
+          <p:nvPr>
+            <p:ph type="dt" sz="half" idx="2"/>
+          </p:nvPr>
+        </p:nvSpPr>
+        <p:spPr/>
+        <p:txBody>
+          <a:bodyPr/>
+          <a:lstStyle/>
+          <a:p>
+            <a:fld id="{09D069C5-CC22-4E88-BB35-FA27CD7EA121}" type="datetime1">
+              <a:rPr lang="de-DE" smtClean="0"/>
+              <a:t>01.07.2020</a:t>
+            </a:fld>
+            <a:endParaRPr lang="de-DE" dirty="0"/>
+          </a:p>
+        </p:txBody>
+      </p:sp>
+      <p:sp>
+        <p:nvSpPr>
+          <p:cNvPr id="5" name="Fußzeilenplatzhalter 4">
+            <a:extLst>
+              <a:ext uri="{FF2B5EF4-FFF2-40B4-BE49-F238E27FC236}">
+                <a16:creationId xmlns:a16="http://schemas.microsoft.com/office/drawing/2014/main" id="{6866D9C7-EB32-4BF1-93BB-7BEB5EB8B380}"/>
+              </a:ext>
+            </a:extLst>
+          </p:cNvPr>
+          <p:cNvSpPr>
+            <a:spLocks noGrp="1"/>
+          </p:cNvSpPr>
+          <p:nvPr>
+            <p:ph type="ftr" sz="quarter" idx="3"/>
+          </p:nvPr>
+        </p:nvSpPr>
+        <p:spPr/>
+        <p:txBody>
+          <a:bodyPr/>
+          <a:lstStyle/>
+          <a:p>
+            <a:r>
+              <a:rPr lang="de-DE"/>
+              <a:t>Group 5 - Facial emotion recognition</a:t>
+            </a:r>
+            <a:endParaRPr lang="de-DE" dirty="0"/>
+          </a:p>
+        </p:txBody>
+      </p:sp>
+      <p:sp>
+        <p:nvSpPr>
+          <p:cNvPr id="6" name="Foliennummernplatzhalter 5">
+            <a:extLst>
+              <a:ext uri="{FF2B5EF4-FFF2-40B4-BE49-F238E27FC236}">
+                <a16:creationId xmlns:a16="http://schemas.microsoft.com/office/drawing/2014/main" id="{32488A70-7BBC-496E-BFEC-9017CABA6593}"/>
+              </a:ext>
+            </a:extLst>
+          </p:cNvPr>
+          <p:cNvSpPr>
+            <a:spLocks noGrp="1"/>
+          </p:cNvSpPr>
+          <p:nvPr>
+            <p:ph type="sldNum" sz="quarter" idx="4"/>
+          </p:nvPr>
+        </p:nvSpPr>
+        <p:spPr/>
+        <p:txBody>
+          <a:bodyPr/>
+          <a:lstStyle/>
+          <a:p>
+            <a:fld id="{3E01A2B2-10AD-754B-9B4C-E5B6FED423D0}" type="slidenum">
+              <a:rPr lang="de-DE" smtClean="0"/>
+              <a:t>11</a:t>
+            </a:fld>
+            <a:endParaRPr lang="de-DE"/>
+          </a:p>
+        </p:txBody>
+      </p:sp>
+      <p:sp>
+        <p:nvSpPr>
+          <p:cNvPr id="7" name="Ellipse 6">
+            <a:extLst>
+              <a:ext uri="{FF2B5EF4-FFF2-40B4-BE49-F238E27FC236}">
+                <a16:creationId xmlns:a16="http://schemas.microsoft.com/office/drawing/2014/main" id="{D18DA7AD-1BE1-4A3F-9B1F-A0C64CBB8D42}"/>
+              </a:ext>
+            </a:extLst>
+          </p:cNvPr>
+          <p:cNvSpPr/>
+          <p:nvPr/>
+        </p:nvSpPr>
+        <p:spPr>
+          <a:xfrm>
+            <a:off x="7506000" y="808377"/>
+            <a:ext cx="79209" cy="79209"/>
+          </a:xfrm>
+          <a:prstGeom prst="ellipse">
+            <a:avLst/>
+          </a:prstGeom>
+          <a:solidFill>
+            <a:srgbClr val="FF0000"/>
+          </a:solidFill>
+          <a:ln>
+            <a:noFill/>
+          </a:ln>
+          <a:effectLst/>
+        </p:spPr>
+        <p:style>
+          <a:lnRef idx="1">
+            <a:schemeClr val="accent1"/>
+          </a:lnRef>
+          <a:fillRef idx="3">
+            <a:schemeClr val="accent1"/>
+          </a:fillRef>
+          <a:effectRef idx="2">
+            <a:schemeClr val="accent1"/>
+          </a:effectRef>
+          <a:fontRef idx="minor">
+            <a:schemeClr val="lt1"/>
+          </a:fontRef>
+        </p:style>
+        <p:txBody>
+          <a:bodyPr rtlCol="0" anchor="ctr"/>
+          <a:lstStyle/>
+          <a:p>
+            <a:pPr algn="ctr"/>
+            <a:endParaRPr lang="de-DE"/>
+          </a:p>
+        </p:txBody>
+      </p:sp>
+    </p:spTree>
+    <p:extLst>
+      <p:ext uri="{BB962C8B-B14F-4D97-AF65-F5344CB8AC3E}">
+        <p14:creationId xmlns:p14="http://schemas.microsoft.com/office/powerpoint/2010/main" val="2723391285"/>
+      </p:ext>
+    </p:extLst>
+  </p:cSld>
+  <p:clrMapOvr>
+    <a:masterClrMapping/>
+  </p:clrMapOvr>
+</p:sld>
+</file>
+
+<file path=ppt/slides/slide12.xml><?xml version="1.0" encoding="utf-8"?>
+<p:sld xmlns:a="http://schemas.openxmlformats.org/drawingml/2006/main" xmlns:r="http://schemas.openxmlformats.org/officeDocument/2006/relationships" xmlns:p="http://schemas.openxmlformats.org/presentationml/2006/main">
+  <p:cSld>
+    <p:spTree>
+      <p:nvGrpSpPr>
+        <p:cNvPr id="1" name=""/>
+        <p:cNvGrpSpPr/>
+        <p:nvPr/>
+      </p:nvGrpSpPr>
+      <p:grpSpPr>
+        <a:xfrm>
+          <a:off x="0" y="0"/>
+          <a:ext cx="0" cy="0"/>
+          <a:chOff x="0" y="0"/>
+          <a:chExt cx="0" cy="0"/>
+        </a:xfrm>
+      </p:grpSpPr>
+      <p:sp>
+        <p:nvSpPr>
+          <p:cNvPr id="2" name="Textplatzhalter 1">
+            <a:extLst>
+              <a:ext uri="{FF2B5EF4-FFF2-40B4-BE49-F238E27FC236}">
+                <a16:creationId xmlns:a16="http://schemas.microsoft.com/office/drawing/2014/main" id="{5B397D4E-4317-460A-A665-764C91367F07}"/>
+              </a:ext>
+            </a:extLst>
+          </p:cNvPr>
+          <p:cNvSpPr>
+            <a:spLocks noGrp="1"/>
+          </p:cNvSpPr>
+          <p:nvPr>
+            <p:ph type="body" sz="quarter" idx="13"/>
+          </p:nvPr>
+        </p:nvSpPr>
+        <p:spPr/>
+        <p:txBody>
+          <a:bodyPr/>
+          <a:lstStyle/>
+          <a:p>
+            <a:pPr algn="ctr"/>
+            <a:r>
+              <a:rPr lang="de-DE" dirty="0" err="1"/>
+              <a:t>Conclusion</a:t>
+            </a:r>
+            <a:endParaRPr lang="de-DE" dirty="0"/>
+          </a:p>
+        </p:txBody>
+      </p:sp>
+      <p:sp>
+        <p:nvSpPr>
+          <p:cNvPr id="3" name="Textplatzhalter 2">
+            <a:extLst>
+              <a:ext uri="{FF2B5EF4-FFF2-40B4-BE49-F238E27FC236}">
+                <a16:creationId xmlns:a16="http://schemas.microsoft.com/office/drawing/2014/main" id="{BDA74449-E3C1-4894-9086-9C8AD40FDE72}"/>
+              </a:ext>
+            </a:extLst>
+          </p:cNvPr>
+          <p:cNvSpPr>
+            <a:spLocks noGrp="1"/>
+          </p:cNvSpPr>
+          <p:nvPr>
+            <p:ph type="body" sz="quarter" idx="14"/>
+          </p:nvPr>
+        </p:nvSpPr>
+        <p:spPr/>
+        <p:txBody>
+          <a:bodyPr/>
+          <a:lstStyle/>
+          <a:p>
+            <a:r>
+              <a:rPr lang="de-DE" dirty="0"/>
+              <a:t>Here </a:t>
+            </a:r>
+            <a:r>
+              <a:rPr lang="de-DE" dirty="0" err="1"/>
+              <a:t>we</a:t>
+            </a:r>
+            <a:r>
+              <a:rPr lang="de-DE" dirty="0"/>
+              <a:t> </a:t>
+            </a:r>
+            <a:r>
+              <a:rPr lang="de-DE" dirty="0" err="1"/>
+              <a:t>can</a:t>
+            </a:r>
+            <a:r>
+              <a:rPr lang="de-DE" dirty="0"/>
+              <a:t> </a:t>
+            </a:r>
+            <a:r>
+              <a:rPr lang="de-DE" dirty="0" err="1"/>
+              <a:t>wrap</a:t>
+            </a:r>
+            <a:r>
+              <a:rPr lang="de-DE" dirty="0"/>
+              <a:t> </a:t>
+            </a:r>
+            <a:r>
+              <a:rPr lang="de-DE" dirty="0" err="1"/>
+              <a:t>up</a:t>
+            </a:r>
+            <a:r>
+              <a:rPr lang="de-DE" dirty="0"/>
+              <a:t> </a:t>
+            </a:r>
+            <a:r>
+              <a:rPr lang="de-DE" dirty="0" err="1"/>
+              <a:t>the</a:t>
+            </a:r>
+            <a:r>
+              <a:rPr lang="de-DE" dirty="0"/>
+              <a:t> </a:t>
+            </a:r>
+            <a:r>
+              <a:rPr lang="de-DE" dirty="0" err="1"/>
+              <a:t>project</a:t>
+            </a:r>
+            <a:r>
+              <a:rPr lang="de-DE" dirty="0"/>
+              <a:t>.</a:t>
+            </a:r>
+          </a:p>
+          <a:p>
+            <a:r>
+              <a:rPr lang="de-DE" dirty="0" err="1"/>
+              <a:t>What</a:t>
+            </a:r>
+            <a:r>
+              <a:rPr lang="de-DE" dirty="0"/>
+              <a:t> </a:t>
+            </a:r>
+            <a:r>
+              <a:rPr lang="de-DE" dirty="0" err="1"/>
+              <a:t>did</a:t>
+            </a:r>
+            <a:r>
+              <a:rPr lang="de-DE" dirty="0"/>
+              <a:t> </a:t>
+            </a:r>
+            <a:r>
+              <a:rPr lang="de-DE" dirty="0" err="1"/>
+              <a:t>we</a:t>
+            </a:r>
+            <a:r>
+              <a:rPr lang="de-DE" dirty="0"/>
+              <a:t> </a:t>
+            </a:r>
+            <a:r>
+              <a:rPr lang="de-DE" dirty="0" err="1"/>
+              <a:t>acchieve</a:t>
+            </a:r>
+            <a:r>
+              <a:rPr lang="de-DE" dirty="0"/>
+              <a:t>, </a:t>
+            </a:r>
+            <a:r>
+              <a:rPr lang="de-DE" dirty="0" err="1"/>
+              <a:t>what</a:t>
+            </a:r>
+            <a:r>
+              <a:rPr lang="de-DE" dirty="0"/>
+              <a:t> was </a:t>
+            </a:r>
+            <a:r>
+              <a:rPr lang="de-DE" dirty="0" err="1"/>
+              <a:t>good</a:t>
+            </a:r>
+            <a:r>
+              <a:rPr lang="de-DE" dirty="0"/>
+              <a:t>/</a:t>
+            </a:r>
+            <a:r>
+              <a:rPr lang="de-DE" dirty="0" err="1"/>
+              <a:t>bad</a:t>
+            </a:r>
+            <a:endParaRPr lang="de-DE" dirty="0"/>
+          </a:p>
+          <a:p>
+            <a:endParaRPr lang="de-DE" dirty="0"/>
+          </a:p>
+          <a:p>
+            <a:r>
+              <a:rPr lang="de-DE" dirty="0"/>
+              <a:t>IMO at </a:t>
+            </a:r>
+            <a:r>
+              <a:rPr lang="de-DE" dirty="0" err="1"/>
+              <a:t>the</a:t>
+            </a:r>
+            <a:r>
+              <a:rPr lang="de-DE" dirty="0"/>
+              <a:t> </a:t>
+            </a:r>
+            <a:r>
+              <a:rPr lang="de-DE" dirty="0" err="1"/>
+              <a:t>beginning</a:t>
+            </a:r>
+            <a:r>
+              <a:rPr lang="de-DE" dirty="0"/>
+              <a:t> </a:t>
+            </a:r>
+            <a:r>
+              <a:rPr lang="de-DE" dirty="0" err="1"/>
+              <a:t>we</a:t>
+            </a:r>
+            <a:r>
+              <a:rPr lang="de-DE" dirty="0"/>
+              <a:t> </a:t>
+            </a:r>
+            <a:r>
+              <a:rPr lang="de-DE" dirty="0" err="1"/>
+              <a:t>were</a:t>
+            </a:r>
+            <a:r>
+              <a:rPr lang="de-DE" dirty="0"/>
+              <a:t> a </a:t>
+            </a:r>
+            <a:r>
+              <a:rPr lang="de-DE" dirty="0" err="1"/>
+              <a:t>little</a:t>
+            </a:r>
+            <a:r>
+              <a:rPr lang="de-DE" dirty="0"/>
+              <a:t> </a:t>
+            </a:r>
+            <a:r>
+              <a:rPr lang="de-DE" dirty="0" err="1"/>
+              <a:t>bit</a:t>
+            </a:r>
+            <a:r>
+              <a:rPr lang="de-DE" dirty="0"/>
+              <a:t> lost/</a:t>
+            </a:r>
+            <a:r>
+              <a:rPr lang="de-DE" dirty="0" err="1"/>
+              <a:t>unstructured</a:t>
+            </a:r>
+            <a:r>
+              <a:rPr lang="de-DE" dirty="0"/>
+              <a:t> but </a:t>
+            </a:r>
+            <a:r>
+              <a:rPr lang="de-DE" dirty="0" err="1"/>
+              <a:t>managed</a:t>
+            </a:r>
+            <a:r>
+              <a:rPr lang="de-DE" dirty="0"/>
+              <a:t> </a:t>
+            </a:r>
+            <a:r>
+              <a:rPr lang="de-DE" dirty="0" err="1"/>
+              <a:t>to</a:t>
+            </a:r>
+            <a:r>
+              <a:rPr lang="de-DE" dirty="0"/>
+              <a:t> </a:t>
+            </a:r>
+            <a:r>
+              <a:rPr lang="de-DE" dirty="0" err="1"/>
+              <a:t>implement</a:t>
+            </a:r>
+            <a:r>
+              <a:rPr lang="de-DE" dirty="0"/>
+              <a:t> 4 different </a:t>
+            </a:r>
+            <a:r>
+              <a:rPr lang="de-DE" dirty="0" err="1"/>
+              <a:t>algortihms</a:t>
+            </a:r>
+            <a:r>
+              <a:rPr lang="de-DE" dirty="0"/>
+              <a:t> </a:t>
+            </a:r>
+            <a:r>
+              <a:rPr lang="de-DE" dirty="0" err="1"/>
+              <a:t>for</a:t>
+            </a:r>
+            <a:r>
+              <a:rPr lang="de-DE" dirty="0"/>
+              <a:t> </a:t>
+            </a:r>
+            <a:r>
+              <a:rPr lang="de-DE" dirty="0" err="1"/>
+              <a:t>the</a:t>
+            </a:r>
+            <a:r>
+              <a:rPr lang="de-DE" dirty="0"/>
+              <a:t> same </a:t>
+            </a:r>
+            <a:r>
+              <a:rPr lang="de-DE" dirty="0" err="1"/>
+              <a:t>problem</a:t>
+            </a:r>
+            <a:r>
+              <a:rPr lang="de-DE" dirty="0"/>
+              <a:t>.</a:t>
+            </a:r>
+          </a:p>
+          <a:p>
+            <a:endParaRPr lang="de-DE" dirty="0"/>
+          </a:p>
+          <a:p>
+            <a:r>
+              <a:rPr lang="de-DE" dirty="0"/>
+              <a:t>At </a:t>
+            </a:r>
+            <a:r>
+              <a:rPr lang="de-DE" dirty="0" err="1"/>
+              <a:t>the</a:t>
+            </a:r>
+            <a:r>
+              <a:rPr lang="de-DE" dirty="0"/>
+              <a:t> end, </a:t>
+            </a:r>
+            <a:r>
+              <a:rPr lang="de-DE" dirty="0" err="1"/>
+              <a:t>we</a:t>
+            </a:r>
+            <a:r>
+              <a:rPr lang="de-DE" dirty="0"/>
+              <a:t> </a:t>
+            </a:r>
+            <a:r>
+              <a:rPr lang="de-DE" dirty="0" err="1"/>
+              <a:t>can</a:t>
+            </a:r>
+            <a:r>
+              <a:rPr lang="de-DE" dirty="0"/>
+              <a:t> </a:t>
+            </a:r>
+            <a:r>
+              <a:rPr lang="de-DE" dirty="0" err="1"/>
+              <a:t>show</a:t>
+            </a:r>
+            <a:r>
+              <a:rPr lang="de-DE" dirty="0"/>
+              <a:t> </a:t>
+            </a:r>
+            <a:r>
+              <a:rPr lang="de-DE" dirty="0" err="1"/>
+              <a:t>our</a:t>
+            </a:r>
+            <a:r>
+              <a:rPr lang="de-DE" dirty="0"/>
+              <a:t> </a:t>
+            </a:r>
+            <a:r>
+              <a:rPr lang="de-DE" dirty="0" err="1"/>
+              <a:t>idea</a:t>
+            </a:r>
+            <a:r>
+              <a:rPr lang="de-DE" dirty="0"/>
+              <a:t> </a:t>
+            </a:r>
+            <a:r>
+              <a:rPr lang="de-DE" dirty="0" err="1"/>
+              <a:t>of</a:t>
+            </a:r>
+            <a:r>
+              <a:rPr lang="de-DE" dirty="0"/>
+              <a:t> </a:t>
+            </a:r>
+            <a:r>
+              <a:rPr lang="de-DE" dirty="0" err="1"/>
+              <a:t>realtime</a:t>
+            </a:r>
+            <a:r>
+              <a:rPr lang="de-DE" dirty="0"/>
+              <a:t> </a:t>
+            </a:r>
+            <a:r>
+              <a:rPr lang="de-DE" dirty="0" err="1"/>
+              <a:t>emotion</a:t>
+            </a:r>
+            <a:r>
+              <a:rPr lang="de-DE" dirty="0"/>
+              <a:t> </a:t>
+            </a:r>
+            <a:r>
+              <a:rPr lang="de-DE" dirty="0" err="1"/>
+              <a:t>recognition</a:t>
+            </a:r>
+            <a:endParaRPr lang="de-DE" dirty="0"/>
+          </a:p>
+        </p:txBody>
+      </p:sp>
+      <p:sp>
+        <p:nvSpPr>
+          <p:cNvPr id="4" name="Datumsplatzhalter 3">
+            <a:extLst>
+              <a:ext uri="{FF2B5EF4-FFF2-40B4-BE49-F238E27FC236}">
+                <a16:creationId xmlns:a16="http://schemas.microsoft.com/office/drawing/2014/main" id="{17B4E98B-30AD-49D1-91AC-5AD245D9C49E}"/>
+              </a:ext>
+            </a:extLst>
+          </p:cNvPr>
+          <p:cNvSpPr>
+            <a:spLocks noGrp="1"/>
+          </p:cNvSpPr>
+          <p:nvPr>
+            <p:ph type="dt" sz="half" idx="2"/>
+          </p:nvPr>
+        </p:nvSpPr>
+        <p:spPr/>
+        <p:txBody>
+          <a:bodyPr/>
+          <a:lstStyle/>
+          <a:p>
+            <a:fld id="{09D069C5-CC22-4E88-BB35-FA27CD7EA121}" type="datetime1">
+              <a:rPr lang="de-DE" smtClean="0"/>
+              <a:t>01.07.2020</a:t>
+            </a:fld>
+            <a:endParaRPr lang="de-DE" dirty="0"/>
+          </a:p>
+        </p:txBody>
+      </p:sp>
+      <p:sp>
+        <p:nvSpPr>
+          <p:cNvPr id="5" name="Fußzeilenplatzhalter 4">
+            <a:extLst>
+              <a:ext uri="{FF2B5EF4-FFF2-40B4-BE49-F238E27FC236}">
+                <a16:creationId xmlns:a16="http://schemas.microsoft.com/office/drawing/2014/main" id="{6866D9C7-EB32-4BF1-93BB-7BEB5EB8B380}"/>
+              </a:ext>
+            </a:extLst>
+          </p:cNvPr>
+          <p:cNvSpPr>
+            <a:spLocks noGrp="1"/>
+          </p:cNvSpPr>
+          <p:nvPr>
+            <p:ph type="ftr" sz="quarter" idx="3"/>
+          </p:nvPr>
+        </p:nvSpPr>
+        <p:spPr/>
+        <p:txBody>
+          <a:bodyPr/>
+          <a:lstStyle/>
+          <a:p>
+            <a:r>
+              <a:rPr lang="de-DE"/>
+              <a:t>Group 5 - Facial emotion recognition</a:t>
+            </a:r>
+            <a:endParaRPr lang="de-DE" dirty="0"/>
+          </a:p>
+        </p:txBody>
+      </p:sp>
+      <p:sp>
+        <p:nvSpPr>
+          <p:cNvPr id="6" name="Foliennummernplatzhalter 5">
+            <a:extLst>
+              <a:ext uri="{FF2B5EF4-FFF2-40B4-BE49-F238E27FC236}">
+                <a16:creationId xmlns:a16="http://schemas.microsoft.com/office/drawing/2014/main" id="{32488A70-7BBC-496E-BFEC-9017CABA6593}"/>
+              </a:ext>
+            </a:extLst>
+          </p:cNvPr>
+          <p:cNvSpPr>
+            <a:spLocks noGrp="1"/>
+          </p:cNvSpPr>
+          <p:nvPr>
+            <p:ph type="sldNum" sz="quarter" idx="4"/>
+          </p:nvPr>
+        </p:nvSpPr>
+        <p:spPr/>
+        <p:txBody>
+          <a:bodyPr/>
+          <a:lstStyle/>
+          <a:p>
+            <a:fld id="{3E01A2B2-10AD-754B-9B4C-E5B6FED423D0}" type="slidenum">
+              <a:rPr lang="de-DE" smtClean="0"/>
+              <a:t>12</a:t>
+            </a:fld>
+            <a:endParaRPr lang="de-DE"/>
+          </a:p>
+        </p:txBody>
+      </p:sp>
+      <p:sp>
+        <p:nvSpPr>
+          <p:cNvPr id="7" name="Ellipse 6">
+            <a:extLst>
+              <a:ext uri="{FF2B5EF4-FFF2-40B4-BE49-F238E27FC236}">
+                <a16:creationId xmlns:a16="http://schemas.microsoft.com/office/drawing/2014/main" id="{D18DA7AD-1BE1-4A3F-9B1F-A0C64CBB8D42}"/>
+              </a:ext>
+            </a:extLst>
+          </p:cNvPr>
+          <p:cNvSpPr/>
+          <p:nvPr/>
+        </p:nvSpPr>
+        <p:spPr>
+          <a:xfrm>
+            <a:off x="7506000" y="953534"/>
+            <a:ext cx="79209" cy="79209"/>
+          </a:xfrm>
+          <a:prstGeom prst="ellipse">
+            <a:avLst/>
+          </a:prstGeom>
+          <a:solidFill>
+            <a:srgbClr val="FF0000"/>
+          </a:solidFill>
+          <a:ln>
+            <a:noFill/>
+          </a:ln>
+          <a:effectLst/>
+        </p:spPr>
+        <p:style>
+          <a:lnRef idx="1">
+            <a:schemeClr val="accent1"/>
+          </a:lnRef>
+          <a:fillRef idx="3">
+            <a:schemeClr val="accent1"/>
+          </a:fillRef>
+          <a:effectRef idx="2">
+            <a:schemeClr val="accent1"/>
+          </a:effectRef>
+          <a:fontRef idx="minor">
+            <a:schemeClr val="lt1"/>
+          </a:fontRef>
+        </p:style>
+        <p:txBody>
+          <a:bodyPr rtlCol="0" anchor="ctr"/>
+          <a:lstStyle/>
+          <a:p>
+            <a:pPr algn="ctr"/>
+            <a:endParaRPr lang="de-DE"/>
+          </a:p>
+        </p:txBody>
+      </p:sp>
+    </p:spTree>
+    <p:extLst>
+      <p:ext uri="{BB962C8B-B14F-4D97-AF65-F5344CB8AC3E}">
+        <p14:creationId xmlns:p14="http://schemas.microsoft.com/office/powerpoint/2010/main" val="2264589631"/>
+      </p:ext>
+    </p:extLst>
+  </p:cSld>
+  <p:clrMapOvr>
+    <a:masterClrMapping/>
+  </p:clrMapOvr>
+</p:sld>
+</file>
+
+<file path=ppt/slides/slide13.xml><?xml version="1.0" encoding="utf-8"?>
+<p:sld xmlns:a="http://schemas.openxmlformats.org/drawingml/2006/main" xmlns:r="http://schemas.openxmlformats.org/officeDocument/2006/relationships" xmlns:p="http://schemas.openxmlformats.org/presentationml/2006/main">
+  <p:cSld>
+    <p:spTree>
+      <p:nvGrpSpPr>
+        <p:cNvPr id="1" name=""/>
+        <p:cNvGrpSpPr/>
+        <p:nvPr/>
+      </p:nvGrpSpPr>
+      <p:grpSpPr>
+        <a:xfrm>
+          <a:off x="0" y="0"/>
+          <a:ext cx="0" cy="0"/>
+          <a:chOff x="0" y="0"/>
+          <a:chExt cx="0" cy="0"/>
+        </a:xfrm>
+      </p:grpSpPr>
+      <p:sp>
+        <p:nvSpPr>
+          <p:cNvPr id="2" name="Textplatzhalter 1">
+            <a:extLst>
+              <a:ext uri="{FF2B5EF4-FFF2-40B4-BE49-F238E27FC236}">
+                <a16:creationId xmlns:a16="http://schemas.microsoft.com/office/drawing/2014/main" id="{8A34AA7D-F62F-46C8-88FD-6F24AB7ECB9A}"/>
+              </a:ext>
+            </a:extLst>
+          </p:cNvPr>
+          <p:cNvSpPr>
+            <a:spLocks noGrp="1"/>
+          </p:cNvSpPr>
+          <p:nvPr>
+            <p:ph type="body" sz="quarter" idx="13"/>
+          </p:nvPr>
+        </p:nvSpPr>
+        <p:spPr/>
+        <p:txBody>
+          <a:bodyPr/>
+          <a:lstStyle/>
+          <a:p>
+            <a:r>
+              <a:rPr lang="de-DE" dirty="0"/>
+              <a:t>Quellen Bilder:</a:t>
+            </a:r>
+          </a:p>
+        </p:txBody>
+      </p:sp>
+      <p:sp>
+        <p:nvSpPr>
+          <p:cNvPr id="3" name="Textplatzhalter 2">
+            <a:extLst>
+              <a:ext uri="{FF2B5EF4-FFF2-40B4-BE49-F238E27FC236}">
+                <a16:creationId xmlns:a16="http://schemas.microsoft.com/office/drawing/2014/main" id="{9C40EA87-89E4-421B-BE91-028F6EA8C8D8}"/>
+              </a:ext>
+            </a:extLst>
+          </p:cNvPr>
+          <p:cNvSpPr>
+            <a:spLocks noGrp="1"/>
+          </p:cNvSpPr>
+          <p:nvPr>
+            <p:ph type="body" sz="quarter" idx="14"/>
+          </p:nvPr>
+        </p:nvSpPr>
+        <p:spPr/>
         <p:txBody>
           <a:bodyPr>
             <a:normAutofit/>
           </a:bodyPr>
           <a:lstStyle/>
           <a:p>
-            <a:pPr algn="ctr"/>
-            <a:r>
-              <a:rPr lang="de-DE" dirty="0"/>
-              <a:t>ML</a:t>
-            </a:r>
-          </a:p>
-          <a:p>
-            <a:pPr algn="ctr"/>
-            <a:r>
-              <a:rPr lang="de-DE" dirty="0"/>
-              <a:t>Group 5</a:t>
-            </a:r>
-          </a:p>
-        </p:txBody>
-      </p:sp>
-      <p:sp>
-        <p:nvSpPr>
-          <p:cNvPr id="5" name="Ellipse 4">
-            <a:extLst>
-              <a:ext uri="{FF2B5EF4-FFF2-40B4-BE49-F238E27FC236}">
-                <a16:creationId xmlns:a16="http://schemas.microsoft.com/office/drawing/2014/main" id="{F0D16034-5725-4BAF-9C81-B154A1B2F2B8}"/>
+            <a:r>
+              <a:rPr lang="de-DE" sz="900" dirty="0"/>
+              <a:t>All </a:t>
+            </a:r>
+            <a:r>
+              <a:rPr lang="de-DE" sz="900" dirty="0" err="1"/>
+              <a:t>pictures</a:t>
+            </a:r>
+            <a:r>
+              <a:rPr lang="de-DE" sz="900" dirty="0"/>
+              <a:t> </a:t>
+            </a:r>
+            <a:r>
+              <a:rPr lang="de-DE" sz="900" dirty="0" err="1"/>
+              <a:t>are</a:t>
+            </a:r>
+            <a:r>
+              <a:rPr lang="de-DE" sz="900" dirty="0"/>
+              <a:t> </a:t>
+            </a:r>
+            <a:r>
+              <a:rPr lang="de-DE" sz="900" dirty="0" err="1"/>
+              <a:t>free</a:t>
+            </a:r>
+            <a:r>
+              <a:rPr lang="de-DE" sz="900" dirty="0"/>
+              <a:t> </a:t>
+            </a:r>
+            <a:r>
+              <a:rPr lang="de-DE" sz="900" dirty="0" err="1"/>
+              <a:t>for</a:t>
+            </a:r>
+            <a:r>
+              <a:rPr lang="de-DE" sz="900" dirty="0"/>
+              <a:t> non-commercial </a:t>
+            </a:r>
+            <a:r>
+              <a:rPr lang="de-DE" sz="900" dirty="0" err="1"/>
+              <a:t>use</a:t>
+            </a:r>
+            <a:r>
+              <a:rPr lang="de-DE" sz="900" dirty="0"/>
+              <a:t>.</a:t>
+            </a:r>
+          </a:p>
+          <a:p>
+            <a:r>
+              <a:rPr lang="de-DE" sz="900" dirty="0"/>
+              <a:t>Deckblatt: </a:t>
+            </a:r>
+            <a:r>
+              <a:rPr lang="de-DE" sz="900" dirty="0">
+                <a:hlinkClick r:id="rId2"/>
+              </a:rPr>
+              <a:t>https://commons.wikimedia.org/wiki/File:Emotion_Recognition_Deficit.jpg</a:t>
+            </a:r>
+            <a:endParaRPr lang="de-DE" sz="900" dirty="0"/>
+          </a:p>
+          <a:p>
+            <a:r>
+              <a:rPr lang="de-DE" sz="900" dirty="0"/>
+              <a:t>Agenda:</a:t>
+            </a:r>
+          </a:p>
+          <a:p>
+            <a:r>
+              <a:rPr lang="de-DE" sz="900" dirty="0">
+                <a:hlinkClick r:id="rId3"/>
+              </a:rPr>
+              <a:t>https://commons.wikimedia.org/wiki/File:Hey_Machine_Learning_Logo.png</a:t>
+            </a:r>
+            <a:endParaRPr lang="de-DE" sz="900" dirty="0"/>
+          </a:p>
+          <a:p>
+            <a:r>
+              <a:rPr lang="de-DE" sz="900" dirty="0"/>
+              <a:t>Intro:</a:t>
+            </a:r>
+          </a:p>
+          <a:p>
+            <a:r>
+              <a:rPr lang="de-DE" sz="900" dirty="0">
+                <a:hlinkClick r:id="rId4"/>
+              </a:rPr>
+              <a:t>https://commons.wikimedia.org/wiki/File:5th_Floor_Lecture_Hall.jpg</a:t>
+            </a:r>
+            <a:endParaRPr lang="de-DE" sz="900" dirty="0"/>
+          </a:p>
+          <a:p>
+            <a:r>
+              <a:rPr lang="de-DE" sz="900" dirty="0">
+                <a:hlinkClick r:id="rId5"/>
+              </a:rPr>
+              <a:t>https://www.pikist.com/free-photo-sobwr</a:t>
+            </a:r>
+            <a:r>
+              <a:rPr lang="de-DE" sz="900" dirty="0"/>
+              <a:t> </a:t>
+            </a:r>
+          </a:p>
+          <a:p>
+            <a:endParaRPr lang="de-DE" sz="900" dirty="0"/>
+          </a:p>
+          <a:p>
+            <a:r>
+              <a:rPr lang="de-DE" sz="900" dirty="0"/>
+              <a:t>Project:</a:t>
+            </a:r>
+          </a:p>
+          <a:p>
+            <a:endParaRPr lang="de-DE" sz="900" dirty="0"/>
+          </a:p>
+          <a:p>
+            <a:r>
+              <a:rPr lang="de-DE" sz="900" dirty="0" err="1"/>
+              <a:t>Product</a:t>
+            </a:r>
+            <a:r>
+              <a:rPr lang="de-DE" sz="900" dirty="0"/>
+              <a:t>:</a:t>
+            </a:r>
+          </a:p>
+          <a:p>
+            <a:endParaRPr lang="de-DE" sz="900" dirty="0"/>
+          </a:p>
+          <a:p>
+            <a:endParaRPr lang="de-DE" sz="900" dirty="0"/>
+          </a:p>
+        </p:txBody>
+      </p:sp>
+    </p:spTree>
+    <p:extLst>
+      <p:ext uri="{BB962C8B-B14F-4D97-AF65-F5344CB8AC3E}">
+        <p14:creationId xmlns:p14="http://schemas.microsoft.com/office/powerpoint/2010/main" val="2043384817"/>
+      </p:ext>
+    </p:extLst>
+  </p:cSld>
+  <p:clrMapOvr>
+    <a:masterClrMapping/>
+  </p:clrMapOvr>
+</p:sld>
+</file>
+
+<file path=ppt/slides/slide2.xml><?xml version="1.0" encoding="utf-8"?>
+<p:sld xmlns:a="http://schemas.openxmlformats.org/drawingml/2006/main" xmlns:r="http://schemas.openxmlformats.org/officeDocument/2006/relationships" xmlns:p="http://schemas.openxmlformats.org/presentationml/2006/main">
+  <p:cSld>
+    <p:spTree>
+      <p:nvGrpSpPr>
+        <p:cNvPr id="1" name=""/>
+        <p:cNvGrpSpPr/>
+        <p:nvPr/>
+      </p:nvGrpSpPr>
+      <p:grpSpPr>
+        <a:xfrm>
+          <a:off x="0" y="0"/>
+          <a:ext cx="0" cy="0"/>
+          <a:chOff x="0" y="0"/>
+          <a:chExt cx="0" cy="0"/>
+        </a:xfrm>
+      </p:grpSpPr>
+      <p:sp>
+        <p:nvSpPr>
+          <p:cNvPr id="2" name="Textplatzhalter 1">
+            <a:extLst>
+              <a:ext uri="{FF2B5EF4-FFF2-40B4-BE49-F238E27FC236}">
+                <a16:creationId xmlns:a16="http://schemas.microsoft.com/office/drawing/2014/main" id="{0DD4AC70-414E-45A8-B2A2-42C25E79D8C0}"/>
+              </a:ext>
+            </a:extLst>
+          </p:cNvPr>
+          <p:cNvSpPr>
+            <a:spLocks noGrp="1"/>
+          </p:cNvSpPr>
+          <p:nvPr>
+            <p:ph type="body" sz="quarter" idx="13"/>
+          </p:nvPr>
+        </p:nvSpPr>
+        <p:spPr/>
+        <p:txBody>
+          <a:bodyPr/>
+          <a:lstStyle/>
+          <a:p>
+            <a:r>
+              <a:rPr lang="de-DE" dirty="0"/>
+              <a:t>			</a:t>
+            </a:r>
+            <a:r>
+              <a:rPr lang="de-DE" u="sng" dirty="0"/>
+              <a:t>Agenda</a:t>
+            </a:r>
+          </a:p>
+        </p:txBody>
+      </p:sp>
+      <p:sp>
+        <p:nvSpPr>
+          <p:cNvPr id="3" name="Textplatzhalter 2">
+            <a:extLst>
+              <a:ext uri="{FF2B5EF4-FFF2-40B4-BE49-F238E27FC236}">
+                <a16:creationId xmlns:a16="http://schemas.microsoft.com/office/drawing/2014/main" id="{8414FF7A-B6EA-4F69-A686-36B1DAAAB82F}"/>
+              </a:ext>
+            </a:extLst>
+          </p:cNvPr>
+          <p:cNvSpPr>
+            <a:spLocks noGrp="1"/>
+          </p:cNvSpPr>
+          <p:nvPr>
+            <p:ph type="body" sz="quarter" idx="14"/>
+          </p:nvPr>
+        </p:nvSpPr>
+        <p:spPr/>
+        <p:txBody>
+          <a:bodyPr/>
+          <a:lstStyle/>
+          <a:p>
+            <a:pPr marL="1200150" lvl="1" indent="-457200">
+              <a:buAutoNum type="arabicPeriod"/>
+            </a:pPr>
+            <a:r>
+              <a:rPr lang="de-DE" dirty="0"/>
+              <a:t>Intro</a:t>
+            </a:r>
+          </a:p>
+          <a:p>
+            <a:pPr marL="1200150" lvl="1" indent="-457200">
+              <a:buAutoNum type="arabicPeriod"/>
+            </a:pPr>
+            <a:r>
+              <a:rPr lang="de-DE" dirty="0"/>
+              <a:t>Project</a:t>
+            </a:r>
+          </a:p>
+          <a:p>
+            <a:pPr marL="1200150" lvl="1" indent="-457200">
+              <a:buAutoNum type="arabicPeriod"/>
+            </a:pPr>
+            <a:r>
+              <a:rPr lang="de-DE" dirty="0" err="1"/>
+              <a:t>Product</a:t>
+            </a:r>
+            <a:endParaRPr lang="de-DE" dirty="0"/>
+          </a:p>
+          <a:p>
+            <a:pPr marL="1200150" lvl="1" indent="-457200">
+              <a:buAutoNum type="arabicPeriod"/>
+            </a:pPr>
+            <a:r>
+              <a:rPr lang="de-DE" dirty="0" err="1"/>
+              <a:t>Algorithms</a:t>
+            </a:r>
+            <a:endParaRPr lang="de-DE" dirty="0"/>
+          </a:p>
+          <a:p>
+            <a:pPr marL="1200150" lvl="1" indent="-457200">
+              <a:buAutoNum type="arabicPeriod"/>
+            </a:pPr>
+            <a:r>
+              <a:rPr lang="de-DE" dirty="0" err="1"/>
+              <a:t>Presentation</a:t>
+            </a:r>
+            <a:endParaRPr lang="de-DE" dirty="0"/>
+          </a:p>
+          <a:p>
+            <a:pPr marL="1200150" lvl="1" indent="-457200">
+              <a:buAutoNum type="arabicPeriod"/>
+            </a:pPr>
+            <a:r>
+              <a:rPr lang="de-DE" dirty="0" err="1"/>
+              <a:t>Conclution</a:t>
+            </a:r>
+            <a:endParaRPr lang="de-DE" dirty="0"/>
+          </a:p>
+          <a:p>
+            <a:endParaRPr lang="de-DE" dirty="0"/>
+          </a:p>
+        </p:txBody>
+      </p:sp>
+      <p:sp>
+        <p:nvSpPr>
+          <p:cNvPr id="4" name="Datumsplatzhalter 3">
+            <a:extLst>
+              <a:ext uri="{FF2B5EF4-FFF2-40B4-BE49-F238E27FC236}">
+                <a16:creationId xmlns:a16="http://schemas.microsoft.com/office/drawing/2014/main" id="{2B8FFA66-EE51-438D-81DD-8B336E125466}"/>
+              </a:ext>
+            </a:extLst>
+          </p:cNvPr>
+          <p:cNvSpPr>
+            <a:spLocks noGrp="1"/>
+          </p:cNvSpPr>
+          <p:nvPr>
+            <p:ph type="dt" sz="half" idx="2"/>
+          </p:nvPr>
+        </p:nvSpPr>
+        <p:spPr/>
+        <p:txBody>
+          <a:bodyPr/>
+          <a:lstStyle/>
+          <a:p>
+            <a:fld id="{09D069C5-CC22-4E88-BB35-FA27CD7EA121}" type="datetime1">
+              <a:rPr lang="de-DE" smtClean="0"/>
+              <a:t>01.07.2020</a:t>
+            </a:fld>
+            <a:endParaRPr lang="de-DE" dirty="0"/>
+          </a:p>
+        </p:txBody>
+      </p:sp>
+      <p:sp>
+        <p:nvSpPr>
+          <p:cNvPr id="5" name="Fußzeilenplatzhalter 4">
+            <a:extLst>
+              <a:ext uri="{FF2B5EF4-FFF2-40B4-BE49-F238E27FC236}">
+                <a16:creationId xmlns:a16="http://schemas.microsoft.com/office/drawing/2014/main" id="{550E858B-EEF3-442D-9745-E54E9BD7E3ED}"/>
+              </a:ext>
+            </a:extLst>
+          </p:cNvPr>
+          <p:cNvSpPr>
+            <a:spLocks noGrp="1"/>
+          </p:cNvSpPr>
+          <p:nvPr>
+            <p:ph type="ftr" sz="quarter" idx="3"/>
+          </p:nvPr>
+        </p:nvSpPr>
+        <p:spPr/>
+        <p:txBody>
+          <a:bodyPr/>
+          <a:lstStyle/>
+          <a:p>
+            <a:r>
+              <a:rPr lang="de-DE" dirty="0"/>
+              <a:t>Group 5 - </a:t>
+            </a:r>
+            <a:r>
+              <a:rPr lang="de-DE" dirty="0" err="1"/>
+              <a:t>Facial</a:t>
+            </a:r>
+            <a:r>
+              <a:rPr lang="de-DE" dirty="0"/>
+              <a:t> </a:t>
+            </a:r>
+            <a:r>
+              <a:rPr lang="de-DE" dirty="0" err="1"/>
+              <a:t>emotion</a:t>
+            </a:r>
+            <a:r>
+              <a:rPr lang="de-DE" dirty="0"/>
+              <a:t> </a:t>
+            </a:r>
+            <a:r>
+              <a:rPr lang="de-DE" dirty="0" err="1"/>
+              <a:t>recognition</a:t>
+            </a:r>
+            <a:endParaRPr lang="de-DE" dirty="0"/>
+          </a:p>
+        </p:txBody>
+      </p:sp>
+      <p:sp>
+        <p:nvSpPr>
+          <p:cNvPr id="6" name="Foliennummernplatzhalter 5">
+            <a:extLst>
+              <a:ext uri="{FF2B5EF4-FFF2-40B4-BE49-F238E27FC236}">
+                <a16:creationId xmlns:a16="http://schemas.microsoft.com/office/drawing/2014/main" id="{B25B997F-4522-4615-9EB4-2994A4861C44}"/>
+              </a:ext>
+            </a:extLst>
+          </p:cNvPr>
+          <p:cNvSpPr>
+            <a:spLocks noGrp="1"/>
+          </p:cNvSpPr>
+          <p:nvPr>
+            <p:ph type="sldNum" sz="quarter" idx="4"/>
+          </p:nvPr>
+        </p:nvSpPr>
+        <p:spPr/>
+        <p:txBody>
+          <a:bodyPr/>
+          <a:lstStyle/>
+          <a:p>
+            <a:fld id="{3E01A2B2-10AD-754B-9B4C-E5B6FED423D0}" type="slidenum">
+              <a:rPr lang="de-DE" smtClean="0"/>
+              <a:t>2</a:t>
+            </a:fld>
+            <a:endParaRPr lang="de-DE"/>
+          </a:p>
+        </p:txBody>
+      </p:sp>
+      <p:sp>
+        <p:nvSpPr>
+          <p:cNvPr id="7" name="Ellipse 6">
+            <a:extLst>
+              <a:ext uri="{FF2B5EF4-FFF2-40B4-BE49-F238E27FC236}">
+                <a16:creationId xmlns:a16="http://schemas.microsoft.com/office/drawing/2014/main" id="{6B1C6E74-2EB3-49F1-88CE-D4D348EF6561}"/>
               </a:ext>
             </a:extLst>
           </p:cNvPr>
@@ -3240,10 +5719,40 @@
           </a:p>
         </p:txBody>
       </p:sp>
+      <p:pic>
+        <p:nvPicPr>
+          <p:cNvPr id="9" name="Grafik 8">
+            <a:extLst>
+              <a:ext uri="{FF2B5EF4-FFF2-40B4-BE49-F238E27FC236}">
+                <a16:creationId xmlns:a16="http://schemas.microsoft.com/office/drawing/2014/main" id="{08EA0B33-4839-4F97-BF75-2B9B45816B86}"/>
+              </a:ext>
+            </a:extLst>
+          </p:cNvPr>
+          <p:cNvPicPr>
+            <a:picLocks noChangeAspect="1"/>
+          </p:cNvPicPr>
+          <p:nvPr/>
+        </p:nvPicPr>
+        <p:blipFill>
+          <a:blip r:embed="rId3"/>
+          <a:stretch>
+            <a:fillRect/>
+          </a:stretch>
+        </p:blipFill>
+        <p:spPr>
+          <a:xfrm>
+            <a:off x="5004048" y="1779662"/>
+            <a:ext cx="2501952" cy="2501952"/>
+          </a:xfrm>
+          <a:prstGeom prst="rect">
+            <a:avLst/>
+          </a:prstGeom>
+        </p:spPr>
+      </p:pic>
     </p:spTree>
     <p:extLst>
       <p:ext uri="{BB962C8B-B14F-4D97-AF65-F5344CB8AC3E}">
-        <p14:creationId xmlns:p14="http://schemas.microsoft.com/office/powerpoint/2010/main" val="286558797"/>
+        <p14:creationId xmlns:p14="http://schemas.microsoft.com/office/powerpoint/2010/main" val="2551856474"/>
       </p:ext>
     </p:extLst>
   </p:cSld>
@@ -3253,7 +5762,7 @@
 </p:sld>
 </file>
 
-<file path=ppt/slides/slide2.xml><?xml version="1.0" encoding="utf-8"?>
+<file path=ppt/slides/slide3.xml><?xml version="1.0" encoding="utf-8"?>
 <p:sld xmlns:a="http://schemas.openxmlformats.org/drawingml/2006/main" xmlns:r="http://schemas.openxmlformats.org/officeDocument/2006/relationships" xmlns:p="http://schemas.openxmlformats.org/presentationml/2006/main">
   <p:cSld>
     <p:spTree>
@@ -3272,85 +5781,157 @@
       </p:grpSpPr>
       <p:sp>
         <p:nvSpPr>
-          <p:cNvPr id="9" name="Textplatzhalter 1">
-            <a:extLst>
-              <a:ext uri="{FF2B5EF4-FFF2-40B4-BE49-F238E27FC236}">
-                <a16:creationId xmlns:a16="http://schemas.microsoft.com/office/drawing/2014/main" id="{B92AB241-2BA8-4CB5-AD55-C9522666D915}"/>
-              </a:ext>
-            </a:extLst>
-          </p:cNvPr>
-          <p:cNvSpPr>
-            <a:spLocks noGrp="1"/>
-          </p:cNvSpPr>
-          <p:nvPr>
-            <p:ph type="body" sz="quarter" idx="13"/>
-          </p:nvPr>
-        </p:nvSpPr>
+          <p:cNvPr id="4" name="Datumsplatzhalter 3">
+            <a:extLst>
+              <a:ext uri="{FF2B5EF4-FFF2-40B4-BE49-F238E27FC236}">
+                <a16:creationId xmlns:a16="http://schemas.microsoft.com/office/drawing/2014/main" id="{0E138FE9-E560-4254-AA5A-9041A8F1622E}"/>
+              </a:ext>
+            </a:extLst>
+          </p:cNvPr>
+          <p:cNvSpPr>
+            <a:spLocks noGrp="1"/>
+          </p:cNvSpPr>
+          <p:nvPr>
+            <p:ph type="dt" sz="half" idx="2"/>
+          </p:nvPr>
+        </p:nvSpPr>
+        <p:spPr/>
+        <p:txBody>
+          <a:bodyPr/>
+          <a:lstStyle/>
+          <a:p>
+            <a:fld id="{09D069C5-CC22-4E88-BB35-FA27CD7EA121}" type="datetime1">
+              <a:rPr lang="de-DE" smtClean="0"/>
+              <a:t>01.07.2020</a:t>
+            </a:fld>
+            <a:endParaRPr lang="de-DE" dirty="0"/>
+          </a:p>
+        </p:txBody>
+      </p:sp>
+      <p:sp>
+        <p:nvSpPr>
+          <p:cNvPr id="5" name="Fußzeilenplatzhalter 4">
+            <a:extLst>
+              <a:ext uri="{FF2B5EF4-FFF2-40B4-BE49-F238E27FC236}">
+                <a16:creationId xmlns:a16="http://schemas.microsoft.com/office/drawing/2014/main" id="{722A27AE-AA6B-49BC-B574-7D3AE6EB9F6C}"/>
+              </a:ext>
+            </a:extLst>
+          </p:cNvPr>
+          <p:cNvSpPr>
+            <a:spLocks noGrp="1"/>
+          </p:cNvSpPr>
+          <p:nvPr>
+            <p:ph type="ftr" sz="quarter" idx="3"/>
+          </p:nvPr>
+        </p:nvSpPr>
+        <p:spPr/>
+        <p:txBody>
+          <a:bodyPr/>
+          <a:lstStyle/>
+          <a:p>
+            <a:r>
+              <a:rPr lang="de-DE"/>
+              <a:t>Group 5 - Facial emotion recognition</a:t>
+            </a:r>
+            <a:endParaRPr lang="de-DE" dirty="0"/>
+          </a:p>
+        </p:txBody>
+      </p:sp>
+      <p:sp>
+        <p:nvSpPr>
+          <p:cNvPr id="6" name="Foliennummernplatzhalter 5">
+            <a:extLst>
+              <a:ext uri="{FF2B5EF4-FFF2-40B4-BE49-F238E27FC236}">
+                <a16:creationId xmlns:a16="http://schemas.microsoft.com/office/drawing/2014/main" id="{1607D2F5-00FE-4DBB-9859-E798516325A3}"/>
+              </a:ext>
+            </a:extLst>
+          </p:cNvPr>
+          <p:cNvSpPr>
+            <a:spLocks noGrp="1"/>
+          </p:cNvSpPr>
+          <p:nvPr>
+            <p:ph type="sldNum" sz="quarter" idx="4"/>
+          </p:nvPr>
+        </p:nvSpPr>
+        <p:spPr/>
+        <p:txBody>
+          <a:bodyPr/>
+          <a:lstStyle/>
+          <a:p>
+            <a:fld id="{3E01A2B2-10AD-754B-9B4C-E5B6FED423D0}" type="slidenum">
+              <a:rPr lang="de-DE" smtClean="0"/>
+              <a:t>3</a:t>
+            </a:fld>
+            <a:endParaRPr lang="de-DE"/>
+          </a:p>
+        </p:txBody>
+      </p:sp>
+      <p:pic>
+        <p:nvPicPr>
+          <p:cNvPr id="8" name="Grafik 7" descr="Ein Bild, das Decke, drinnen, Person, Personen enthält.&#10;&#10;Automatisch generierte Beschreibung">
+            <a:extLst>
+              <a:ext uri="{FF2B5EF4-FFF2-40B4-BE49-F238E27FC236}">
+                <a16:creationId xmlns:a16="http://schemas.microsoft.com/office/drawing/2014/main" id="{A2ADA830-670E-4D83-B70D-064CDA5C773D}"/>
+              </a:ext>
+            </a:extLst>
+          </p:cNvPr>
+          <p:cNvPicPr>
+            <a:picLocks noChangeAspect="1"/>
+          </p:cNvPicPr>
+          <p:nvPr/>
+        </p:nvPicPr>
+        <p:blipFill>
+          <a:blip r:embed="rId3"/>
+          <a:stretch>
+            <a:fillRect/>
+          </a:stretch>
+        </p:blipFill>
         <p:spPr>
           <a:xfrm>
-            <a:off x="-1" y="1203598"/>
-            <a:ext cx="4572001" cy="1152128"/>
+            <a:off x="625837" y="1995686"/>
+            <a:ext cx="3137216" cy="2047033"/>
           </a:xfrm>
+          <a:prstGeom prst="rect">
+            <a:avLst/>
+          </a:prstGeom>
         </p:spPr>
-        <p:txBody>
-          <a:bodyPr vert="horz" lIns="91440" tIns="45720" rIns="91440" bIns="45720" rtlCol="0" anchor="t">
-            <a:normAutofit/>
-          </a:bodyPr>
-          <a:lstStyle/>
-          <a:p>
-            <a:pPr algn="ctr"/>
-            <a:r>
-              <a:rPr lang="de-DE" u="sng" dirty="0"/>
-              <a:t>Agenda</a:t>
-            </a:r>
-          </a:p>
-        </p:txBody>
-      </p:sp>
-      <p:sp>
-        <p:nvSpPr>
-          <p:cNvPr id="6" name="Textplatzhalter 2">
-            <a:extLst>
-              <a:ext uri="{FF2B5EF4-FFF2-40B4-BE49-F238E27FC236}">
-                <a16:creationId xmlns:a16="http://schemas.microsoft.com/office/drawing/2014/main" id="{9C3E10FF-07B2-4C62-8FB0-008A9F66FFCD}"/>
-              </a:ext>
-            </a:extLst>
-          </p:cNvPr>
-          <p:cNvSpPr>
-            <a:spLocks noGrp="1"/>
-          </p:cNvSpPr>
-          <p:nvPr>
-            <p:ph type="body" sz="quarter" idx="14"/>
-          </p:nvPr>
-        </p:nvSpPr>
+      </p:pic>
+      <p:pic>
+        <p:nvPicPr>
+          <p:cNvPr id="12" name="Grafik 11" descr="Ein Bild, das computer, Person, Computer, sitzend enthält.&#10;&#10;Automatisch generierte Beschreibung">
+            <a:extLst>
+              <a:ext uri="{FF2B5EF4-FFF2-40B4-BE49-F238E27FC236}">
+                <a16:creationId xmlns:a16="http://schemas.microsoft.com/office/drawing/2014/main" id="{2DCD2596-DFEC-4771-9B3F-F981C4AFECC3}"/>
+              </a:ext>
+            </a:extLst>
+          </p:cNvPr>
+          <p:cNvPicPr>
+            <a:picLocks noChangeAspect="1"/>
+          </p:cNvPicPr>
+          <p:nvPr/>
+        </p:nvPicPr>
+        <p:blipFill>
+          <a:blip r:embed="rId4"/>
+          <a:stretch>
+            <a:fillRect/>
+          </a:stretch>
+        </p:blipFill>
         <p:spPr>
           <a:xfrm>
-            <a:off x="214769" y="1779662"/>
-            <a:ext cx="8533695" cy="2880320"/>
+            <a:off x="5380949" y="1995517"/>
+            <a:ext cx="2895600" cy="2043372"/>
           </a:xfrm>
+          <a:prstGeom prst="rect">
+            <a:avLst/>
+          </a:prstGeom>
         </p:spPr>
-        <p:txBody>
-          <a:bodyPr vert="horz" lIns="91440" tIns="45720" rIns="91440" bIns="45720" rtlCol="0" anchor="t">
-            <a:normAutofit/>
-          </a:bodyPr>
-          <a:lstStyle/>
-          <a:p>
-            <a:pPr marL="457200" indent="-457200">
-              <a:buFont typeface="+mj-lt"/>
-              <a:buAutoNum type="arabicPeriod"/>
-            </a:pPr>
-            <a:r>
-              <a:rPr lang="de-DE" dirty="0"/>
-              <a:t>Einführung</a:t>
-            </a:r>
-          </a:p>
-        </p:txBody>
-      </p:sp>
-      <p:sp>
-        <p:nvSpPr>
-          <p:cNvPr id="5" name="Ellipse 4">
-            <a:extLst>
-              <a:ext uri="{FF2B5EF4-FFF2-40B4-BE49-F238E27FC236}">
-                <a16:creationId xmlns:a16="http://schemas.microsoft.com/office/drawing/2014/main" id="{E46522BB-A076-426B-8FF2-9F346111A933}"/>
+      </p:pic>
+      <p:sp>
+        <p:nvSpPr>
+          <p:cNvPr id="13" name="Ellipse 12">
+            <a:extLst>
+              <a:ext uri="{FF2B5EF4-FFF2-40B4-BE49-F238E27FC236}">
+                <a16:creationId xmlns:a16="http://schemas.microsoft.com/office/drawing/2014/main" id="{F3FCA3C8-B361-40FE-A827-46DED8FD0D51}"/>
               </a:ext>
             </a:extLst>
           </p:cNvPr>
@@ -3359,7 +5940,7 @@
         </p:nvSpPr>
         <p:spPr>
           <a:xfrm>
-            <a:off x="7506000" y="72000"/>
+            <a:off x="7506000" y="220688"/>
             <a:ext cx="79209" cy="79209"/>
           </a:xfrm>
           <a:prstGeom prst="ellipse">
@@ -3396,10 +5977,1799 @@
           </a:p>
         </p:txBody>
       </p:sp>
+      <p:sp>
+        <p:nvSpPr>
+          <p:cNvPr id="14" name="Pfeil: nach rechts 13">
+            <a:extLst>
+              <a:ext uri="{FF2B5EF4-FFF2-40B4-BE49-F238E27FC236}">
+                <a16:creationId xmlns:a16="http://schemas.microsoft.com/office/drawing/2014/main" id="{D1C15C75-D485-4038-B46B-6341E9000DB1}"/>
+              </a:ext>
+            </a:extLst>
+          </p:cNvPr>
+          <p:cNvSpPr/>
+          <p:nvPr/>
+        </p:nvSpPr>
+        <p:spPr>
+          <a:xfrm>
+            <a:off x="3923928" y="2837183"/>
+            <a:ext cx="1296144" cy="360040"/>
+          </a:xfrm>
+          <a:prstGeom prst="rightArrow">
+            <a:avLst/>
+          </a:prstGeom>
+        </p:spPr>
+        <p:style>
+          <a:lnRef idx="1">
+            <a:schemeClr val="accent1"/>
+          </a:lnRef>
+          <a:fillRef idx="3">
+            <a:schemeClr val="accent1"/>
+          </a:fillRef>
+          <a:effectRef idx="2">
+            <a:schemeClr val="accent1"/>
+          </a:effectRef>
+          <a:fontRef idx="minor">
+            <a:schemeClr val="lt1"/>
+          </a:fontRef>
+        </p:style>
+        <p:txBody>
+          <a:bodyPr rtlCol="0" anchor="ctr"/>
+          <a:lstStyle/>
+          <a:p>
+            <a:pPr algn="ctr"/>
+            <a:r>
+              <a:rPr lang="de-DE" sz="1600" dirty="0"/>
+              <a:t>Corona</a:t>
+            </a:r>
+            <a:endParaRPr lang="de-DE" dirty="0"/>
+          </a:p>
+        </p:txBody>
+      </p:sp>
     </p:spTree>
     <p:extLst>
       <p:ext uri="{BB962C8B-B14F-4D97-AF65-F5344CB8AC3E}">
-        <p14:creationId xmlns:p14="http://schemas.microsoft.com/office/powerpoint/2010/main" val="3075121832"/>
+        <p14:creationId xmlns:p14="http://schemas.microsoft.com/office/powerpoint/2010/main" val="1056267378"/>
+      </p:ext>
+    </p:extLst>
+  </p:cSld>
+  <p:clrMapOvr>
+    <a:masterClrMapping/>
+  </p:clrMapOvr>
+  <p:timing>
+    <p:tnLst>
+      <p:par>
+        <p:cTn id="1" dur="indefinite" restart="never" nodeType="tmRoot">
+          <p:childTnLst>
+            <p:seq concurrent="1" nextAc="seek">
+              <p:cTn id="2" dur="indefinite" nodeType="mainSeq">
+                <p:childTnLst>
+                  <p:par>
+                    <p:cTn id="3" fill="hold">
+                      <p:stCondLst>
+                        <p:cond delay="indefinite"/>
+                      </p:stCondLst>
+                      <p:childTnLst>
+                        <p:par>
+                          <p:cTn id="4" fill="hold">
+                            <p:stCondLst>
+                              <p:cond delay="0"/>
+                            </p:stCondLst>
+                            <p:childTnLst>
+                              <p:par>
+                                <p:cTn id="5" presetID="1" presetClass="entr" presetSubtype="0" fill="hold" grpId="0" nodeType="clickEffect">
+                                  <p:stCondLst>
+                                    <p:cond delay="0"/>
+                                  </p:stCondLst>
+                                  <p:childTnLst>
+                                    <p:set>
+                                      <p:cBhvr>
+                                        <p:cTn id="6" dur="1" fill="hold">
+                                          <p:stCondLst>
+                                            <p:cond delay="0"/>
+                                          </p:stCondLst>
+                                        </p:cTn>
+                                        <p:tgtEl>
+                                          <p:spTgt spid="14"/>
+                                        </p:tgtEl>
+                                        <p:attrNameLst>
+                                          <p:attrName>style.visibility</p:attrName>
+                                        </p:attrNameLst>
+                                      </p:cBhvr>
+                                      <p:to>
+                                        <p:strVal val="visible"/>
+                                      </p:to>
+                                    </p:set>
+                                  </p:childTnLst>
+                                </p:cTn>
+                              </p:par>
+                            </p:childTnLst>
+                          </p:cTn>
+                        </p:par>
+                      </p:childTnLst>
+                    </p:cTn>
+                  </p:par>
+                  <p:par>
+                    <p:cTn id="7" fill="hold">
+                      <p:stCondLst>
+                        <p:cond delay="indefinite"/>
+                      </p:stCondLst>
+                      <p:childTnLst>
+                        <p:par>
+                          <p:cTn id="8" fill="hold">
+                            <p:stCondLst>
+                              <p:cond delay="0"/>
+                            </p:stCondLst>
+                            <p:childTnLst>
+                              <p:par>
+                                <p:cTn id="9" presetID="1" presetClass="entr" presetSubtype="0" fill="hold" nodeType="clickEffect">
+                                  <p:stCondLst>
+                                    <p:cond delay="0"/>
+                                  </p:stCondLst>
+                                  <p:childTnLst>
+                                    <p:set>
+                                      <p:cBhvr>
+                                        <p:cTn id="10" dur="1" fill="hold">
+                                          <p:stCondLst>
+                                            <p:cond delay="0"/>
+                                          </p:stCondLst>
+                                        </p:cTn>
+                                        <p:tgtEl>
+                                          <p:spTgt spid="12"/>
+                                        </p:tgtEl>
+                                        <p:attrNameLst>
+                                          <p:attrName>style.visibility</p:attrName>
+                                        </p:attrNameLst>
+                                      </p:cBhvr>
+                                      <p:to>
+                                        <p:strVal val="visible"/>
+                                      </p:to>
+                                    </p:set>
+                                  </p:childTnLst>
+                                </p:cTn>
+                              </p:par>
+                            </p:childTnLst>
+                          </p:cTn>
+                        </p:par>
+                      </p:childTnLst>
+                    </p:cTn>
+                  </p:par>
+                </p:childTnLst>
+              </p:cTn>
+              <p:prevCondLst>
+                <p:cond evt="onPrev" delay="0">
+                  <p:tgtEl>
+                    <p:sldTgt/>
+                  </p:tgtEl>
+                </p:cond>
+              </p:prevCondLst>
+              <p:nextCondLst>
+                <p:cond evt="onNext" delay="0">
+                  <p:tgtEl>
+                    <p:sldTgt/>
+                  </p:tgtEl>
+                </p:cond>
+              </p:nextCondLst>
+            </p:seq>
+          </p:childTnLst>
+        </p:cTn>
+      </p:par>
+    </p:tnLst>
+    <p:bldLst>
+      <p:bldP spid="14" grpId="0" animBg="1"/>
+    </p:bldLst>
+  </p:timing>
+</p:sld>
+</file>
+
+<file path=ppt/slides/slide4.xml><?xml version="1.0" encoding="utf-8"?>
+<p:sld xmlns:a="http://schemas.openxmlformats.org/drawingml/2006/main" xmlns:r="http://schemas.openxmlformats.org/officeDocument/2006/relationships" xmlns:p="http://schemas.openxmlformats.org/presentationml/2006/main">
+  <p:cSld>
+    <p:spTree>
+      <p:nvGrpSpPr>
+        <p:cNvPr id="1" name=""/>
+        <p:cNvGrpSpPr/>
+        <p:nvPr/>
+      </p:nvGrpSpPr>
+      <p:grpSpPr>
+        <a:xfrm>
+          <a:off x="0" y="0"/>
+          <a:ext cx="0" cy="0"/>
+          <a:chOff x="0" y="0"/>
+          <a:chExt cx="0" cy="0"/>
+        </a:xfrm>
+      </p:grpSpPr>
+      <p:sp>
+        <p:nvSpPr>
+          <p:cNvPr id="2" name="Textplatzhalter 1">
+            <a:extLst>
+              <a:ext uri="{FF2B5EF4-FFF2-40B4-BE49-F238E27FC236}">
+                <a16:creationId xmlns:a16="http://schemas.microsoft.com/office/drawing/2014/main" id="{5B397D4E-4317-460A-A665-764C91367F07}"/>
+              </a:ext>
+            </a:extLst>
+          </p:cNvPr>
+          <p:cNvSpPr>
+            <a:spLocks noGrp="1"/>
+          </p:cNvSpPr>
+          <p:nvPr>
+            <p:ph type="body" sz="quarter" idx="13"/>
+          </p:nvPr>
+        </p:nvSpPr>
+        <p:spPr/>
+        <p:txBody>
+          <a:bodyPr/>
+          <a:lstStyle/>
+          <a:p>
+            <a:pPr algn="ctr"/>
+            <a:r>
+              <a:rPr lang="de-DE" dirty="0"/>
+              <a:t>Solution? </a:t>
+            </a:r>
+            <a:r>
+              <a:rPr lang="de-DE" dirty="0" err="1"/>
+              <a:t>Our</a:t>
+            </a:r>
+            <a:r>
+              <a:rPr lang="de-DE" dirty="0"/>
+              <a:t> Project!</a:t>
+            </a:r>
+          </a:p>
+        </p:txBody>
+      </p:sp>
+      <p:sp>
+        <p:nvSpPr>
+          <p:cNvPr id="3" name="Textplatzhalter 2">
+            <a:extLst>
+              <a:ext uri="{FF2B5EF4-FFF2-40B4-BE49-F238E27FC236}">
+                <a16:creationId xmlns:a16="http://schemas.microsoft.com/office/drawing/2014/main" id="{BDA74449-E3C1-4894-9086-9C8AD40FDE72}"/>
+              </a:ext>
+            </a:extLst>
+          </p:cNvPr>
+          <p:cNvSpPr>
+            <a:spLocks noGrp="1"/>
+          </p:cNvSpPr>
+          <p:nvPr>
+            <p:ph type="body" sz="quarter" idx="14"/>
+          </p:nvPr>
+        </p:nvSpPr>
+        <p:spPr/>
+        <p:txBody>
+          <a:bodyPr/>
+          <a:lstStyle/>
+          <a:p>
+            <a:r>
+              <a:rPr lang="en-GB" dirty="0"/>
+              <a:t>Track your students and see where they are falling asleep.</a:t>
+            </a:r>
+          </a:p>
+        </p:txBody>
+      </p:sp>
+      <p:sp>
+        <p:nvSpPr>
+          <p:cNvPr id="4" name="Datumsplatzhalter 3">
+            <a:extLst>
+              <a:ext uri="{FF2B5EF4-FFF2-40B4-BE49-F238E27FC236}">
+                <a16:creationId xmlns:a16="http://schemas.microsoft.com/office/drawing/2014/main" id="{17B4E98B-30AD-49D1-91AC-5AD245D9C49E}"/>
+              </a:ext>
+            </a:extLst>
+          </p:cNvPr>
+          <p:cNvSpPr>
+            <a:spLocks noGrp="1"/>
+          </p:cNvSpPr>
+          <p:nvPr>
+            <p:ph type="dt" sz="half" idx="2"/>
+          </p:nvPr>
+        </p:nvSpPr>
+        <p:spPr/>
+        <p:txBody>
+          <a:bodyPr/>
+          <a:lstStyle/>
+          <a:p>
+            <a:fld id="{09D069C5-CC22-4E88-BB35-FA27CD7EA121}" type="datetime1">
+              <a:rPr lang="de-DE" smtClean="0"/>
+              <a:t>01.07.2020</a:t>
+            </a:fld>
+            <a:endParaRPr lang="de-DE" dirty="0"/>
+          </a:p>
+        </p:txBody>
+      </p:sp>
+      <p:sp>
+        <p:nvSpPr>
+          <p:cNvPr id="5" name="Fußzeilenplatzhalter 4">
+            <a:extLst>
+              <a:ext uri="{FF2B5EF4-FFF2-40B4-BE49-F238E27FC236}">
+                <a16:creationId xmlns:a16="http://schemas.microsoft.com/office/drawing/2014/main" id="{6866D9C7-EB32-4BF1-93BB-7BEB5EB8B380}"/>
+              </a:ext>
+            </a:extLst>
+          </p:cNvPr>
+          <p:cNvSpPr>
+            <a:spLocks noGrp="1"/>
+          </p:cNvSpPr>
+          <p:nvPr>
+            <p:ph type="ftr" sz="quarter" idx="3"/>
+          </p:nvPr>
+        </p:nvSpPr>
+        <p:spPr/>
+        <p:txBody>
+          <a:bodyPr/>
+          <a:lstStyle/>
+          <a:p>
+            <a:r>
+              <a:rPr lang="de-DE"/>
+              <a:t>Group 5 - Facial emotion recognition</a:t>
+            </a:r>
+            <a:endParaRPr lang="de-DE" dirty="0"/>
+          </a:p>
+        </p:txBody>
+      </p:sp>
+      <p:sp>
+        <p:nvSpPr>
+          <p:cNvPr id="6" name="Foliennummernplatzhalter 5">
+            <a:extLst>
+              <a:ext uri="{FF2B5EF4-FFF2-40B4-BE49-F238E27FC236}">
+                <a16:creationId xmlns:a16="http://schemas.microsoft.com/office/drawing/2014/main" id="{32488A70-7BBC-496E-BFEC-9017CABA6593}"/>
+              </a:ext>
+            </a:extLst>
+          </p:cNvPr>
+          <p:cNvSpPr>
+            <a:spLocks noGrp="1"/>
+          </p:cNvSpPr>
+          <p:nvPr>
+            <p:ph type="sldNum" sz="quarter" idx="4"/>
+          </p:nvPr>
+        </p:nvSpPr>
+        <p:spPr/>
+        <p:txBody>
+          <a:bodyPr/>
+          <a:lstStyle/>
+          <a:p>
+            <a:fld id="{3E01A2B2-10AD-754B-9B4C-E5B6FED423D0}" type="slidenum">
+              <a:rPr lang="de-DE" smtClean="0"/>
+              <a:t>4</a:t>
+            </a:fld>
+            <a:endParaRPr lang="de-DE"/>
+          </a:p>
+        </p:txBody>
+      </p:sp>
+      <p:sp>
+        <p:nvSpPr>
+          <p:cNvPr id="7" name="Ellipse 6">
+            <a:extLst>
+              <a:ext uri="{FF2B5EF4-FFF2-40B4-BE49-F238E27FC236}">
+                <a16:creationId xmlns:a16="http://schemas.microsoft.com/office/drawing/2014/main" id="{D18DA7AD-1BE1-4A3F-9B1F-A0C64CBB8D42}"/>
+              </a:ext>
+            </a:extLst>
+          </p:cNvPr>
+          <p:cNvSpPr/>
+          <p:nvPr/>
+        </p:nvSpPr>
+        <p:spPr>
+          <a:xfrm>
+            <a:off x="7506000" y="370525"/>
+            <a:ext cx="79209" cy="79209"/>
+          </a:xfrm>
+          <a:prstGeom prst="ellipse">
+            <a:avLst/>
+          </a:prstGeom>
+          <a:solidFill>
+            <a:srgbClr val="FF0000"/>
+          </a:solidFill>
+          <a:ln>
+            <a:noFill/>
+          </a:ln>
+          <a:effectLst/>
+        </p:spPr>
+        <p:style>
+          <a:lnRef idx="1">
+            <a:schemeClr val="accent1"/>
+          </a:lnRef>
+          <a:fillRef idx="3">
+            <a:schemeClr val="accent1"/>
+          </a:fillRef>
+          <a:effectRef idx="2">
+            <a:schemeClr val="accent1"/>
+          </a:effectRef>
+          <a:fontRef idx="minor">
+            <a:schemeClr val="lt1"/>
+          </a:fontRef>
+        </p:style>
+        <p:txBody>
+          <a:bodyPr rtlCol="0" anchor="ctr"/>
+          <a:lstStyle/>
+          <a:p>
+            <a:pPr algn="ctr"/>
+            <a:endParaRPr lang="de-DE"/>
+          </a:p>
+        </p:txBody>
+      </p:sp>
+    </p:spTree>
+    <p:extLst>
+      <p:ext uri="{BB962C8B-B14F-4D97-AF65-F5344CB8AC3E}">
+        <p14:creationId xmlns:p14="http://schemas.microsoft.com/office/powerpoint/2010/main" val="2618785346"/>
+      </p:ext>
+    </p:extLst>
+  </p:cSld>
+  <p:clrMapOvr>
+    <a:masterClrMapping/>
+  </p:clrMapOvr>
+</p:sld>
+</file>
+
+<file path=ppt/slides/slide5.xml><?xml version="1.0" encoding="utf-8"?>
+<p:sld xmlns:a="http://schemas.openxmlformats.org/drawingml/2006/main" xmlns:r="http://schemas.openxmlformats.org/officeDocument/2006/relationships" xmlns:p="http://schemas.openxmlformats.org/presentationml/2006/main">
+  <p:cSld>
+    <p:spTree>
+      <p:nvGrpSpPr>
+        <p:cNvPr id="1" name=""/>
+        <p:cNvGrpSpPr/>
+        <p:nvPr/>
+      </p:nvGrpSpPr>
+      <p:grpSpPr>
+        <a:xfrm>
+          <a:off x="0" y="0"/>
+          <a:ext cx="0" cy="0"/>
+          <a:chOff x="0" y="0"/>
+          <a:chExt cx="0" cy="0"/>
+        </a:xfrm>
+      </p:grpSpPr>
+      <p:sp>
+        <p:nvSpPr>
+          <p:cNvPr id="2" name="Textplatzhalter 1">
+            <a:extLst>
+              <a:ext uri="{FF2B5EF4-FFF2-40B4-BE49-F238E27FC236}">
+                <a16:creationId xmlns:a16="http://schemas.microsoft.com/office/drawing/2014/main" id="{5B397D4E-4317-460A-A665-764C91367F07}"/>
+              </a:ext>
+            </a:extLst>
+          </p:cNvPr>
+          <p:cNvSpPr>
+            <a:spLocks noGrp="1"/>
+          </p:cNvSpPr>
+          <p:nvPr>
+            <p:ph type="body" sz="quarter" idx="13"/>
+          </p:nvPr>
+        </p:nvSpPr>
+        <p:spPr/>
+        <p:txBody>
+          <a:bodyPr/>
+          <a:lstStyle/>
+          <a:p>
+            <a:pPr algn="ctr"/>
+            <a:r>
+              <a:rPr lang="de-DE" dirty="0" err="1"/>
+              <a:t>Product</a:t>
+            </a:r>
+            <a:endParaRPr lang="de-DE" dirty="0"/>
+          </a:p>
+        </p:txBody>
+      </p:sp>
+      <p:sp>
+        <p:nvSpPr>
+          <p:cNvPr id="3" name="Textplatzhalter 2">
+            <a:extLst>
+              <a:ext uri="{FF2B5EF4-FFF2-40B4-BE49-F238E27FC236}">
+                <a16:creationId xmlns:a16="http://schemas.microsoft.com/office/drawing/2014/main" id="{BDA74449-E3C1-4894-9086-9C8AD40FDE72}"/>
+              </a:ext>
+            </a:extLst>
+          </p:cNvPr>
+          <p:cNvSpPr>
+            <a:spLocks noGrp="1"/>
+          </p:cNvSpPr>
+          <p:nvPr>
+            <p:ph type="body" sz="quarter" idx="14"/>
+          </p:nvPr>
+        </p:nvSpPr>
+        <p:spPr/>
+        <p:txBody>
+          <a:bodyPr/>
+          <a:lstStyle/>
+          <a:p>
+            <a:r>
+              <a:rPr lang="de-DE" dirty="0"/>
+              <a:t>Add </a:t>
+            </a:r>
+            <a:r>
+              <a:rPr lang="de-DE" dirty="0" err="1"/>
+              <a:t>screenshot</a:t>
+            </a:r>
+            <a:r>
+              <a:rPr lang="de-DE" dirty="0"/>
+              <a:t> </a:t>
+            </a:r>
+            <a:r>
+              <a:rPr lang="de-DE" dirty="0" err="1"/>
+              <a:t>of</a:t>
+            </a:r>
+            <a:r>
+              <a:rPr lang="de-DE" dirty="0"/>
+              <a:t> final GUI</a:t>
+            </a:r>
+          </a:p>
+        </p:txBody>
+      </p:sp>
+      <p:sp>
+        <p:nvSpPr>
+          <p:cNvPr id="4" name="Datumsplatzhalter 3">
+            <a:extLst>
+              <a:ext uri="{FF2B5EF4-FFF2-40B4-BE49-F238E27FC236}">
+                <a16:creationId xmlns:a16="http://schemas.microsoft.com/office/drawing/2014/main" id="{17B4E98B-30AD-49D1-91AC-5AD245D9C49E}"/>
+              </a:ext>
+            </a:extLst>
+          </p:cNvPr>
+          <p:cNvSpPr>
+            <a:spLocks noGrp="1"/>
+          </p:cNvSpPr>
+          <p:nvPr>
+            <p:ph type="dt" sz="half" idx="2"/>
+          </p:nvPr>
+        </p:nvSpPr>
+        <p:spPr/>
+        <p:txBody>
+          <a:bodyPr/>
+          <a:lstStyle/>
+          <a:p>
+            <a:fld id="{09D069C5-CC22-4E88-BB35-FA27CD7EA121}" type="datetime1">
+              <a:rPr lang="de-DE" smtClean="0"/>
+              <a:t>01.07.2020</a:t>
+            </a:fld>
+            <a:endParaRPr lang="de-DE" dirty="0"/>
+          </a:p>
+        </p:txBody>
+      </p:sp>
+      <p:sp>
+        <p:nvSpPr>
+          <p:cNvPr id="5" name="Fußzeilenplatzhalter 4">
+            <a:extLst>
+              <a:ext uri="{FF2B5EF4-FFF2-40B4-BE49-F238E27FC236}">
+                <a16:creationId xmlns:a16="http://schemas.microsoft.com/office/drawing/2014/main" id="{6866D9C7-EB32-4BF1-93BB-7BEB5EB8B380}"/>
+              </a:ext>
+            </a:extLst>
+          </p:cNvPr>
+          <p:cNvSpPr>
+            <a:spLocks noGrp="1"/>
+          </p:cNvSpPr>
+          <p:nvPr>
+            <p:ph type="ftr" sz="quarter" idx="3"/>
+          </p:nvPr>
+        </p:nvSpPr>
+        <p:spPr/>
+        <p:txBody>
+          <a:bodyPr/>
+          <a:lstStyle/>
+          <a:p>
+            <a:r>
+              <a:rPr lang="de-DE"/>
+              <a:t>Group 5 - Facial emotion recognition</a:t>
+            </a:r>
+            <a:endParaRPr lang="de-DE" dirty="0"/>
+          </a:p>
+        </p:txBody>
+      </p:sp>
+      <p:sp>
+        <p:nvSpPr>
+          <p:cNvPr id="6" name="Foliennummernplatzhalter 5">
+            <a:extLst>
+              <a:ext uri="{FF2B5EF4-FFF2-40B4-BE49-F238E27FC236}">
+                <a16:creationId xmlns:a16="http://schemas.microsoft.com/office/drawing/2014/main" id="{32488A70-7BBC-496E-BFEC-9017CABA6593}"/>
+              </a:ext>
+            </a:extLst>
+          </p:cNvPr>
+          <p:cNvSpPr>
+            <a:spLocks noGrp="1"/>
+          </p:cNvSpPr>
+          <p:nvPr>
+            <p:ph type="sldNum" sz="quarter" idx="4"/>
+          </p:nvPr>
+        </p:nvSpPr>
+        <p:spPr/>
+        <p:txBody>
+          <a:bodyPr/>
+          <a:lstStyle/>
+          <a:p>
+            <a:fld id="{3E01A2B2-10AD-754B-9B4C-E5B6FED423D0}" type="slidenum">
+              <a:rPr lang="de-DE" smtClean="0"/>
+              <a:t>5</a:t>
+            </a:fld>
+            <a:endParaRPr lang="de-DE"/>
+          </a:p>
+        </p:txBody>
+      </p:sp>
+      <p:sp>
+        <p:nvSpPr>
+          <p:cNvPr id="7" name="Ellipse 6">
+            <a:extLst>
+              <a:ext uri="{FF2B5EF4-FFF2-40B4-BE49-F238E27FC236}">
+                <a16:creationId xmlns:a16="http://schemas.microsoft.com/office/drawing/2014/main" id="{D18DA7AD-1BE1-4A3F-9B1F-A0C64CBB8D42}"/>
+              </a:ext>
+            </a:extLst>
+          </p:cNvPr>
+          <p:cNvSpPr/>
+          <p:nvPr/>
+        </p:nvSpPr>
+        <p:spPr>
+          <a:xfrm>
+            <a:off x="7506000" y="527588"/>
+            <a:ext cx="79209" cy="79209"/>
+          </a:xfrm>
+          <a:prstGeom prst="ellipse">
+            <a:avLst/>
+          </a:prstGeom>
+          <a:solidFill>
+            <a:srgbClr val="FF0000"/>
+          </a:solidFill>
+          <a:ln>
+            <a:noFill/>
+          </a:ln>
+          <a:effectLst/>
+        </p:spPr>
+        <p:style>
+          <a:lnRef idx="1">
+            <a:schemeClr val="accent1"/>
+          </a:lnRef>
+          <a:fillRef idx="3">
+            <a:schemeClr val="accent1"/>
+          </a:fillRef>
+          <a:effectRef idx="2">
+            <a:schemeClr val="accent1"/>
+          </a:effectRef>
+          <a:fontRef idx="minor">
+            <a:schemeClr val="lt1"/>
+          </a:fontRef>
+        </p:style>
+        <p:txBody>
+          <a:bodyPr rtlCol="0" anchor="ctr"/>
+          <a:lstStyle/>
+          <a:p>
+            <a:pPr algn="ctr"/>
+            <a:endParaRPr lang="de-DE"/>
+          </a:p>
+        </p:txBody>
+      </p:sp>
+    </p:spTree>
+    <p:extLst>
+      <p:ext uri="{BB962C8B-B14F-4D97-AF65-F5344CB8AC3E}">
+        <p14:creationId xmlns:p14="http://schemas.microsoft.com/office/powerpoint/2010/main" val="4224528330"/>
+      </p:ext>
+    </p:extLst>
+  </p:cSld>
+  <p:clrMapOvr>
+    <a:masterClrMapping/>
+  </p:clrMapOvr>
+</p:sld>
+</file>
+
+<file path=ppt/slides/slide6.xml><?xml version="1.0" encoding="utf-8"?>
+<p:sld xmlns:a="http://schemas.openxmlformats.org/drawingml/2006/main" xmlns:r="http://schemas.openxmlformats.org/officeDocument/2006/relationships" xmlns:p="http://schemas.openxmlformats.org/presentationml/2006/main">
+  <p:cSld>
+    <p:spTree>
+      <p:nvGrpSpPr>
+        <p:cNvPr id="1" name=""/>
+        <p:cNvGrpSpPr/>
+        <p:nvPr/>
+      </p:nvGrpSpPr>
+      <p:grpSpPr>
+        <a:xfrm>
+          <a:off x="0" y="0"/>
+          <a:ext cx="0" cy="0"/>
+          <a:chOff x="0" y="0"/>
+          <a:chExt cx="0" cy="0"/>
+        </a:xfrm>
+      </p:grpSpPr>
+      <p:sp>
+        <p:nvSpPr>
+          <p:cNvPr id="2" name="Textplatzhalter 1">
+            <a:extLst>
+              <a:ext uri="{FF2B5EF4-FFF2-40B4-BE49-F238E27FC236}">
+                <a16:creationId xmlns:a16="http://schemas.microsoft.com/office/drawing/2014/main" id="{5B397D4E-4317-460A-A665-764C91367F07}"/>
+              </a:ext>
+            </a:extLst>
+          </p:cNvPr>
+          <p:cNvSpPr>
+            <a:spLocks noGrp="1"/>
+          </p:cNvSpPr>
+          <p:nvPr>
+            <p:ph type="body" sz="quarter" idx="13"/>
+          </p:nvPr>
+        </p:nvSpPr>
+        <p:spPr/>
+        <p:txBody>
+          <a:bodyPr/>
+          <a:lstStyle/>
+          <a:p>
+            <a:r>
+              <a:rPr lang="de-DE" dirty="0" err="1"/>
+              <a:t>Algorithms</a:t>
+            </a:r>
+            <a:r>
+              <a:rPr lang="de-DE" dirty="0"/>
+              <a:t> Start</a:t>
+            </a:r>
+          </a:p>
+        </p:txBody>
+      </p:sp>
+      <p:sp>
+        <p:nvSpPr>
+          <p:cNvPr id="3" name="Textplatzhalter 2">
+            <a:extLst>
+              <a:ext uri="{FF2B5EF4-FFF2-40B4-BE49-F238E27FC236}">
+                <a16:creationId xmlns:a16="http://schemas.microsoft.com/office/drawing/2014/main" id="{BDA74449-E3C1-4894-9086-9C8AD40FDE72}"/>
+              </a:ext>
+            </a:extLst>
+          </p:cNvPr>
+          <p:cNvSpPr>
+            <a:spLocks noGrp="1"/>
+          </p:cNvSpPr>
+          <p:nvPr>
+            <p:ph type="body" sz="quarter" idx="14"/>
+          </p:nvPr>
+        </p:nvSpPr>
+        <p:spPr/>
+        <p:txBody>
+          <a:bodyPr/>
+          <a:lstStyle/>
+          <a:p>
+            <a:r>
+              <a:rPr lang="de-DE" dirty="0"/>
+              <a:t>Here </a:t>
+            </a:r>
+            <a:r>
+              <a:rPr lang="de-DE" dirty="0" err="1"/>
+              <a:t>we</a:t>
+            </a:r>
+            <a:r>
+              <a:rPr lang="de-DE" dirty="0"/>
+              <a:t> </a:t>
+            </a:r>
+            <a:r>
+              <a:rPr lang="de-DE" dirty="0" err="1"/>
+              <a:t>should</a:t>
+            </a:r>
+            <a:r>
+              <a:rPr lang="de-DE" dirty="0"/>
+              <a:t> </a:t>
+            </a:r>
+            <a:r>
+              <a:rPr lang="de-DE" dirty="0" err="1"/>
+              <a:t>give</a:t>
+            </a:r>
+            <a:r>
+              <a:rPr lang="de-DE" dirty="0"/>
+              <a:t> an </a:t>
+            </a:r>
+            <a:r>
+              <a:rPr lang="de-DE" dirty="0" err="1"/>
+              <a:t>overview</a:t>
+            </a:r>
+            <a:r>
+              <a:rPr lang="de-DE" dirty="0"/>
+              <a:t> </a:t>
+            </a:r>
+            <a:r>
+              <a:rPr lang="de-DE" dirty="0" err="1"/>
+              <a:t>of</a:t>
+            </a:r>
+            <a:r>
+              <a:rPr lang="de-DE" dirty="0"/>
+              <a:t> </a:t>
+            </a:r>
+            <a:r>
+              <a:rPr lang="de-DE" dirty="0" err="1"/>
+              <a:t>our</a:t>
+            </a:r>
+            <a:r>
+              <a:rPr lang="de-DE" dirty="0"/>
+              <a:t> </a:t>
+            </a:r>
+            <a:r>
+              <a:rPr lang="de-DE" dirty="0" err="1"/>
+              <a:t>algorithms</a:t>
+            </a:r>
+            <a:r>
+              <a:rPr lang="de-DE" dirty="0"/>
+              <a:t>. Also </a:t>
+            </a:r>
+            <a:r>
+              <a:rPr lang="de-DE" dirty="0" err="1"/>
+              <a:t>we</a:t>
+            </a:r>
+            <a:r>
+              <a:rPr lang="de-DE" dirty="0"/>
+              <a:t> </a:t>
+            </a:r>
+            <a:r>
+              <a:rPr lang="de-DE" dirty="0" err="1"/>
+              <a:t>should</a:t>
+            </a:r>
+            <a:r>
+              <a:rPr lang="de-DE" dirty="0"/>
+              <a:t> </a:t>
+            </a:r>
+            <a:r>
+              <a:rPr lang="de-DE" dirty="0" err="1"/>
+              <a:t>mention</a:t>
+            </a:r>
+            <a:r>
+              <a:rPr lang="de-DE" dirty="0"/>
+              <a:t> </a:t>
+            </a:r>
+            <a:r>
+              <a:rPr lang="de-DE" dirty="0" err="1"/>
+              <a:t>that</a:t>
+            </a:r>
+            <a:r>
+              <a:rPr lang="de-DE" dirty="0"/>
+              <a:t> </a:t>
+            </a:r>
+            <a:r>
+              <a:rPr lang="de-DE" dirty="0" err="1"/>
+              <a:t>we</a:t>
+            </a:r>
+            <a:r>
+              <a:rPr lang="de-DE" dirty="0"/>
+              <a:t> </a:t>
+            </a:r>
+            <a:r>
+              <a:rPr lang="de-DE" dirty="0" err="1"/>
+              <a:t>implemented</a:t>
+            </a:r>
+            <a:r>
+              <a:rPr lang="de-DE" dirty="0"/>
+              <a:t> CNN </a:t>
+            </a:r>
+            <a:r>
+              <a:rPr lang="de-DE" dirty="0" err="1"/>
+              <a:t>because</a:t>
+            </a:r>
+            <a:r>
+              <a:rPr lang="de-DE" dirty="0"/>
+              <a:t> </a:t>
+            </a:r>
+            <a:r>
+              <a:rPr lang="de-DE" dirty="0" err="1"/>
+              <a:t>its</a:t>
+            </a:r>
+            <a:r>
+              <a:rPr lang="de-DE" dirty="0"/>
+              <a:t> </a:t>
+            </a:r>
+            <a:r>
+              <a:rPr lang="de-DE" dirty="0" err="1"/>
+              <a:t>normaly</a:t>
+            </a:r>
+            <a:r>
+              <a:rPr lang="de-DE" dirty="0"/>
+              <a:t> </a:t>
+            </a:r>
+            <a:r>
+              <a:rPr lang="de-DE" dirty="0" err="1"/>
+              <a:t>the</a:t>
+            </a:r>
+            <a:r>
+              <a:rPr lang="de-DE" dirty="0"/>
+              <a:t> </a:t>
+            </a:r>
+            <a:r>
+              <a:rPr lang="de-DE" dirty="0" err="1"/>
+              <a:t>common</a:t>
+            </a:r>
+            <a:r>
+              <a:rPr lang="de-DE" dirty="0"/>
+              <a:t> </a:t>
+            </a:r>
+            <a:r>
+              <a:rPr lang="de-DE" dirty="0" err="1"/>
+              <a:t>solution</a:t>
+            </a:r>
+            <a:r>
+              <a:rPr lang="de-DE" dirty="0"/>
+              <a:t> </a:t>
+            </a:r>
+            <a:r>
+              <a:rPr lang="de-DE" dirty="0" err="1"/>
+              <a:t>for</a:t>
+            </a:r>
+            <a:r>
+              <a:rPr lang="de-DE" dirty="0"/>
+              <a:t> </a:t>
+            </a:r>
+            <a:r>
+              <a:rPr lang="de-DE" dirty="0" err="1"/>
+              <a:t>this</a:t>
+            </a:r>
+            <a:r>
+              <a:rPr lang="de-DE" dirty="0"/>
+              <a:t> </a:t>
+            </a:r>
+            <a:r>
+              <a:rPr lang="de-DE" dirty="0" err="1"/>
+              <a:t>problem</a:t>
+            </a:r>
+            <a:r>
+              <a:rPr lang="de-DE" dirty="0"/>
+              <a:t>, but </a:t>
+            </a:r>
+            <a:r>
+              <a:rPr lang="de-DE" dirty="0" err="1"/>
+              <a:t>wanted</a:t>
+            </a:r>
+            <a:r>
+              <a:rPr lang="de-DE" dirty="0"/>
+              <a:t> </a:t>
+            </a:r>
+            <a:r>
+              <a:rPr lang="de-DE" dirty="0" err="1"/>
+              <a:t>to</a:t>
+            </a:r>
+            <a:r>
+              <a:rPr lang="de-DE" dirty="0"/>
+              <a:t> </a:t>
+            </a:r>
+            <a:r>
+              <a:rPr lang="de-DE" dirty="0" err="1"/>
+              <a:t>have</a:t>
+            </a:r>
+            <a:r>
+              <a:rPr lang="de-DE" dirty="0"/>
+              <a:t> </a:t>
+            </a:r>
+            <a:r>
+              <a:rPr lang="de-DE" dirty="0" err="1"/>
+              <a:t>some</a:t>
+            </a:r>
+            <a:r>
+              <a:rPr lang="de-DE" dirty="0"/>
+              <a:t> </a:t>
+            </a:r>
+            <a:r>
+              <a:rPr lang="de-DE" dirty="0" err="1"/>
+              <a:t>other</a:t>
+            </a:r>
+            <a:r>
+              <a:rPr lang="de-DE" dirty="0"/>
+              <a:t> </a:t>
+            </a:r>
+            <a:r>
+              <a:rPr lang="de-DE" dirty="0" err="1"/>
+              <a:t>algorithms</a:t>
+            </a:r>
+            <a:r>
+              <a:rPr lang="de-DE" dirty="0"/>
+              <a:t> </a:t>
+            </a:r>
+            <a:r>
+              <a:rPr lang="de-DE" dirty="0" err="1"/>
+              <a:t>to</a:t>
+            </a:r>
+            <a:r>
+              <a:rPr lang="de-DE" dirty="0"/>
+              <a:t> </a:t>
+            </a:r>
+            <a:r>
+              <a:rPr lang="de-DE" dirty="0" err="1"/>
+              <a:t>compare</a:t>
+            </a:r>
+            <a:r>
+              <a:rPr lang="de-DE" dirty="0"/>
+              <a:t> </a:t>
+            </a:r>
+            <a:r>
+              <a:rPr lang="de-DE" dirty="0" err="1"/>
+              <a:t>with</a:t>
+            </a:r>
+            <a:r>
+              <a:rPr lang="de-DE" dirty="0"/>
+              <a:t>.</a:t>
+            </a:r>
+          </a:p>
+        </p:txBody>
+      </p:sp>
+      <p:sp>
+        <p:nvSpPr>
+          <p:cNvPr id="4" name="Datumsplatzhalter 3">
+            <a:extLst>
+              <a:ext uri="{FF2B5EF4-FFF2-40B4-BE49-F238E27FC236}">
+                <a16:creationId xmlns:a16="http://schemas.microsoft.com/office/drawing/2014/main" id="{17B4E98B-30AD-49D1-91AC-5AD245D9C49E}"/>
+              </a:ext>
+            </a:extLst>
+          </p:cNvPr>
+          <p:cNvSpPr>
+            <a:spLocks noGrp="1"/>
+          </p:cNvSpPr>
+          <p:nvPr>
+            <p:ph type="dt" sz="half" idx="2"/>
+          </p:nvPr>
+        </p:nvSpPr>
+        <p:spPr/>
+        <p:txBody>
+          <a:bodyPr/>
+          <a:lstStyle/>
+          <a:p>
+            <a:fld id="{09D069C5-CC22-4E88-BB35-FA27CD7EA121}" type="datetime1">
+              <a:rPr lang="de-DE" smtClean="0"/>
+              <a:t>01.07.2020</a:t>
+            </a:fld>
+            <a:endParaRPr lang="de-DE" dirty="0"/>
+          </a:p>
+        </p:txBody>
+      </p:sp>
+      <p:sp>
+        <p:nvSpPr>
+          <p:cNvPr id="5" name="Fußzeilenplatzhalter 4">
+            <a:extLst>
+              <a:ext uri="{FF2B5EF4-FFF2-40B4-BE49-F238E27FC236}">
+                <a16:creationId xmlns:a16="http://schemas.microsoft.com/office/drawing/2014/main" id="{6866D9C7-EB32-4BF1-93BB-7BEB5EB8B380}"/>
+              </a:ext>
+            </a:extLst>
+          </p:cNvPr>
+          <p:cNvSpPr>
+            <a:spLocks noGrp="1"/>
+          </p:cNvSpPr>
+          <p:nvPr>
+            <p:ph type="ftr" sz="quarter" idx="3"/>
+          </p:nvPr>
+        </p:nvSpPr>
+        <p:spPr/>
+        <p:txBody>
+          <a:bodyPr/>
+          <a:lstStyle/>
+          <a:p>
+            <a:r>
+              <a:rPr lang="de-DE"/>
+              <a:t>Group 5 - Facial emotion recognition</a:t>
+            </a:r>
+            <a:endParaRPr lang="de-DE" dirty="0"/>
+          </a:p>
+        </p:txBody>
+      </p:sp>
+      <p:sp>
+        <p:nvSpPr>
+          <p:cNvPr id="6" name="Foliennummernplatzhalter 5">
+            <a:extLst>
+              <a:ext uri="{FF2B5EF4-FFF2-40B4-BE49-F238E27FC236}">
+                <a16:creationId xmlns:a16="http://schemas.microsoft.com/office/drawing/2014/main" id="{32488A70-7BBC-496E-BFEC-9017CABA6593}"/>
+              </a:ext>
+            </a:extLst>
+          </p:cNvPr>
+          <p:cNvSpPr>
+            <a:spLocks noGrp="1"/>
+          </p:cNvSpPr>
+          <p:nvPr>
+            <p:ph type="sldNum" sz="quarter" idx="4"/>
+          </p:nvPr>
+        </p:nvSpPr>
+        <p:spPr/>
+        <p:txBody>
+          <a:bodyPr/>
+          <a:lstStyle/>
+          <a:p>
+            <a:fld id="{3E01A2B2-10AD-754B-9B4C-E5B6FED423D0}" type="slidenum">
+              <a:rPr lang="de-DE" smtClean="0"/>
+              <a:t>6</a:t>
+            </a:fld>
+            <a:endParaRPr lang="de-DE"/>
+          </a:p>
+        </p:txBody>
+      </p:sp>
+      <p:sp>
+        <p:nvSpPr>
+          <p:cNvPr id="7" name="Ellipse 6">
+            <a:extLst>
+              <a:ext uri="{FF2B5EF4-FFF2-40B4-BE49-F238E27FC236}">
+                <a16:creationId xmlns:a16="http://schemas.microsoft.com/office/drawing/2014/main" id="{D18DA7AD-1BE1-4A3F-9B1F-A0C64CBB8D42}"/>
+              </a:ext>
+            </a:extLst>
+          </p:cNvPr>
+          <p:cNvSpPr/>
+          <p:nvPr/>
+        </p:nvSpPr>
+        <p:spPr>
+          <a:xfrm>
+            <a:off x="7506000" y="660839"/>
+            <a:ext cx="79209" cy="79209"/>
+          </a:xfrm>
+          <a:prstGeom prst="ellipse">
+            <a:avLst/>
+          </a:prstGeom>
+          <a:solidFill>
+            <a:srgbClr val="FF0000"/>
+          </a:solidFill>
+          <a:ln>
+            <a:noFill/>
+          </a:ln>
+          <a:effectLst/>
+        </p:spPr>
+        <p:style>
+          <a:lnRef idx="1">
+            <a:schemeClr val="accent1"/>
+          </a:lnRef>
+          <a:fillRef idx="3">
+            <a:schemeClr val="accent1"/>
+          </a:fillRef>
+          <a:effectRef idx="2">
+            <a:schemeClr val="accent1"/>
+          </a:effectRef>
+          <a:fontRef idx="minor">
+            <a:schemeClr val="lt1"/>
+          </a:fontRef>
+        </p:style>
+        <p:txBody>
+          <a:bodyPr rtlCol="0" anchor="ctr"/>
+          <a:lstStyle/>
+          <a:p>
+            <a:pPr algn="ctr"/>
+            <a:endParaRPr lang="de-DE"/>
+          </a:p>
+        </p:txBody>
+      </p:sp>
+    </p:spTree>
+    <p:extLst>
+      <p:ext uri="{BB962C8B-B14F-4D97-AF65-F5344CB8AC3E}">
+        <p14:creationId xmlns:p14="http://schemas.microsoft.com/office/powerpoint/2010/main" val="3981592959"/>
+      </p:ext>
+    </p:extLst>
+  </p:cSld>
+  <p:clrMapOvr>
+    <a:masterClrMapping/>
+  </p:clrMapOvr>
+</p:sld>
+</file>
+
+<file path=ppt/slides/slide7.xml><?xml version="1.0" encoding="utf-8"?>
+<p:sld xmlns:a="http://schemas.openxmlformats.org/drawingml/2006/main" xmlns:r="http://schemas.openxmlformats.org/officeDocument/2006/relationships" xmlns:p="http://schemas.openxmlformats.org/presentationml/2006/main">
+  <p:cSld>
+    <p:spTree>
+      <p:nvGrpSpPr>
+        <p:cNvPr id="1" name=""/>
+        <p:cNvGrpSpPr/>
+        <p:nvPr/>
+      </p:nvGrpSpPr>
+      <p:grpSpPr>
+        <a:xfrm>
+          <a:off x="0" y="0"/>
+          <a:ext cx="0" cy="0"/>
+          <a:chOff x="0" y="0"/>
+          <a:chExt cx="0" cy="0"/>
+        </a:xfrm>
+      </p:grpSpPr>
+      <p:sp>
+        <p:nvSpPr>
+          <p:cNvPr id="2" name="Textplatzhalter 1">
+            <a:extLst>
+              <a:ext uri="{FF2B5EF4-FFF2-40B4-BE49-F238E27FC236}">
+                <a16:creationId xmlns:a16="http://schemas.microsoft.com/office/drawing/2014/main" id="{5B397D4E-4317-460A-A665-764C91367F07}"/>
+              </a:ext>
+            </a:extLst>
+          </p:cNvPr>
+          <p:cNvSpPr>
+            <a:spLocks noGrp="1"/>
+          </p:cNvSpPr>
+          <p:nvPr>
+            <p:ph type="body" sz="quarter" idx="13"/>
+          </p:nvPr>
+        </p:nvSpPr>
+        <p:spPr/>
+        <p:txBody>
+          <a:bodyPr/>
+          <a:lstStyle/>
+          <a:p>
+            <a:pPr algn="ctr"/>
+            <a:r>
+              <a:rPr lang="de-DE" dirty="0"/>
+              <a:t>KNN</a:t>
+            </a:r>
+          </a:p>
+        </p:txBody>
+      </p:sp>
+      <p:sp>
+        <p:nvSpPr>
+          <p:cNvPr id="3" name="Textplatzhalter 2">
+            <a:extLst>
+              <a:ext uri="{FF2B5EF4-FFF2-40B4-BE49-F238E27FC236}">
+                <a16:creationId xmlns:a16="http://schemas.microsoft.com/office/drawing/2014/main" id="{BDA74449-E3C1-4894-9086-9C8AD40FDE72}"/>
+              </a:ext>
+            </a:extLst>
+          </p:cNvPr>
+          <p:cNvSpPr>
+            <a:spLocks noGrp="1"/>
+          </p:cNvSpPr>
+          <p:nvPr>
+            <p:ph type="body" sz="quarter" idx="14"/>
+          </p:nvPr>
+        </p:nvSpPr>
+        <p:spPr/>
+        <p:txBody>
+          <a:bodyPr/>
+          <a:lstStyle/>
+          <a:p>
+            <a:endParaRPr lang="de-DE"/>
+          </a:p>
+        </p:txBody>
+      </p:sp>
+      <p:sp>
+        <p:nvSpPr>
+          <p:cNvPr id="4" name="Datumsplatzhalter 3">
+            <a:extLst>
+              <a:ext uri="{FF2B5EF4-FFF2-40B4-BE49-F238E27FC236}">
+                <a16:creationId xmlns:a16="http://schemas.microsoft.com/office/drawing/2014/main" id="{17B4E98B-30AD-49D1-91AC-5AD245D9C49E}"/>
+              </a:ext>
+            </a:extLst>
+          </p:cNvPr>
+          <p:cNvSpPr>
+            <a:spLocks noGrp="1"/>
+          </p:cNvSpPr>
+          <p:nvPr>
+            <p:ph type="dt" sz="half" idx="2"/>
+          </p:nvPr>
+        </p:nvSpPr>
+        <p:spPr/>
+        <p:txBody>
+          <a:bodyPr/>
+          <a:lstStyle/>
+          <a:p>
+            <a:fld id="{09D069C5-CC22-4E88-BB35-FA27CD7EA121}" type="datetime1">
+              <a:rPr lang="de-DE" smtClean="0"/>
+              <a:t>01.07.2020</a:t>
+            </a:fld>
+            <a:endParaRPr lang="de-DE" dirty="0"/>
+          </a:p>
+        </p:txBody>
+      </p:sp>
+      <p:sp>
+        <p:nvSpPr>
+          <p:cNvPr id="5" name="Fußzeilenplatzhalter 4">
+            <a:extLst>
+              <a:ext uri="{FF2B5EF4-FFF2-40B4-BE49-F238E27FC236}">
+                <a16:creationId xmlns:a16="http://schemas.microsoft.com/office/drawing/2014/main" id="{6866D9C7-EB32-4BF1-93BB-7BEB5EB8B380}"/>
+              </a:ext>
+            </a:extLst>
+          </p:cNvPr>
+          <p:cNvSpPr>
+            <a:spLocks noGrp="1"/>
+          </p:cNvSpPr>
+          <p:nvPr>
+            <p:ph type="ftr" sz="quarter" idx="3"/>
+          </p:nvPr>
+        </p:nvSpPr>
+        <p:spPr/>
+        <p:txBody>
+          <a:bodyPr/>
+          <a:lstStyle/>
+          <a:p>
+            <a:r>
+              <a:rPr lang="de-DE"/>
+              <a:t>Group 5 - Facial emotion recognition</a:t>
+            </a:r>
+            <a:endParaRPr lang="de-DE" dirty="0"/>
+          </a:p>
+        </p:txBody>
+      </p:sp>
+      <p:sp>
+        <p:nvSpPr>
+          <p:cNvPr id="6" name="Foliennummernplatzhalter 5">
+            <a:extLst>
+              <a:ext uri="{FF2B5EF4-FFF2-40B4-BE49-F238E27FC236}">
+                <a16:creationId xmlns:a16="http://schemas.microsoft.com/office/drawing/2014/main" id="{32488A70-7BBC-496E-BFEC-9017CABA6593}"/>
+              </a:ext>
+            </a:extLst>
+          </p:cNvPr>
+          <p:cNvSpPr>
+            <a:spLocks noGrp="1"/>
+          </p:cNvSpPr>
+          <p:nvPr>
+            <p:ph type="sldNum" sz="quarter" idx="4"/>
+          </p:nvPr>
+        </p:nvSpPr>
+        <p:spPr/>
+        <p:txBody>
+          <a:bodyPr/>
+          <a:lstStyle/>
+          <a:p>
+            <a:fld id="{3E01A2B2-10AD-754B-9B4C-E5B6FED423D0}" type="slidenum">
+              <a:rPr lang="de-DE" smtClean="0"/>
+              <a:t>7</a:t>
+            </a:fld>
+            <a:endParaRPr lang="de-DE"/>
+          </a:p>
+        </p:txBody>
+      </p:sp>
+      <p:sp>
+        <p:nvSpPr>
+          <p:cNvPr id="7" name="Ellipse 6">
+            <a:extLst>
+              <a:ext uri="{FF2B5EF4-FFF2-40B4-BE49-F238E27FC236}">
+                <a16:creationId xmlns:a16="http://schemas.microsoft.com/office/drawing/2014/main" id="{D18DA7AD-1BE1-4A3F-9B1F-A0C64CBB8D42}"/>
+              </a:ext>
+            </a:extLst>
+          </p:cNvPr>
+          <p:cNvSpPr/>
+          <p:nvPr/>
+        </p:nvSpPr>
+        <p:spPr>
+          <a:xfrm>
+            <a:off x="7506000" y="660839"/>
+            <a:ext cx="79209" cy="79209"/>
+          </a:xfrm>
+          <a:prstGeom prst="ellipse">
+            <a:avLst/>
+          </a:prstGeom>
+          <a:solidFill>
+            <a:srgbClr val="FF0000"/>
+          </a:solidFill>
+          <a:ln>
+            <a:noFill/>
+          </a:ln>
+          <a:effectLst/>
+        </p:spPr>
+        <p:style>
+          <a:lnRef idx="1">
+            <a:schemeClr val="accent1"/>
+          </a:lnRef>
+          <a:fillRef idx="3">
+            <a:schemeClr val="accent1"/>
+          </a:fillRef>
+          <a:effectRef idx="2">
+            <a:schemeClr val="accent1"/>
+          </a:effectRef>
+          <a:fontRef idx="minor">
+            <a:schemeClr val="lt1"/>
+          </a:fontRef>
+        </p:style>
+        <p:txBody>
+          <a:bodyPr rtlCol="0" anchor="ctr"/>
+          <a:lstStyle/>
+          <a:p>
+            <a:pPr algn="ctr"/>
+            <a:endParaRPr lang="de-DE"/>
+          </a:p>
+        </p:txBody>
+      </p:sp>
+    </p:spTree>
+    <p:extLst>
+      <p:ext uri="{BB962C8B-B14F-4D97-AF65-F5344CB8AC3E}">
+        <p14:creationId xmlns:p14="http://schemas.microsoft.com/office/powerpoint/2010/main" val="3630975599"/>
+      </p:ext>
+    </p:extLst>
+  </p:cSld>
+  <p:clrMapOvr>
+    <a:masterClrMapping/>
+  </p:clrMapOvr>
+</p:sld>
+</file>
+
+<file path=ppt/slides/slide8.xml><?xml version="1.0" encoding="utf-8"?>
+<p:sld xmlns:a="http://schemas.openxmlformats.org/drawingml/2006/main" xmlns:r="http://schemas.openxmlformats.org/officeDocument/2006/relationships" xmlns:p="http://schemas.openxmlformats.org/presentationml/2006/main">
+  <p:cSld>
+    <p:spTree>
+      <p:nvGrpSpPr>
+        <p:cNvPr id="1" name=""/>
+        <p:cNvGrpSpPr/>
+        <p:nvPr/>
+      </p:nvGrpSpPr>
+      <p:grpSpPr>
+        <a:xfrm>
+          <a:off x="0" y="0"/>
+          <a:ext cx="0" cy="0"/>
+          <a:chOff x="0" y="0"/>
+          <a:chExt cx="0" cy="0"/>
+        </a:xfrm>
+      </p:grpSpPr>
+      <p:sp>
+        <p:nvSpPr>
+          <p:cNvPr id="2" name="Textplatzhalter 1">
+            <a:extLst>
+              <a:ext uri="{FF2B5EF4-FFF2-40B4-BE49-F238E27FC236}">
+                <a16:creationId xmlns:a16="http://schemas.microsoft.com/office/drawing/2014/main" id="{5B397D4E-4317-460A-A665-764C91367F07}"/>
+              </a:ext>
+            </a:extLst>
+          </p:cNvPr>
+          <p:cNvSpPr>
+            <a:spLocks noGrp="1"/>
+          </p:cNvSpPr>
+          <p:nvPr>
+            <p:ph type="body" sz="quarter" idx="13"/>
+          </p:nvPr>
+        </p:nvSpPr>
+        <p:spPr/>
+        <p:txBody>
+          <a:bodyPr/>
+          <a:lstStyle/>
+          <a:p>
+            <a:pPr algn="ctr"/>
+            <a:r>
+              <a:rPr lang="de-DE" dirty="0" err="1"/>
+              <a:t>Adaboost</a:t>
+            </a:r>
+            <a:endParaRPr lang="de-DE" dirty="0"/>
+          </a:p>
+        </p:txBody>
+      </p:sp>
+      <p:sp>
+        <p:nvSpPr>
+          <p:cNvPr id="3" name="Textplatzhalter 2">
+            <a:extLst>
+              <a:ext uri="{FF2B5EF4-FFF2-40B4-BE49-F238E27FC236}">
+                <a16:creationId xmlns:a16="http://schemas.microsoft.com/office/drawing/2014/main" id="{BDA74449-E3C1-4894-9086-9C8AD40FDE72}"/>
+              </a:ext>
+            </a:extLst>
+          </p:cNvPr>
+          <p:cNvSpPr>
+            <a:spLocks noGrp="1"/>
+          </p:cNvSpPr>
+          <p:nvPr>
+            <p:ph type="body" sz="quarter" idx="14"/>
+          </p:nvPr>
+        </p:nvSpPr>
+        <p:spPr/>
+        <p:txBody>
+          <a:bodyPr/>
+          <a:lstStyle/>
+          <a:p>
+            <a:endParaRPr lang="de-DE"/>
+          </a:p>
+        </p:txBody>
+      </p:sp>
+      <p:sp>
+        <p:nvSpPr>
+          <p:cNvPr id="4" name="Datumsplatzhalter 3">
+            <a:extLst>
+              <a:ext uri="{FF2B5EF4-FFF2-40B4-BE49-F238E27FC236}">
+                <a16:creationId xmlns:a16="http://schemas.microsoft.com/office/drawing/2014/main" id="{17B4E98B-30AD-49D1-91AC-5AD245D9C49E}"/>
+              </a:ext>
+            </a:extLst>
+          </p:cNvPr>
+          <p:cNvSpPr>
+            <a:spLocks noGrp="1"/>
+          </p:cNvSpPr>
+          <p:nvPr>
+            <p:ph type="dt" sz="half" idx="2"/>
+          </p:nvPr>
+        </p:nvSpPr>
+        <p:spPr/>
+        <p:txBody>
+          <a:bodyPr/>
+          <a:lstStyle/>
+          <a:p>
+            <a:fld id="{09D069C5-CC22-4E88-BB35-FA27CD7EA121}" type="datetime1">
+              <a:rPr lang="de-DE" smtClean="0"/>
+              <a:t>01.07.2020</a:t>
+            </a:fld>
+            <a:endParaRPr lang="de-DE" dirty="0"/>
+          </a:p>
+        </p:txBody>
+      </p:sp>
+      <p:sp>
+        <p:nvSpPr>
+          <p:cNvPr id="5" name="Fußzeilenplatzhalter 4">
+            <a:extLst>
+              <a:ext uri="{FF2B5EF4-FFF2-40B4-BE49-F238E27FC236}">
+                <a16:creationId xmlns:a16="http://schemas.microsoft.com/office/drawing/2014/main" id="{6866D9C7-EB32-4BF1-93BB-7BEB5EB8B380}"/>
+              </a:ext>
+            </a:extLst>
+          </p:cNvPr>
+          <p:cNvSpPr>
+            <a:spLocks noGrp="1"/>
+          </p:cNvSpPr>
+          <p:nvPr>
+            <p:ph type="ftr" sz="quarter" idx="3"/>
+          </p:nvPr>
+        </p:nvSpPr>
+        <p:spPr/>
+        <p:txBody>
+          <a:bodyPr/>
+          <a:lstStyle/>
+          <a:p>
+            <a:r>
+              <a:rPr lang="de-DE"/>
+              <a:t>Group 5 - Facial emotion recognition</a:t>
+            </a:r>
+            <a:endParaRPr lang="de-DE" dirty="0"/>
+          </a:p>
+        </p:txBody>
+      </p:sp>
+      <p:sp>
+        <p:nvSpPr>
+          <p:cNvPr id="6" name="Foliennummernplatzhalter 5">
+            <a:extLst>
+              <a:ext uri="{FF2B5EF4-FFF2-40B4-BE49-F238E27FC236}">
+                <a16:creationId xmlns:a16="http://schemas.microsoft.com/office/drawing/2014/main" id="{32488A70-7BBC-496E-BFEC-9017CABA6593}"/>
+              </a:ext>
+            </a:extLst>
+          </p:cNvPr>
+          <p:cNvSpPr>
+            <a:spLocks noGrp="1"/>
+          </p:cNvSpPr>
+          <p:nvPr>
+            <p:ph type="sldNum" sz="quarter" idx="4"/>
+          </p:nvPr>
+        </p:nvSpPr>
+        <p:spPr/>
+        <p:txBody>
+          <a:bodyPr/>
+          <a:lstStyle/>
+          <a:p>
+            <a:fld id="{3E01A2B2-10AD-754B-9B4C-E5B6FED423D0}" type="slidenum">
+              <a:rPr lang="de-DE" smtClean="0"/>
+              <a:t>8</a:t>
+            </a:fld>
+            <a:endParaRPr lang="de-DE"/>
+          </a:p>
+        </p:txBody>
+      </p:sp>
+      <p:sp>
+        <p:nvSpPr>
+          <p:cNvPr id="7" name="Ellipse 6">
+            <a:extLst>
+              <a:ext uri="{FF2B5EF4-FFF2-40B4-BE49-F238E27FC236}">
+                <a16:creationId xmlns:a16="http://schemas.microsoft.com/office/drawing/2014/main" id="{D18DA7AD-1BE1-4A3F-9B1F-A0C64CBB8D42}"/>
+              </a:ext>
+            </a:extLst>
+          </p:cNvPr>
+          <p:cNvSpPr/>
+          <p:nvPr/>
+        </p:nvSpPr>
+        <p:spPr>
+          <a:xfrm>
+            <a:off x="7506000" y="660839"/>
+            <a:ext cx="79209" cy="79209"/>
+          </a:xfrm>
+          <a:prstGeom prst="ellipse">
+            <a:avLst/>
+          </a:prstGeom>
+          <a:solidFill>
+            <a:srgbClr val="FF0000"/>
+          </a:solidFill>
+          <a:ln>
+            <a:noFill/>
+          </a:ln>
+          <a:effectLst/>
+        </p:spPr>
+        <p:style>
+          <a:lnRef idx="1">
+            <a:schemeClr val="accent1"/>
+          </a:lnRef>
+          <a:fillRef idx="3">
+            <a:schemeClr val="accent1"/>
+          </a:fillRef>
+          <a:effectRef idx="2">
+            <a:schemeClr val="accent1"/>
+          </a:effectRef>
+          <a:fontRef idx="minor">
+            <a:schemeClr val="lt1"/>
+          </a:fontRef>
+        </p:style>
+        <p:txBody>
+          <a:bodyPr rtlCol="0" anchor="ctr"/>
+          <a:lstStyle/>
+          <a:p>
+            <a:pPr algn="ctr"/>
+            <a:endParaRPr lang="de-DE"/>
+          </a:p>
+        </p:txBody>
+      </p:sp>
+    </p:spTree>
+    <p:extLst>
+      <p:ext uri="{BB962C8B-B14F-4D97-AF65-F5344CB8AC3E}">
+        <p14:creationId xmlns:p14="http://schemas.microsoft.com/office/powerpoint/2010/main" val="282308028"/>
+      </p:ext>
+    </p:extLst>
+  </p:cSld>
+  <p:clrMapOvr>
+    <a:masterClrMapping/>
+  </p:clrMapOvr>
+</p:sld>
+</file>
+
+<file path=ppt/slides/slide9.xml><?xml version="1.0" encoding="utf-8"?>
+<p:sld xmlns:a="http://schemas.openxmlformats.org/drawingml/2006/main" xmlns:r="http://schemas.openxmlformats.org/officeDocument/2006/relationships" xmlns:p="http://schemas.openxmlformats.org/presentationml/2006/main">
+  <p:cSld>
+    <p:spTree>
+      <p:nvGrpSpPr>
+        <p:cNvPr id="1" name=""/>
+        <p:cNvGrpSpPr/>
+        <p:nvPr/>
+      </p:nvGrpSpPr>
+      <p:grpSpPr>
+        <a:xfrm>
+          <a:off x="0" y="0"/>
+          <a:ext cx="0" cy="0"/>
+          <a:chOff x="0" y="0"/>
+          <a:chExt cx="0" cy="0"/>
+        </a:xfrm>
+      </p:grpSpPr>
+      <p:sp>
+        <p:nvSpPr>
+          <p:cNvPr id="2" name="Textplatzhalter 1">
+            <a:extLst>
+              <a:ext uri="{FF2B5EF4-FFF2-40B4-BE49-F238E27FC236}">
+                <a16:creationId xmlns:a16="http://schemas.microsoft.com/office/drawing/2014/main" id="{5B397D4E-4317-460A-A665-764C91367F07}"/>
+              </a:ext>
+            </a:extLst>
+          </p:cNvPr>
+          <p:cNvSpPr>
+            <a:spLocks noGrp="1"/>
+          </p:cNvSpPr>
+          <p:nvPr>
+            <p:ph type="body" sz="quarter" idx="13"/>
+          </p:nvPr>
+        </p:nvSpPr>
+        <p:spPr/>
+        <p:txBody>
+          <a:bodyPr/>
+          <a:lstStyle/>
+          <a:p>
+            <a:pPr algn="ctr"/>
+            <a:r>
+              <a:rPr lang="de-DE" dirty="0"/>
+              <a:t>SVM</a:t>
+            </a:r>
+          </a:p>
+        </p:txBody>
+      </p:sp>
+      <p:sp>
+        <p:nvSpPr>
+          <p:cNvPr id="3" name="Textplatzhalter 2">
+            <a:extLst>
+              <a:ext uri="{FF2B5EF4-FFF2-40B4-BE49-F238E27FC236}">
+                <a16:creationId xmlns:a16="http://schemas.microsoft.com/office/drawing/2014/main" id="{BDA74449-E3C1-4894-9086-9C8AD40FDE72}"/>
+              </a:ext>
+            </a:extLst>
+          </p:cNvPr>
+          <p:cNvSpPr>
+            <a:spLocks noGrp="1"/>
+          </p:cNvSpPr>
+          <p:nvPr>
+            <p:ph type="body" sz="quarter" idx="14"/>
+          </p:nvPr>
+        </p:nvSpPr>
+        <p:spPr/>
+        <p:txBody>
+          <a:bodyPr/>
+          <a:lstStyle/>
+          <a:p>
+            <a:endParaRPr lang="de-DE"/>
+          </a:p>
+        </p:txBody>
+      </p:sp>
+      <p:sp>
+        <p:nvSpPr>
+          <p:cNvPr id="4" name="Datumsplatzhalter 3">
+            <a:extLst>
+              <a:ext uri="{FF2B5EF4-FFF2-40B4-BE49-F238E27FC236}">
+                <a16:creationId xmlns:a16="http://schemas.microsoft.com/office/drawing/2014/main" id="{17B4E98B-30AD-49D1-91AC-5AD245D9C49E}"/>
+              </a:ext>
+            </a:extLst>
+          </p:cNvPr>
+          <p:cNvSpPr>
+            <a:spLocks noGrp="1"/>
+          </p:cNvSpPr>
+          <p:nvPr>
+            <p:ph type="dt" sz="half" idx="2"/>
+          </p:nvPr>
+        </p:nvSpPr>
+        <p:spPr/>
+        <p:txBody>
+          <a:bodyPr/>
+          <a:lstStyle/>
+          <a:p>
+            <a:fld id="{09D069C5-CC22-4E88-BB35-FA27CD7EA121}" type="datetime1">
+              <a:rPr lang="de-DE" smtClean="0"/>
+              <a:t>01.07.2020</a:t>
+            </a:fld>
+            <a:endParaRPr lang="de-DE" dirty="0"/>
+          </a:p>
+        </p:txBody>
+      </p:sp>
+      <p:sp>
+        <p:nvSpPr>
+          <p:cNvPr id="5" name="Fußzeilenplatzhalter 4">
+            <a:extLst>
+              <a:ext uri="{FF2B5EF4-FFF2-40B4-BE49-F238E27FC236}">
+                <a16:creationId xmlns:a16="http://schemas.microsoft.com/office/drawing/2014/main" id="{6866D9C7-EB32-4BF1-93BB-7BEB5EB8B380}"/>
+              </a:ext>
+            </a:extLst>
+          </p:cNvPr>
+          <p:cNvSpPr>
+            <a:spLocks noGrp="1"/>
+          </p:cNvSpPr>
+          <p:nvPr>
+            <p:ph type="ftr" sz="quarter" idx="3"/>
+          </p:nvPr>
+        </p:nvSpPr>
+        <p:spPr/>
+        <p:txBody>
+          <a:bodyPr/>
+          <a:lstStyle/>
+          <a:p>
+            <a:r>
+              <a:rPr lang="de-DE"/>
+              <a:t>Group 5 - Facial emotion recognition</a:t>
+            </a:r>
+            <a:endParaRPr lang="de-DE" dirty="0"/>
+          </a:p>
+        </p:txBody>
+      </p:sp>
+      <p:sp>
+        <p:nvSpPr>
+          <p:cNvPr id="6" name="Foliennummernplatzhalter 5">
+            <a:extLst>
+              <a:ext uri="{FF2B5EF4-FFF2-40B4-BE49-F238E27FC236}">
+                <a16:creationId xmlns:a16="http://schemas.microsoft.com/office/drawing/2014/main" id="{32488A70-7BBC-496E-BFEC-9017CABA6593}"/>
+              </a:ext>
+            </a:extLst>
+          </p:cNvPr>
+          <p:cNvSpPr>
+            <a:spLocks noGrp="1"/>
+          </p:cNvSpPr>
+          <p:nvPr>
+            <p:ph type="sldNum" sz="quarter" idx="4"/>
+          </p:nvPr>
+        </p:nvSpPr>
+        <p:spPr/>
+        <p:txBody>
+          <a:bodyPr/>
+          <a:lstStyle/>
+          <a:p>
+            <a:fld id="{3E01A2B2-10AD-754B-9B4C-E5B6FED423D0}" type="slidenum">
+              <a:rPr lang="de-DE" smtClean="0"/>
+              <a:t>9</a:t>
+            </a:fld>
+            <a:endParaRPr lang="de-DE"/>
+          </a:p>
+        </p:txBody>
+      </p:sp>
+      <p:sp>
+        <p:nvSpPr>
+          <p:cNvPr id="7" name="Ellipse 6">
+            <a:extLst>
+              <a:ext uri="{FF2B5EF4-FFF2-40B4-BE49-F238E27FC236}">
+                <a16:creationId xmlns:a16="http://schemas.microsoft.com/office/drawing/2014/main" id="{D18DA7AD-1BE1-4A3F-9B1F-A0C64CBB8D42}"/>
+              </a:ext>
+            </a:extLst>
+          </p:cNvPr>
+          <p:cNvSpPr/>
+          <p:nvPr/>
+        </p:nvSpPr>
+        <p:spPr>
+          <a:xfrm>
+            <a:off x="7506000" y="660839"/>
+            <a:ext cx="79209" cy="79209"/>
+          </a:xfrm>
+          <a:prstGeom prst="ellipse">
+            <a:avLst/>
+          </a:prstGeom>
+          <a:solidFill>
+            <a:srgbClr val="FF0000"/>
+          </a:solidFill>
+          <a:ln>
+            <a:noFill/>
+          </a:ln>
+          <a:effectLst/>
+        </p:spPr>
+        <p:style>
+          <a:lnRef idx="1">
+            <a:schemeClr val="accent1"/>
+          </a:lnRef>
+          <a:fillRef idx="3">
+            <a:schemeClr val="accent1"/>
+          </a:fillRef>
+          <a:effectRef idx="2">
+            <a:schemeClr val="accent1"/>
+          </a:effectRef>
+          <a:fontRef idx="minor">
+            <a:schemeClr val="lt1"/>
+          </a:fontRef>
+        </p:style>
+        <p:txBody>
+          <a:bodyPr rtlCol="0" anchor="ctr"/>
+          <a:lstStyle/>
+          <a:p>
+            <a:pPr algn="ctr"/>
+            <a:endParaRPr lang="de-DE"/>
+          </a:p>
+        </p:txBody>
+      </p:sp>
+    </p:spTree>
+    <p:extLst>
+      <p:ext uri="{BB962C8B-B14F-4D97-AF65-F5344CB8AC3E}">
+        <p14:creationId xmlns:p14="http://schemas.microsoft.com/office/powerpoint/2010/main" val="685174305"/>
       </p:ext>
     </p:extLst>
   </p:cSld>
